--- a/jms-basics-day-one.pptx
+++ b/jms-basics-day-one.pptx
@@ -7,25 +7,31 @@
   <p:sldIdLst>
     <p:sldId id="256" r:id="rId2"/>
     <p:sldId id="275" r:id="rId3"/>
-    <p:sldId id="261" r:id="rId4"/>
-    <p:sldId id="257" r:id="rId5"/>
-    <p:sldId id="262" r:id="rId6"/>
-    <p:sldId id="258" r:id="rId7"/>
-    <p:sldId id="265" r:id="rId8"/>
-    <p:sldId id="260" r:id="rId9"/>
-    <p:sldId id="259" r:id="rId10"/>
-    <p:sldId id="268" r:id="rId11"/>
-    <p:sldId id="269" r:id="rId12"/>
-    <p:sldId id="270" r:id="rId13"/>
-    <p:sldId id="263" r:id="rId14"/>
-    <p:sldId id="273" r:id="rId15"/>
-    <p:sldId id="264" r:id="rId16"/>
-    <p:sldId id="272" r:id="rId17"/>
-    <p:sldId id="271" r:id="rId18"/>
-    <p:sldId id="274" r:id="rId19"/>
-    <p:sldId id="276" r:id="rId20"/>
-    <p:sldId id="267" r:id="rId21"/>
-    <p:sldId id="266" r:id="rId22"/>
+    <p:sldId id="277" r:id="rId4"/>
+    <p:sldId id="281" r:id="rId5"/>
+    <p:sldId id="261" r:id="rId6"/>
+    <p:sldId id="257" r:id="rId7"/>
+    <p:sldId id="258" r:id="rId8"/>
+    <p:sldId id="262" r:id="rId9"/>
+    <p:sldId id="265" r:id="rId10"/>
+    <p:sldId id="260" r:id="rId11"/>
+    <p:sldId id="259" r:id="rId12"/>
+    <p:sldId id="279" r:id="rId13"/>
+    <p:sldId id="280" r:id="rId14"/>
+    <p:sldId id="268" r:id="rId15"/>
+    <p:sldId id="278" r:id="rId16"/>
+    <p:sldId id="269" r:id="rId17"/>
+    <p:sldId id="270" r:id="rId18"/>
+    <p:sldId id="263" r:id="rId19"/>
+    <p:sldId id="273" r:id="rId20"/>
+    <p:sldId id="283" r:id="rId21"/>
+    <p:sldId id="264" r:id="rId22"/>
+    <p:sldId id="272" r:id="rId23"/>
+    <p:sldId id="282" r:id="rId24"/>
+    <p:sldId id="271" r:id="rId25"/>
+    <p:sldId id="276" r:id="rId26"/>
+    <p:sldId id="267" r:id="rId27"/>
+    <p:sldId id="266" r:id="rId28"/>
   </p:sldIdLst>
   <p:sldSz cx="12192000" cy="6858000"/>
   <p:notesSz cx="6858000" cy="9144000"/>
@@ -318,7 +324,7 @@
           <a:p>
             <a:fld id="{4AAD347D-5ACD-4C99-B74B-A9C85AD731AF}" type="datetimeFigureOut">
               <a:rPr lang="en-US" dirty="0"/>
-              <a:t>11/14/2017</a:t>
+              <a:t>11/24/2017</a:t>
             </a:fld>
             <a:endParaRPr lang="en-US" dirty="0"/>
           </a:p>
@@ -588,7 +594,7 @@
           <a:p>
             <a:fld id="{4509A250-FF31-4206-8172-F9D3106AACB1}" type="datetimeFigureOut">
               <a:rPr lang="en-US" dirty="0"/>
-              <a:t>11/14/2017</a:t>
+              <a:t>11/24/2017</a:t>
             </a:fld>
             <a:endParaRPr lang="en-US" dirty="0"/>
           </a:p>
@@ -777,7 +783,7 @@
           <a:p>
             <a:fld id="{4509A250-FF31-4206-8172-F9D3106AACB1}" type="datetimeFigureOut">
               <a:rPr lang="en-US" dirty="0"/>
-              <a:t>11/14/2017</a:t>
+              <a:t>11/24/2017</a:t>
             </a:fld>
             <a:endParaRPr lang="en-US" dirty="0"/>
           </a:p>
@@ -1045,7 +1051,7 @@
           <a:p>
             <a:fld id="{4509A250-FF31-4206-8172-F9D3106AACB1}" type="datetimeFigureOut">
               <a:rPr lang="en-US" dirty="0"/>
-              <a:t>11/14/2017</a:t>
+              <a:t>11/24/2017</a:t>
             </a:fld>
             <a:endParaRPr lang="en-US" dirty="0"/>
           </a:p>
@@ -1381,7 +1387,7 @@
           <a:p>
             <a:fld id="{4509A250-FF31-4206-8172-F9D3106AACB1}" type="datetimeFigureOut">
               <a:rPr lang="en-US" dirty="0"/>
-              <a:t>11/14/2017</a:t>
+              <a:t>11/24/2017</a:t>
             </a:fld>
             <a:endParaRPr lang="en-US" dirty="0"/>
           </a:p>
@@ -1999,7 +2005,7 @@
           <a:p>
             <a:fld id="{4509A250-FF31-4206-8172-F9D3106AACB1}" type="datetimeFigureOut">
               <a:rPr lang="en-US" dirty="0"/>
-              <a:t>11/14/2017</a:t>
+              <a:t>11/24/2017</a:t>
             </a:fld>
             <a:endParaRPr lang="en-US" dirty="0"/>
           </a:p>
@@ -2854,7 +2860,7 @@
           <a:p>
             <a:fld id="{4509A250-FF31-4206-8172-F9D3106AACB1}" type="datetimeFigureOut">
               <a:rPr lang="en-US" dirty="0"/>
-              <a:t>11/14/2017</a:t>
+              <a:t>11/24/2017</a:t>
             </a:fld>
             <a:endParaRPr lang="en-US" dirty="0"/>
           </a:p>
@@ -3019,7 +3025,7 @@
           <a:p>
             <a:fld id="{4509A250-FF31-4206-8172-F9D3106AACB1}" type="datetimeFigureOut">
               <a:rPr lang="en-US" dirty="0"/>
-              <a:t>11/14/2017</a:t>
+              <a:t>11/24/2017</a:t>
             </a:fld>
             <a:endParaRPr lang="en-US" dirty="0"/>
           </a:p>
@@ -3194,7 +3200,7 @@
           <a:p>
             <a:fld id="{4509A250-FF31-4206-8172-F9D3106AACB1}" type="datetimeFigureOut">
               <a:rPr lang="en-US" dirty="0"/>
-              <a:t>11/14/2017</a:t>
+              <a:t>11/24/2017</a:t>
             </a:fld>
             <a:endParaRPr lang="en-US" dirty="0"/>
           </a:p>
@@ -3359,7 +3365,7 @@
           <a:p>
             <a:fld id="{4509A250-FF31-4206-8172-F9D3106AACB1}" type="datetimeFigureOut">
               <a:rPr lang="en-US" dirty="0"/>
-              <a:t>11/14/2017</a:t>
+              <a:t>11/24/2017</a:t>
             </a:fld>
             <a:endParaRPr lang="en-US" dirty="0"/>
           </a:p>
@@ -3601,7 +3607,7 @@
           <a:p>
             <a:fld id="{9796027F-7875-4030-9381-8BD8C4F21935}" type="datetimeFigureOut">
               <a:rPr lang="en-US" dirty="0"/>
-              <a:t>11/14/2017</a:t>
+              <a:t>11/24/2017</a:t>
             </a:fld>
             <a:endParaRPr lang="en-US" dirty="0"/>
           </a:p>
@@ -3888,7 +3894,7 @@
           <a:p>
             <a:fld id="{9796027F-7875-4030-9381-8BD8C4F21935}" type="datetimeFigureOut">
               <a:rPr lang="en-US" dirty="0"/>
-              <a:t>11/14/2017</a:t>
+              <a:t>11/24/2017</a:t>
             </a:fld>
             <a:endParaRPr lang="en-US" dirty="0"/>
           </a:p>
@@ -4327,7 +4333,7 @@
           <a:p>
             <a:fld id="{9796027F-7875-4030-9381-8BD8C4F21935}" type="datetimeFigureOut">
               <a:rPr lang="en-US" dirty="0"/>
-              <a:t>11/14/2017</a:t>
+              <a:t>11/24/2017</a:t>
             </a:fld>
             <a:endParaRPr lang="en-US" dirty="0"/>
           </a:p>
@@ -4440,7 +4446,7 @@
           <a:p>
             <a:fld id="{4509A250-FF31-4206-8172-F9D3106AACB1}" type="datetimeFigureOut">
               <a:rPr lang="en-US" dirty="0"/>
-              <a:t>11/14/2017</a:t>
+              <a:t>11/24/2017</a:t>
             </a:fld>
             <a:endParaRPr lang="en-US" dirty="0"/>
           </a:p>
@@ -4530,7 +4536,7 @@
           <a:p>
             <a:fld id="{4509A250-FF31-4206-8172-F9D3106AACB1}" type="datetimeFigureOut">
               <a:rPr lang="en-US" dirty="0"/>
-              <a:t>11/14/2017</a:t>
+              <a:t>11/24/2017</a:t>
             </a:fld>
             <a:endParaRPr lang="en-US" dirty="0"/>
           </a:p>
@@ -4804,7 +4810,7 @@
           <a:p>
             <a:fld id="{4509A250-FF31-4206-8172-F9D3106AACB1}" type="datetimeFigureOut">
               <a:rPr lang="en-US" dirty="0"/>
-              <a:t>11/14/2017</a:t>
+              <a:t>11/24/2017</a:t>
             </a:fld>
             <a:endParaRPr lang="en-US" dirty="0"/>
           </a:p>
@@ -5074,7 +5080,7 @@
           <a:p>
             <a:fld id="{4509A250-FF31-4206-8172-F9D3106AACB1}" type="datetimeFigureOut">
               <a:rPr lang="en-US" dirty="0"/>
-              <a:t>11/14/2017</a:t>
+              <a:t>11/24/2017</a:t>
             </a:fld>
             <a:endParaRPr lang="en-US" dirty="0"/>
           </a:p>
@@ -5498,7 +5504,7 @@
           <a:p>
             <a:fld id="{4AAD347D-5ACD-4C99-B74B-A9C85AD731AF}" type="datetimeFigureOut">
               <a:rPr lang="en-US" dirty="0"/>
-              <a:t>11/14/2017</a:t>
+              <a:t>11/24/2017</a:t>
             </a:fld>
             <a:endParaRPr lang="en-US" dirty="0"/>
           </a:p>
@@ -6058,11 +6064,13 @@
         <p:spPr>
           <a:xfrm>
             <a:off x="1154955" y="4777379"/>
-            <a:ext cx="8825658" cy="1491615"/>
+            <a:ext cx="9356526" cy="1722275"/>
           </a:xfrm>
         </p:spPr>
         <p:txBody>
-          <a:bodyPr/>
+          <a:bodyPr>
+            <a:normAutofit fontScale="62500" lnSpcReduction="20000"/>
+          </a:bodyPr>
           <a:lstStyle/>
           <a:p>
             <a:r>
@@ -6075,7 +6083,7 @@
             </a:r>
             <a:r>
               <a:rPr lang="en-US" dirty="0" smtClean="0"/>
-              <a:t> enterprise platform</a:t>
+              <a:t> enterprise platform,</a:t>
             </a:r>
           </a:p>
           <a:p>
@@ -6087,12 +6095,30 @@
               <a:rPr lang="en-US" dirty="0" err="1" smtClean="0"/>
               <a:t>Rusev</a:t>
             </a:r>
+            <a:r>
+              <a:rPr lang="en-US" dirty="0" smtClean="0"/>
+              <a:t>,</a:t>
+            </a:r>
+          </a:p>
+          <a:p>
             <a:endParaRPr lang="en-US" dirty="0" smtClean="0"/>
           </a:p>
           <a:p>
             <a:r>
               <a:rPr lang="en-US" dirty="0" smtClean="0"/>
-              <a:t>Materials available at: </a:t>
+              <a:t>Materials available at:</a:t>
+            </a:r>
+          </a:p>
+          <a:p>
+            <a:r>
+              <a:rPr lang="en-US" dirty="0"/>
+              <a:t>https://github.com/ivorusev/jms-tutorial-app</a:t>
+            </a:r>
+          </a:p>
+          <a:p>
+            <a:r>
+              <a:rPr lang="en-US" dirty="0"/>
+              <a:t>https://github.com/ivorusev/jms-tutorial-resources </a:t>
             </a:r>
             <a:endParaRPr lang="bg-BG" dirty="0"/>
           </a:p>
@@ -6112,2831 +6138,6 @@
 </file>
 
 <file path=ppt/slides/slide10.xml><?xml version="1.0" encoding="utf-8"?>
-<p:sld xmlns:a="http://schemas.openxmlformats.org/drawingml/2006/main" xmlns:r="http://schemas.openxmlformats.org/officeDocument/2006/relationships" xmlns:p="http://schemas.openxmlformats.org/presentationml/2006/main">
-  <p:cSld>
-    <p:spTree>
-      <p:nvGrpSpPr>
-        <p:cNvPr id="1" name=""/>
-        <p:cNvGrpSpPr/>
-        <p:nvPr/>
-      </p:nvGrpSpPr>
-      <p:grpSpPr>
-        <a:xfrm>
-          <a:off x="0" y="0"/>
-          <a:ext cx="0" cy="0"/>
-          <a:chOff x="0" y="0"/>
-          <a:chExt cx="0" cy="0"/>
-        </a:xfrm>
-      </p:grpSpPr>
-      <p:sp>
-        <p:nvSpPr>
-          <p:cNvPr id="2" name="Title 1"/>
-          <p:cNvSpPr>
-            <a:spLocks noGrp="1"/>
-          </p:cNvSpPr>
-          <p:nvPr>
-            <p:ph type="title"/>
-          </p:nvPr>
-        </p:nvSpPr>
-        <p:spPr>
-          <a:xfrm>
-            <a:off x="646112" y="452718"/>
-            <a:ext cx="7039792" cy="1293704"/>
-          </a:xfrm>
-        </p:spPr>
-        <p:txBody>
-          <a:bodyPr/>
-          <a:lstStyle/>
-          <a:p>
-            <a:r>
-              <a:rPr lang="en-US" b="1" dirty="0" smtClean="0"/>
-              <a:t>To JMS or not to JMS (1)</a:t>
-            </a:r>
-            <a:r>
-              <a:rPr lang="en-US" b="1" dirty="0"/>
-              <a:t/>
-            </a:r>
-            <a:br>
-              <a:rPr lang="en-US" b="1" dirty="0"/>
-            </a:br>
-            <a:endParaRPr lang="bg-BG" dirty="0"/>
-          </a:p>
-        </p:txBody>
-      </p:sp>
-      <p:sp>
-        <p:nvSpPr>
-          <p:cNvPr id="3" name="Content Placeholder 2"/>
-          <p:cNvSpPr>
-            <a:spLocks noGrp="1"/>
-          </p:cNvSpPr>
-          <p:nvPr>
-            <p:ph idx="1"/>
-          </p:nvPr>
-        </p:nvSpPr>
-        <p:spPr>
-          <a:xfrm>
-            <a:off x="354227" y="2052918"/>
-            <a:ext cx="8127272" cy="2461417"/>
-          </a:xfrm>
-        </p:spPr>
-        <p:txBody>
-          <a:bodyPr/>
-          <a:lstStyle/>
-          <a:p>
-            <a:pPr lvl="1"/>
-            <a:r>
-              <a:rPr lang="en-US" dirty="0" smtClean="0"/>
-              <a:t>Don’t just pick </a:t>
-            </a:r>
-            <a:r>
-              <a:rPr lang="en-US" dirty="0"/>
-              <a:t>an MQ because “decoupling is good</a:t>
-            </a:r>
-            <a:r>
-              <a:rPr lang="en-US" dirty="0" smtClean="0"/>
-              <a:t>”;</a:t>
-            </a:r>
-          </a:p>
-          <a:p>
-            <a:pPr lvl="2"/>
-            <a:r>
-              <a:rPr lang="en-US" dirty="0" smtClean="0"/>
-              <a:t>They have a learning curve (Simplified in SEP by the core team);</a:t>
-            </a:r>
-          </a:p>
-          <a:p>
-            <a:pPr lvl="2"/>
-            <a:r>
-              <a:rPr lang="en-US" dirty="0" smtClean="0"/>
-              <a:t>JMS Clients have tons of configurations;</a:t>
-            </a:r>
-          </a:p>
-          <a:p>
-            <a:pPr lvl="2"/>
-            <a:r>
-              <a:rPr lang="en-US" dirty="0"/>
-              <a:t>If you overuse your MQ, then it adds latency to your </a:t>
-            </a:r>
-            <a:r>
-              <a:rPr lang="en-US" dirty="0" smtClean="0"/>
-              <a:t>system;</a:t>
-            </a:r>
-          </a:p>
-          <a:p>
-            <a:pPr lvl="2"/>
-            <a:r>
-              <a:rPr lang="en-US" dirty="0" smtClean="0"/>
-              <a:t>Harder </a:t>
-            </a:r>
-            <a:r>
-              <a:rPr lang="en-US" dirty="0"/>
-              <a:t>to track the program flow when analyzing </a:t>
-            </a:r>
-            <a:r>
-              <a:rPr lang="en-US" dirty="0" smtClean="0"/>
-              <a:t>problems (you can’t just see the </a:t>
-            </a:r>
-            <a:r>
-              <a:rPr lang="en-US" dirty="0" err="1" smtClean="0"/>
-              <a:t>stacktrace</a:t>
-            </a:r>
-            <a:r>
-              <a:rPr lang="en-US" dirty="0" smtClean="0"/>
-              <a:t>).</a:t>
-            </a:r>
-          </a:p>
-          <a:p>
-            <a:pPr lvl="2"/>
-            <a:endParaRPr lang="en-US" b="1" dirty="0" smtClean="0"/>
-          </a:p>
-          <a:p>
-            <a:endParaRPr lang="bg-BG" dirty="0"/>
-          </a:p>
-        </p:txBody>
-      </p:sp>
-      <p:pic>
-        <p:nvPicPr>
-          <p:cNvPr id="4" name="Picture 3"/>
-          <p:cNvPicPr>
-            <a:picLocks noChangeAspect="1"/>
-          </p:cNvPicPr>
-          <p:nvPr/>
-        </p:nvPicPr>
-        <p:blipFill>
-          <a:blip r:embed="rId2">
-            <a:extLst>
-              <a:ext uri="{28A0092B-C50C-407E-A947-70E740481C1C}">
-                <a14:useLocalDpi xmlns:a14="http://schemas.microsoft.com/office/drawing/2010/main" val="0"/>
-              </a:ext>
-            </a:extLst>
-          </a:blip>
-          <a:stretch>
-            <a:fillRect/>
-          </a:stretch>
-        </p:blipFill>
-        <p:spPr>
-          <a:xfrm>
-            <a:off x="8481499" y="1334215"/>
-            <a:ext cx="3648075" cy="2381250"/>
-          </a:xfrm>
-          <a:prstGeom prst="rect">
-            <a:avLst/>
-          </a:prstGeom>
-        </p:spPr>
-      </p:pic>
-      <p:pic>
-        <p:nvPicPr>
-          <p:cNvPr id="5" name="Picture 4"/>
-          <p:cNvPicPr>
-            <a:picLocks noChangeAspect="1"/>
-          </p:cNvPicPr>
-          <p:nvPr/>
-        </p:nvPicPr>
-        <p:blipFill>
-          <a:blip r:embed="rId3"/>
-          <a:stretch>
-            <a:fillRect/>
-          </a:stretch>
-        </p:blipFill>
-        <p:spPr>
-          <a:xfrm>
-            <a:off x="423689" y="4626007"/>
-            <a:ext cx="7562850" cy="1895475"/>
-          </a:xfrm>
-          <a:prstGeom prst="rect">
-            <a:avLst/>
-          </a:prstGeom>
-        </p:spPr>
-      </p:pic>
-    </p:spTree>
-    <p:extLst>
-      <p:ext uri="{BB962C8B-B14F-4D97-AF65-F5344CB8AC3E}">
-        <p14:creationId xmlns:p14="http://schemas.microsoft.com/office/powerpoint/2010/main" val="791432760"/>
-      </p:ext>
-    </p:extLst>
-  </p:cSld>
-  <p:clrMapOvr>
-    <a:masterClrMapping/>
-  </p:clrMapOvr>
-</p:sld>
-</file>
-
-<file path=ppt/slides/slide11.xml><?xml version="1.0" encoding="utf-8"?>
-<p:sld xmlns:a="http://schemas.openxmlformats.org/drawingml/2006/main" xmlns:r="http://schemas.openxmlformats.org/officeDocument/2006/relationships" xmlns:p="http://schemas.openxmlformats.org/presentationml/2006/main">
-  <p:cSld>
-    <p:spTree>
-      <p:nvGrpSpPr>
-        <p:cNvPr id="1" name=""/>
-        <p:cNvGrpSpPr/>
-        <p:nvPr/>
-      </p:nvGrpSpPr>
-      <p:grpSpPr>
-        <a:xfrm>
-          <a:off x="0" y="0"/>
-          <a:ext cx="0" cy="0"/>
-          <a:chOff x="0" y="0"/>
-          <a:chExt cx="0" cy="0"/>
-        </a:xfrm>
-      </p:grpSpPr>
-      <p:sp>
-        <p:nvSpPr>
-          <p:cNvPr id="2" name="Title 1"/>
-          <p:cNvSpPr>
-            <a:spLocks noGrp="1"/>
-          </p:cNvSpPr>
-          <p:nvPr>
-            <p:ph type="title"/>
-          </p:nvPr>
-        </p:nvSpPr>
-        <p:spPr/>
-        <p:txBody>
-          <a:bodyPr/>
-          <a:lstStyle/>
-          <a:p>
-            <a:r>
-              <a:rPr lang="en-US" b="1" dirty="0"/>
-              <a:t>To JMS or not to </a:t>
-            </a:r>
-            <a:r>
-              <a:rPr lang="en-US" b="1" dirty="0" smtClean="0"/>
-              <a:t>JMS (2)</a:t>
-            </a:r>
-            <a:r>
-              <a:rPr lang="en-US" b="1" dirty="0"/>
-              <a:t/>
-            </a:r>
-            <a:br>
-              <a:rPr lang="en-US" b="1" dirty="0"/>
-            </a:br>
-            <a:endParaRPr lang="bg-BG" dirty="0"/>
-          </a:p>
-        </p:txBody>
-      </p:sp>
-      <p:sp>
-        <p:nvSpPr>
-          <p:cNvPr id="3" name="Content Placeholder 2"/>
-          <p:cNvSpPr>
-            <a:spLocks noGrp="1"/>
-          </p:cNvSpPr>
-          <p:nvPr>
-            <p:ph idx="1"/>
-          </p:nvPr>
-        </p:nvSpPr>
-        <p:spPr>
-          <a:xfrm>
-            <a:off x="1103312" y="2052918"/>
-            <a:ext cx="8946541" cy="4553828"/>
-          </a:xfrm>
-        </p:spPr>
-        <p:txBody>
-          <a:bodyPr/>
-          <a:lstStyle/>
-          <a:p>
-            <a:pPr lvl="1"/>
-            <a:r>
-              <a:rPr lang="en-US" dirty="0" smtClean="0"/>
-              <a:t>When to consider using MQ:</a:t>
-            </a:r>
-          </a:p>
-          <a:p>
-            <a:pPr lvl="2"/>
-            <a:r>
-              <a:rPr lang="en-US" b="1" dirty="0" smtClean="0"/>
-              <a:t>Decoupling</a:t>
-            </a:r>
-            <a:endParaRPr lang="en-US" dirty="0"/>
-          </a:p>
-          <a:p>
-            <a:pPr lvl="2"/>
-            <a:r>
-              <a:rPr lang="en-US" b="1" dirty="0"/>
-              <a:t>Redundancy </a:t>
-            </a:r>
-            <a:r>
-              <a:rPr lang="en-US" b="1" dirty="0" smtClean="0"/>
-              <a:t>- </a:t>
-            </a:r>
-            <a:r>
-              <a:rPr lang="en-US" dirty="0"/>
-              <a:t>Sometimes processes fail when processing data. Unless that data is persisted, it’s lost </a:t>
-            </a:r>
-            <a:r>
-              <a:rPr lang="en-US" dirty="0" smtClean="0"/>
-              <a:t>forever;</a:t>
-            </a:r>
-            <a:endParaRPr lang="en-US" b="1" dirty="0" smtClean="0"/>
-          </a:p>
-          <a:p>
-            <a:pPr lvl="2"/>
-            <a:r>
-              <a:rPr lang="en-US" b="1" dirty="0"/>
-              <a:t>Scalability </a:t>
-            </a:r>
-            <a:r>
-              <a:rPr lang="en-US" b="1" dirty="0" smtClean="0"/>
-              <a:t>- </a:t>
-            </a:r>
-            <a:r>
-              <a:rPr lang="en-US" dirty="0"/>
-              <a:t>Because message queues decouple your processes, it’s easy to scale up the rate with which messages are added to the queue or processed; simply add another </a:t>
-            </a:r>
-            <a:r>
-              <a:rPr lang="en-US" dirty="0" smtClean="0"/>
-              <a:t>process;</a:t>
-            </a:r>
-            <a:endParaRPr lang="en-US" b="1" dirty="0" smtClean="0"/>
-          </a:p>
-          <a:p>
-            <a:pPr lvl="2"/>
-            <a:r>
-              <a:rPr lang="en-US" b="1" dirty="0"/>
-              <a:t>Elasticity &amp; </a:t>
-            </a:r>
-            <a:r>
-              <a:rPr lang="en-US" b="1" dirty="0" err="1" smtClean="0"/>
-              <a:t>Spikeability</a:t>
-            </a:r>
-            <a:r>
-              <a:rPr lang="en-US" b="1" dirty="0" smtClean="0"/>
-              <a:t> - </a:t>
-            </a:r>
-            <a:r>
-              <a:rPr lang="en-US" dirty="0"/>
-              <a:t>When your application hits </a:t>
-            </a:r>
-            <a:r>
-              <a:rPr lang="en-US" dirty="0" smtClean="0"/>
-              <a:t>live and there’s huge load, mitigates it;</a:t>
-            </a:r>
-            <a:endParaRPr lang="en-US" b="1" dirty="0" smtClean="0"/>
-          </a:p>
-          <a:p>
-            <a:pPr lvl="2"/>
-            <a:r>
-              <a:rPr lang="en-US" b="1" dirty="0" smtClean="0"/>
-              <a:t>Resiliency - </a:t>
-            </a:r>
-            <a:r>
-              <a:rPr lang="en-US" dirty="0"/>
-              <a:t>When part of your architecture fails, it doesn’t need to take the entire system down with </a:t>
-            </a:r>
-            <a:r>
-              <a:rPr lang="en-US" dirty="0" smtClean="0"/>
-              <a:t>it</a:t>
-            </a:r>
-            <a:r>
-              <a:rPr lang="en-US" dirty="0"/>
-              <a:t> </a:t>
-            </a:r>
-            <a:r>
-              <a:rPr lang="en-US" dirty="0" smtClean="0"/>
-              <a:t>(#</a:t>
-            </a:r>
-            <a:r>
-              <a:rPr lang="en-US" dirty="0" err="1" smtClean="0"/>
-              <a:t>rememberOCR</a:t>
-            </a:r>
-            <a:r>
-              <a:rPr lang="en-US" dirty="0" smtClean="0"/>
-              <a:t>).</a:t>
-            </a:r>
-            <a:endParaRPr lang="en-US" b="1" dirty="0" smtClean="0"/>
-          </a:p>
-        </p:txBody>
-      </p:sp>
-    </p:spTree>
-    <p:extLst>
-      <p:ext uri="{BB962C8B-B14F-4D97-AF65-F5344CB8AC3E}">
-        <p14:creationId xmlns:p14="http://schemas.microsoft.com/office/powerpoint/2010/main" val="168345824"/>
-      </p:ext>
-    </p:extLst>
-  </p:cSld>
-  <p:clrMapOvr>
-    <a:masterClrMapping/>
-  </p:clrMapOvr>
-</p:sld>
-</file>
-
-<file path=ppt/slides/slide12.xml><?xml version="1.0" encoding="utf-8"?>
-<p:sld xmlns:a="http://schemas.openxmlformats.org/drawingml/2006/main" xmlns:r="http://schemas.openxmlformats.org/officeDocument/2006/relationships" xmlns:p="http://schemas.openxmlformats.org/presentationml/2006/main">
-  <p:cSld>
-    <p:spTree>
-      <p:nvGrpSpPr>
-        <p:cNvPr id="1" name=""/>
-        <p:cNvGrpSpPr/>
-        <p:nvPr/>
-      </p:nvGrpSpPr>
-      <p:grpSpPr>
-        <a:xfrm>
-          <a:off x="0" y="0"/>
-          <a:ext cx="0" cy="0"/>
-          <a:chOff x="0" y="0"/>
-          <a:chExt cx="0" cy="0"/>
-        </a:xfrm>
-      </p:grpSpPr>
-      <p:sp>
-        <p:nvSpPr>
-          <p:cNvPr id="2" name="Title 1"/>
-          <p:cNvSpPr>
-            <a:spLocks noGrp="1"/>
-          </p:cNvSpPr>
-          <p:nvPr>
-            <p:ph type="title"/>
-          </p:nvPr>
-        </p:nvSpPr>
-        <p:spPr/>
-        <p:txBody>
-          <a:bodyPr/>
-          <a:lstStyle/>
-          <a:p>
-            <a:r>
-              <a:rPr lang="en-US" b="1" dirty="0"/>
-              <a:t>To JMS or not to </a:t>
-            </a:r>
-            <a:r>
-              <a:rPr lang="en-US" b="1" dirty="0" smtClean="0"/>
-              <a:t>JMS (3)</a:t>
-            </a:r>
-            <a:r>
-              <a:rPr lang="en-US" b="1" dirty="0"/>
-              <a:t/>
-            </a:r>
-            <a:br>
-              <a:rPr lang="en-US" b="1" dirty="0"/>
-            </a:br>
-            <a:endParaRPr lang="bg-BG" dirty="0"/>
-          </a:p>
-        </p:txBody>
-      </p:sp>
-      <p:sp>
-        <p:nvSpPr>
-          <p:cNvPr id="3" name="Content Placeholder 2"/>
-          <p:cNvSpPr>
-            <a:spLocks noGrp="1"/>
-          </p:cNvSpPr>
-          <p:nvPr>
-            <p:ph idx="1"/>
-          </p:nvPr>
-        </p:nvSpPr>
-        <p:spPr>
-          <a:xfrm>
-            <a:off x="1103312" y="2052918"/>
-            <a:ext cx="8946541" cy="4553828"/>
-          </a:xfrm>
-        </p:spPr>
-        <p:txBody>
-          <a:bodyPr/>
-          <a:lstStyle/>
-          <a:p>
-            <a:pPr lvl="1"/>
-            <a:r>
-              <a:rPr lang="en-US" dirty="0" smtClean="0"/>
-              <a:t>When to consider using MQ:</a:t>
-            </a:r>
-            <a:endParaRPr lang="en-US" b="1" dirty="0"/>
-          </a:p>
-          <a:p>
-            <a:pPr lvl="2"/>
-            <a:r>
-              <a:rPr lang="en-US" b="1" dirty="0" smtClean="0"/>
-              <a:t>Delivery Guarantees - </a:t>
-            </a:r>
-            <a:r>
-              <a:rPr lang="en-US" dirty="0"/>
-              <a:t>The redundancy provided by message queues guarantees that a message will be processed </a:t>
-            </a:r>
-            <a:r>
-              <a:rPr lang="en-US" dirty="0" smtClean="0"/>
-              <a:t>eventually</a:t>
-            </a:r>
-          </a:p>
-          <a:p>
-            <a:pPr lvl="2"/>
-            <a:r>
-              <a:rPr lang="en-US" b="1" dirty="0"/>
-              <a:t>Ordering </a:t>
-            </a:r>
-            <a:r>
-              <a:rPr lang="en-US" b="1" dirty="0" smtClean="0"/>
-              <a:t>Guarantees - </a:t>
-            </a:r>
-            <a:r>
-              <a:rPr lang="en-US" dirty="0"/>
-              <a:t>In a lot of situations, the order with which data is processed is important</a:t>
-            </a:r>
-            <a:r>
-              <a:rPr lang="en-US" dirty="0" smtClean="0"/>
-              <a:t>.</a:t>
-            </a:r>
-          </a:p>
-          <a:p>
-            <a:pPr lvl="2"/>
-            <a:r>
-              <a:rPr lang="en-US" b="1" dirty="0"/>
-              <a:t>Asynchronous </a:t>
-            </a:r>
-            <a:r>
-              <a:rPr lang="en-US" b="1" dirty="0" smtClean="0"/>
-              <a:t>Communication - </a:t>
-            </a:r>
-            <a:r>
-              <a:rPr lang="en-US" dirty="0"/>
-              <a:t>A lot of times, you don’t want to or need to process a message immediately. Message queues enable asynchronous processing, which allows you to put a message on the queue without processing </a:t>
-            </a:r>
-            <a:r>
-              <a:rPr lang="en-US" dirty="0" smtClean="0"/>
-              <a:t>it.</a:t>
-            </a:r>
-          </a:p>
-          <a:p>
-            <a:pPr lvl="2"/>
-            <a:endParaRPr lang="en-US" dirty="0"/>
-          </a:p>
-        </p:txBody>
-      </p:sp>
-    </p:spTree>
-    <p:extLst>
-      <p:ext uri="{BB962C8B-B14F-4D97-AF65-F5344CB8AC3E}">
-        <p14:creationId xmlns:p14="http://schemas.microsoft.com/office/powerpoint/2010/main" val="2368404350"/>
-      </p:ext>
-    </p:extLst>
-  </p:cSld>
-  <p:clrMapOvr>
-    <a:masterClrMapping/>
-  </p:clrMapOvr>
-</p:sld>
-</file>
-
-<file path=ppt/slides/slide13.xml><?xml version="1.0" encoding="utf-8"?>
-<p:sld xmlns:a="http://schemas.openxmlformats.org/drawingml/2006/main" xmlns:r="http://schemas.openxmlformats.org/officeDocument/2006/relationships" xmlns:p="http://schemas.openxmlformats.org/presentationml/2006/main">
-  <p:cSld>
-    <p:spTree>
-      <p:nvGrpSpPr>
-        <p:cNvPr id="1" name=""/>
-        <p:cNvGrpSpPr/>
-        <p:nvPr/>
-      </p:nvGrpSpPr>
-      <p:grpSpPr>
-        <a:xfrm>
-          <a:off x="0" y="0"/>
-          <a:ext cx="0" cy="0"/>
-          <a:chOff x="0" y="0"/>
-          <a:chExt cx="0" cy="0"/>
-        </a:xfrm>
-      </p:grpSpPr>
-      <p:sp>
-        <p:nvSpPr>
-          <p:cNvPr id="2" name="Title 1"/>
-          <p:cNvSpPr>
-            <a:spLocks noGrp="1"/>
-          </p:cNvSpPr>
-          <p:nvPr>
-            <p:ph type="title"/>
-          </p:nvPr>
-        </p:nvSpPr>
-        <p:spPr/>
-        <p:txBody>
-          <a:bodyPr/>
-          <a:lstStyle/>
-          <a:p>
-            <a:r>
-              <a:rPr lang="en-US" b="1" dirty="0" smtClean="0"/>
-              <a:t>JMS Usages (1) : OCR</a:t>
-            </a:r>
-            <a:r>
-              <a:rPr lang="en-US" b="1" dirty="0"/>
-              <a:t/>
-            </a:r>
-            <a:br>
-              <a:rPr lang="en-US" b="1" dirty="0"/>
-            </a:br>
-            <a:endParaRPr lang="bg-BG" dirty="0"/>
-          </a:p>
-        </p:txBody>
-      </p:sp>
-      <p:sp>
-        <p:nvSpPr>
-          <p:cNvPr id="3" name="Content Placeholder 2"/>
-          <p:cNvSpPr>
-            <a:spLocks noGrp="1"/>
-          </p:cNvSpPr>
-          <p:nvPr>
-            <p:ph idx="1"/>
-          </p:nvPr>
-        </p:nvSpPr>
-        <p:spPr>
-          <a:xfrm>
-            <a:off x="1103312" y="2052918"/>
-            <a:ext cx="8946541" cy="4553828"/>
-          </a:xfrm>
-        </p:spPr>
-        <p:txBody>
-          <a:bodyPr/>
-          <a:lstStyle/>
-          <a:p>
-            <a:r>
-              <a:rPr lang="en-US" dirty="0" smtClean="0"/>
-              <a:t>What did we do?</a:t>
-            </a:r>
-          </a:p>
-          <a:p>
-            <a:pPr lvl="1"/>
-            <a:r>
-              <a:rPr lang="en-US" dirty="0" smtClean="0"/>
-              <a:t>Platform</a:t>
-            </a:r>
-          </a:p>
-          <a:p>
-            <a:pPr lvl="2"/>
-            <a:r>
-              <a:rPr lang="en-US" dirty="0" smtClean="0"/>
-              <a:t>On content assign add to Topic;</a:t>
-            </a:r>
-          </a:p>
-          <a:p>
-            <a:pPr lvl="2"/>
-            <a:r>
-              <a:rPr lang="en-US" dirty="0" smtClean="0"/>
-              <a:t>Consume the messages from the topic and send them to a queue.</a:t>
-            </a:r>
-          </a:p>
-          <a:p>
-            <a:pPr lvl="1"/>
-            <a:r>
-              <a:rPr lang="en-US" dirty="0" smtClean="0"/>
-              <a:t>Service</a:t>
-            </a:r>
-          </a:p>
-          <a:p>
-            <a:pPr lvl="2"/>
-            <a:r>
-              <a:rPr lang="en-US" dirty="0" smtClean="0"/>
-              <a:t>Reads from the queue, OCRs, sends the information back.</a:t>
-            </a:r>
-          </a:p>
-          <a:p>
-            <a:pPr marL="0" indent="0">
-              <a:buNone/>
-            </a:pPr>
-            <a:endParaRPr lang="en-US" dirty="0"/>
-          </a:p>
-          <a:p>
-            <a:r>
-              <a:rPr lang="en-US" dirty="0" smtClean="0"/>
-              <a:t>Why did we do it?</a:t>
-            </a:r>
-          </a:p>
-          <a:p>
-            <a:pPr lvl="1"/>
-            <a:r>
-              <a:rPr lang="en-US" dirty="0" smtClean="0"/>
-              <a:t>Scalability;</a:t>
-            </a:r>
-          </a:p>
-          <a:p>
-            <a:pPr lvl="1"/>
-            <a:r>
-              <a:rPr lang="en-US" dirty="0"/>
-              <a:t>Delivery </a:t>
-            </a:r>
-            <a:r>
-              <a:rPr lang="en-US" dirty="0" smtClean="0"/>
-              <a:t>Guarantees;</a:t>
-            </a:r>
-          </a:p>
-          <a:p>
-            <a:pPr lvl="1"/>
-            <a:r>
-              <a:rPr lang="en-US" dirty="0" smtClean="0"/>
-              <a:t>Resiliency</a:t>
-            </a:r>
-            <a:r>
-              <a:rPr lang="en-US" dirty="0"/>
-              <a:t>.</a:t>
-            </a:r>
-            <a:endParaRPr lang="en-US" dirty="0" smtClean="0"/>
-          </a:p>
-          <a:p>
-            <a:pPr lvl="1"/>
-            <a:endParaRPr lang="en-US" b="1" dirty="0" smtClean="0"/>
-          </a:p>
-          <a:p>
-            <a:endParaRPr lang="bg-BG" dirty="0"/>
-          </a:p>
-        </p:txBody>
-      </p:sp>
-      <p:pic>
-        <p:nvPicPr>
-          <p:cNvPr id="4" name="Picture 3"/>
-          <p:cNvPicPr>
-            <a:picLocks noChangeAspect="1"/>
-          </p:cNvPicPr>
-          <p:nvPr/>
-        </p:nvPicPr>
-        <p:blipFill>
-          <a:blip r:embed="rId2">
-            <a:extLst>
-              <a:ext uri="{28A0092B-C50C-407E-A947-70E740481C1C}">
-                <a14:useLocalDpi xmlns:a14="http://schemas.microsoft.com/office/drawing/2010/main" val="0"/>
-              </a:ext>
-            </a:extLst>
-          </a:blip>
-          <a:stretch>
-            <a:fillRect/>
-          </a:stretch>
-        </p:blipFill>
-        <p:spPr>
-          <a:xfrm>
-            <a:off x="8589353" y="4052158"/>
-            <a:ext cx="2921000" cy="2197100"/>
-          </a:xfrm>
-          <a:prstGeom prst="rect">
-            <a:avLst/>
-          </a:prstGeom>
-        </p:spPr>
-      </p:pic>
-    </p:spTree>
-    <p:extLst>
-      <p:ext uri="{BB962C8B-B14F-4D97-AF65-F5344CB8AC3E}">
-        <p14:creationId xmlns:p14="http://schemas.microsoft.com/office/powerpoint/2010/main" val="3198627071"/>
-      </p:ext>
-    </p:extLst>
-  </p:cSld>
-  <p:clrMapOvr>
-    <a:masterClrMapping/>
-  </p:clrMapOvr>
-</p:sld>
-</file>
-
-<file path=ppt/slides/slide14.xml><?xml version="1.0" encoding="utf-8"?>
-<p:sld xmlns:a="http://schemas.openxmlformats.org/drawingml/2006/main" xmlns:r="http://schemas.openxmlformats.org/officeDocument/2006/relationships" xmlns:p="http://schemas.openxmlformats.org/presentationml/2006/main">
-  <p:cSld>
-    <p:spTree>
-      <p:nvGrpSpPr>
-        <p:cNvPr id="1" name=""/>
-        <p:cNvGrpSpPr/>
-        <p:nvPr/>
-      </p:nvGrpSpPr>
-      <p:grpSpPr>
-        <a:xfrm>
-          <a:off x="0" y="0"/>
-          <a:ext cx="0" cy="0"/>
-          <a:chOff x="0" y="0"/>
-          <a:chExt cx="0" cy="0"/>
-        </a:xfrm>
-      </p:grpSpPr>
-      <p:sp>
-        <p:nvSpPr>
-          <p:cNvPr id="2" name="Title 1"/>
-          <p:cNvSpPr>
-            <a:spLocks noGrp="1"/>
-          </p:cNvSpPr>
-          <p:nvPr>
-            <p:ph type="title"/>
-          </p:nvPr>
-        </p:nvSpPr>
-        <p:spPr/>
-        <p:txBody>
-          <a:bodyPr/>
-          <a:lstStyle/>
-          <a:p>
-            <a:r>
-              <a:rPr lang="en-US" dirty="0" smtClean="0"/>
-              <a:t>Optical Character Recognition JMS Usage</a:t>
-            </a:r>
-            <a:endParaRPr lang="bg-BG" dirty="0"/>
-          </a:p>
-        </p:txBody>
-      </p:sp>
-      <p:pic>
-        <p:nvPicPr>
-          <p:cNvPr id="6" name="Content Placeholder 5"/>
-          <p:cNvPicPr>
-            <a:picLocks noGrp="1" noChangeAspect="1"/>
-          </p:cNvPicPr>
-          <p:nvPr>
-            <p:ph sz="half" idx="1"/>
-          </p:nvPr>
-        </p:nvPicPr>
-        <p:blipFill>
-          <a:blip r:embed="rId2">
-            <a:extLst>
-              <a:ext uri="{28A0092B-C50C-407E-A947-70E740481C1C}">
-                <a14:useLocalDpi xmlns:a14="http://schemas.microsoft.com/office/drawing/2010/main" val="0"/>
-              </a:ext>
-            </a:extLst>
-          </a:blip>
-          <a:stretch>
-            <a:fillRect/>
-          </a:stretch>
-        </p:blipFill>
-        <p:spPr>
-          <a:xfrm>
-            <a:off x="4868005" y="2056091"/>
-            <a:ext cx="7187087" cy="4200245"/>
-          </a:xfrm>
-        </p:spPr>
-      </p:pic>
-      <p:sp>
-        <p:nvSpPr>
-          <p:cNvPr id="8" name="Content Placeholder 7"/>
-          <p:cNvSpPr>
-            <a:spLocks noGrp="1"/>
-          </p:cNvSpPr>
-          <p:nvPr>
-            <p:ph sz="half" idx="2"/>
-          </p:nvPr>
-        </p:nvSpPr>
-        <p:spPr>
-          <a:xfrm>
-            <a:off x="365801" y="2056091"/>
-            <a:ext cx="4396341" cy="4200245"/>
-          </a:xfrm>
-        </p:spPr>
-        <p:txBody>
-          <a:bodyPr/>
-          <a:lstStyle/>
-          <a:p>
-            <a:r>
-              <a:rPr lang="en-US" dirty="0" smtClean="0"/>
-              <a:t>SEP Design</a:t>
-            </a:r>
-          </a:p>
-          <a:p>
-            <a:pPr lvl="1"/>
-            <a:r>
-              <a:rPr lang="en-US" dirty="0" smtClean="0"/>
-              <a:t>Adding contents to Topic;</a:t>
-            </a:r>
-          </a:p>
-          <a:p>
-            <a:pPr lvl="1"/>
-            <a:r>
-              <a:rPr lang="en-US" dirty="0" smtClean="0"/>
-              <a:t>Subscribing to Topic and sending to queue.</a:t>
-            </a:r>
-          </a:p>
-          <a:p>
-            <a:pPr lvl="1"/>
-            <a:endParaRPr lang="en-US" dirty="0"/>
-          </a:p>
-          <a:p>
-            <a:r>
-              <a:rPr lang="en-US" dirty="0" smtClean="0"/>
-              <a:t>OCR Service Design</a:t>
-            </a:r>
-          </a:p>
-          <a:p>
-            <a:pPr lvl="1"/>
-            <a:r>
-              <a:rPr lang="en-US" dirty="0" smtClean="0"/>
-              <a:t>Listens for queue messages;</a:t>
-            </a:r>
-          </a:p>
-          <a:p>
-            <a:pPr lvl="1"/>
-            <a:r>
-              <a:rPr lang="en-US" dirty="0" smtClean="0"/>
-              <a:t>Synchronous OCR processing.</a:t>
-            </a:r>
-            <a:endParaRPr lang="bg-BG" dirty="0"/>
-          </a:p>
-        </p:txBody>
-      </p:sp>
-    </p:spTree>
-    <p:extLst>
-      <p:ext uri="{BB962C8B-B14F-4D97-AF65-F5344CB8AC3E}">
-        <p14:creationId xmlns:p14="http://schemas.microsoft.com/office/powerpoint/2010/main" val="1210205287"/>
-      </p:ext>
-    </p:extLst>
-  </p:cSld>
-  <p:clrMapOvr>
-    <a:masterClrMapping/>
-  </p:clrMapOvr>
-</p:sld>
-</file>
-
-<file path=ppt/slides/slide15.xml><?xml version="1.0" encoding="utf-8"?>
-<p:sld xmlns:a="http://schemas.openxmlformats.org/drawingml/2006/main" xmlns:r="http://schemas.openxmlformats.org/officeDocument/2006/relationships" xmlns:p="http://schemas.openxmlformats.org/presentationml/2006/main">
-  <p:cSld>
-    <p:spTree>
-      <p:nvGrpSpPr>
-        <p:cNvPr id="1" name=""/>
-        <p:cNvGrpSpPr/>
-        <p:nvPr/>
-      </p:nvGrpSpPr>
-      <p:grpSpPr>
-        <a:xfrm>
-          <a:off x="0" y="0"/>
-          <a:ext cx="0" cy="0"/>
-          <a:chOff x="0" y="0"/>
-          <a:chExt cx="0" cy="0"/>
-        </a:xfrm>
-      </p:grpSpPr>
-      <p:sp>
-        <p:nvSpPr>
-          <p:cNvPr id="2" name="Title 1"/>
-          <p:cNvSpPr>
-            <a:spLocks noGrp="1"/>
-          </p:cNvSpPr>
-          <p:nvPr>
-            <p:ph type="title"/>
-          </p:nvPr>
-        </p:nvSpPr>
-        <p:spPr/>
-        <p:txBody>
-          <a:bodyPr/>
-          <a:lstStyle/>
-          <a:p>
-            <a:r>
-              <a:rPr lang="en-US" b="1" dirty="0" smtClean="0"/>
-              <a:t>JMS Usages (2) : </a:t>
-            </a:r>
-            <a:r>
-              <a:rPr lang="en-US" b="1" dirty="0" err="1" smtClean="0"/>
-              <a:t>eGov</a:t>
-            </a:r>
-            <a:r>
-              <a:rPr lang="en-US" b="1" dirty="0"/>
-              <a:t/>
-            </a:r>
-            <a:br>
-              <a:rPr lang="en-US" b="1" dirty="0"/>
-            </a:br>
-            <a:endParaRPr lang="bg-BG" dirty="0"/>
-          </a:p>
-        </p:txBody>
-      </p:sp>
-      <p:sp>
-        <p:nvSpPr>
-          <p:cNvPr id="3" name="Content Placeholder 2"/>
-          <p:cNvSpPr>
-            <a:spLocks noGrp="1"/>
-          </p:cNvSpPr>
-          <p:nvPr>
-            <p:ph idx="1"/>
-          </p:nvPr>
-        </p:nvSpPr>
-        <p:spPr/>
-        <p:txBody>
-          <a:bodyPr/>
-          <a:lstStyle/>
-          <a:p>
-            <a:r>
-              <a:rPr lang="en-US" dirty="0" err="1" smtClean="0"/>
-              <a:t>eGov</a:t>
-            </a:r>
-            <a:r>
-              <a:rPr lang="bg-BG" dirty="0" smtClean="0"/>
-              <a:t> – </a:t>
-            </a:r>
-            <a:r>
-              <a:rPr lang="en-US" dirty="0" err="1" smtClean="0"/>
-              <a:t>eServiceApplicationProcessor</a:t>
-            </a:r>
-            <a:endParaRPr lang="en-US" dirty="0" smtClean="0"/>
-          </a:p>
-          <a:p>
-            <a:pPr lvl="1"/>
-            <a:r>
-              <a:rPr lang="en-US" dirty="0" smtClean="0"/>
-              <a:t>Quick </a:t>
-            </a:r>
-            <a:r>
-              <a:rPr lang="en-US" dirty="0" err="1" smtClean="0"/>
-              <a:t>eGov</a:t>
-            </a:r>
-            <a:r>
-              <a:rPr lang="en-US" dirty="0" smtClean="0"/>
-              <a:t> architecture overview;</a:t>
-            </a:r>
-          </a:p>
-          <a:p>
-            <a:pPr lvl="1"/>
-            <a:r>
-              <a:rPr lang="en-US" dirty="0" smtClean="0"/>
-              <a:t>What did we do?</a:t>
-            </a:r>
-          </a:p>
-          <a:p>
-            <a:endParaRPr lang="en-US" dirty="0"/>
-          </a:p>
-          <a:p>
-            <a:r>
-              <a:rPr lang="en-US" dirty="0" smtClean="0"/>
-              <a:t>Why did we do it?</a:t>
-            </a:r>
-          </a:p>
-          <a:p>
-            <a:pPr lvl="1"/>
-            <a:r>
-              <a:rPr lang="en-US" dirty="0"/>
-              <a:t>Delivery </a:t>
-            </a:r>
-            <a:r>
-              <a:rPr lang="en-US" dirty="0" smtClean="0"/>
-              <a:t>Guarantees;</a:t>
-            </a:r>
-          </a:p>
-          <a:p>
-            <a:pPr lvl="1"/>
-            <a:r>
-              <a:rPr lang="en-US" dirty="0"/>
-              <a:t>Ordering </a:t>
-            </a:r>
-            <a:r>
-              <a:rPr lang="en-US" dirty="0" smtClean="0"/>
-              <a:t>Guarantees;</a:t>
-            </a:r>
-          </a:p>
-          <a:p>
-            <a:pPr lvl="1"/>
-            <a:r>
-              <a:rPr lang="en-US" dirty="0"/>
-              <a:t>Elasticity &amp; </a:t>
-            </a:r>
-            <a:r>
-              <a:rPr lang="en-US" dirty="0" err="1" smtClean="0"/>
-              <a:t>Spikeability</a:t>
-            </a:r>
-            <a:r>
-              <a:rPr lang="en-US" dirty="0"/>
-              <a:t>.</a:t>
-            </a:r>
-            <a:endParaRPr lang="en-US" dirty="0" smtClean="0"/>
-          </a:p>
-          <a:p>
-            <a:pPr lvl="1"/>
-            <a:endParaRPr lang="en-US" dirty="0" smtClean="0"/>
-          </a:p>
-          <a:p>
-            <a:r>
-              <a:rPr lang="en-US" dirty="0" smtClean="0"/>
-              <a:t>Why not implement it with persistent tasks? Order and states!</a:t>
-            </a:r>
-            <a:endParaRPr lang="bg-BG" dirty="0"/>
-          </a:p>
-        </p:txBody>
-      </p:sp>
-      <p:pic>
-        <p:nvPicPr>
-          <p:cNvPr id="4" name="Picture 3"/>
-          <p:cNvPicPr>
-            <a:picLocks noChangeAspect="1"/>
-          </p:cNvPicPr>
-          <p:nvPr/>
-        </p:nvPicPr>
-        <p:blipFill>
-          <a:blip r:embed="rId2">
-            <a:extLst>
-              <a:ext uri="{28A0092B-C50C-407E-A947-70E740481C1C}">
-                <a14:useLocalDpi xmlns:a14="http://schemas.microsoft.com/office/drawing/2010/main" val="0"/>
-              </a:ext>
-            </a:extLst>
-          </a:blip>
-          <a:stretch>
-            <a:fillRect/>
-          </a:stretch>
-        </p:blipFill>
-        <p:spPr>
-          <a:xfrm>
-            <a:off x="9878692" y="1345898"/>
-            <a:ext cx="1825752" cy="2139696"/>
-          </a:xfrm>
-          <a:prstGeom prst="rect">
-            <a:avLst/>
-          </a:prstGeom>
-        </p:spPr>
-      </p:pic>
-    </p:spTree>
-    <p:extLst>
-      <p:ext uri="{BB962C8B-B14F-4D97-AF65-F5344CB8AC3E}">
-        <p14:creationId xmlns:p14="http://schemas.microsoft.com/office/powerpoint/2010/main" val="2543051187"/>
-      </p:ext>
-    </p:extLst>
-  </p:cSld>
-  <p:clrMapOvr>
-    <a:masterClrMapping/>
-  </p:clrMapOvr>
-</p:sld>
-</file>
-
-<file path=ppt/slides/slide16.xml><?xml version="1.0" encoding="utf-8"?>
-<p:sld xmlns:a="http://schemas.openxmlformats.org/drawingml/2006/main" xmlns:r="http://schemas.openxmlformats.org/officeDocument/2006/relationships" xmlns:p="http://schemas.openxmlformats.org/presentationml/2006/main">
-  <p:cSld>
-    <p:spTree>
-      <p:nvGrpSpPr>
-        <p:cNvPr id="1" name=""/>
-        <p:cNvGrpSpPr/>
-        <p:nvPr/>
-      </p:nvGrpSpPr>
-      <p:grpSpPr>
-        <a:xfrm>
-          <a:off x="0" y="0"/>
-          <a:ext cx="0" cy="0"/>
-          <a:chOff x="0" y="0"/>
-          <a:chExt cx="0" cy="0"/>
-        </a:xfrm>
-      </p:grpSpPr>
-      <p:sp>
-        <p:nvSpPr>
-          <p:cNvPr id="9" name="Title 8"/>
-          <p:cNvSpPr>
-            <a:spLocks noGrp="1"/>
-          </p:cNvSpPr>
-          <p:nvPr>
-            <p:ph type="title"/>
-          </p:nvPr>
-        </p:nvSpPr>
-        <p:spPr/>
-        <p:txBody>
-          <a:bodyPr/>
-          <a:lstStyle/>
-          <a:p>
-            <a:r>
-              <a:rPr lang="en-US" dirty="0" err="1" smtClean="0"/>
-              <a:t>eGov</a:t>
-            </a:r>
-            <a:r>
-              <a:rPr lang="en-US" dirty="0" smtClean="0"/>
-              <a:t> Receiving Service Application Design</a:t>
-            </a:r>
-            <a:endParaRPr lang="bg-BG" dirty="0"/>
-          </a:p>
-        </p:txBody>
-      </p:sp>
-      <p:pic>
-        <p:nvPicPr>
-          <p:cNvPr id="4" name="Content Placeholder 3"/>
-          <p:cNvPicPr>
-            <a:picLocks noGrp="1" noChangeAspect="1"/>
-          </p:cNvPicPr>
-          <p:nvPr>
-            <p:ph sz="half" idx="1"/>
-          </p:nvPr>
-        </p:nvPicPr>
-        <p:blipFill>
-          <a:blip r:embed="rId2">
-            <a:extLst>
-              <a:ext uri="{28A0092B-C50C-407E-A947-70E740481C1C}">
-                <a14:useLocalDpi xmlns:a14="http://schemas.microsoft.com/office/drawing/2010/main" val="0"/>
-              </a:ext>
-            </a:extLst>
-          </a:blip>
-          <a:stretch>
-            <a:fillRect/>
-          </a:stretch>
-        </p:blipFill>
-        <p:spPr>
-          <a:xfrm>
-            <a:off x="96377" y="2142288"/>
-            <a:ext cx="7784336" cy="4114049"/>
-          </a:xfrm>
-        </p:spPr>
-      </p:pic>
-      <p:sp>
-        <p:nvSpPr>
-          <p:cNvPr id="10" name="Content Placeholder 9"/>
-          <p:cNvSpPr>
-            <a:spLocks noGrp="1"/>
-          </p:cNvSpPr>
-          <p:nvPr>
-            <p:ph sz="half" idx="2"/>
-          </p:nvPr>
-        </p:nvSpPr>
-        <p:spPr>
-          <a:xfrm>
-            <a:off x="8134083" y="2099189"/>
-            <a:ext cx="3538934" cy="4200245"/>
-          </a:xfrm>
-        </p:spPr>
-        <p:txBody>
-          <a:bodyPr/>
-          <a:lstStyle/>
-          <a:p>
-            <a:r>
-              <a:rPr lang="en-US" dirty="0" err="1" smtClean="0"/>
-              <a:t>ePortal</a:t>
-            </a:r>
-            <a:endParaRPr lang="en-US" dirty="0" smtClean="0"/>
-          </a:p>
-          <a:p>
-            <a:pPr lvl="1"/>
-            <a:r>
-              <a:rPr lang="en-US" dirty="0" smtClean="0"/>
-              <a:t>SOAP WS communication</a:t>
-            </a:r>
-          </a:p>
-          <a:p>
-            <a:pPr lvl="1"/>
-            <a:endParaRPr lang="en-US" dirty="0"/>
-          </a:p>
-          <a:p>
-            <a:r>
-              <a:rPr lang="en-US" dirty="0" smtClean="0"/>
-              <a:t>EMF</a:t>
-            </a:r>
-          </a:p>
-          <a:p>
-            <a:pPr lvl="1"/>
-            <a:r>
-              <a:rPr lang="en-US" dirty="0" smtClean="0"/>
-              <a:t>System of JMS Queues</a:t>
-            </a:r>
-          </a:p>
-          <a:p>
-            <a:endParaRPr lang="bg-BG" dirty="0"/>
-          </a:p>
-        </p:txBody>
-      </p:sp>
-    </p:spTree>
-    <p:extLst>
-      <p:ext uri="{BB962C8B-B14F-4D97-AF65-F5344CB8AC3E}">
-        <p14:creationId xmlns:p14="http://schemas.microsoft.com/office/powerpoint/2010/main" val="3086768667"/>
-      </p:ext>
-    </p:extLst>
-  </p:cSld>
-  <p:clrMapOvr>
-    <a:masterClrMapping/>
-  </p:clrMapOvr>
-</p:sld>
-</file>
-
-<file path=ppt/slides/slide17.xml><?xml version="1.0" encoding="utf-8"?>
-<p:sld xmlns:a="http://schemas.openxmlformats.org/drawingml/2006/main" xmlns:r="http://schemas.openxmlformats.org/officeDocument/2006/relationships" xmlns:p="http://schemas.openxmlformats.org/presentationml/2006/main">
-  <p:cSld>
-    <p:spTree>
-      <p:nvGrpSpPr>
-        <p:cNvPr id="1" name=""/>
-        <p:cNvGrpSpPr/>
-        <p:nvPr/>
-      </p:nvGrpSpPr>
-      <p:grpSpPr>
-        <a:xfrm>
-          <a:off x="0" y="0"/>
-          <a:ext cx="0" cy="0"/>
-          <a:chOff x="0" y="0"/>
-          <a:chExt cx="0" cy="0"/>
-        </a:xfrm>
-      </p:grpSpPr>
-      <p:sp>
-        <p:nvSpPr>
-          <p:cNvPr id="2" name="Title 1"/>
-          <p:cNvSpPr>
-            <a:spLocks noGrp="1"/>
-          </p:cNvSpPr>
-          <p:nvPr>
-            <p:ph type="title"/>
-          </p:nvPr>
-        </p:nvSpPr>
-        <p:spPr/>
-        <p:txBody>
-          <a:bodyPr/>
-          <a:lstStyle/>
-          <a:p>
-            <a:r>
-              <a:rPr lang="en-US" b="1" dirty="0"/>
-              <a:t>JMS Usages </a:t>
-            </a:r>
-            <a:r>
-              <a:rPr lang="en-US" b="1" dirty="0" smtClean="0"/>
-              <a:t>(3) </a:t>
-            </a:r>
-            <a:r>
-              <a:rPr lang="en-US" b="1" dirty="0"/>
-              <a:t>: </a:t>
-            </a:r>
-            <a:r>
-              <a:rPr lang="en-US" b="1" dirty="0" err="1" smtClean="0"/>
-              <a:t>Zimbra</a:t>
-            </a:r>
-            <a:endParaRPr lang="bg-BG" dirty="0"/>
-          </a:p>
-        </p:txBody>
-      </p:sp>
-      <p:sp>
-        <p:nvSpPr>
-          <p:cNvPr id="3" name="Content Placeholder 2"/>
-          <p:cNvSpPr>
-            <a:spLocks noGrp="1"/>
-          </p:cNvSpPr>
-          <p:nvPr>
-            <p:ph idx="1"/>
-          </p:nvPr>
-        </p:nvSpPr>
-        <p:spPr/>
-        <p:txBody>
-          <a:bodyPr/>
-          <a:lstStyle/>
-          <a:p>
-            <a:r>
-              <a:rPr lang="en-US" dirty="0"/>
-              <a:t>What did we do</a:t>
-            </a:r>
-            <a:r>
-              <a:rPr lang="en-US" dirty="0" smtClean="0"/>
-              <a:t>?</a:t>
-            </a:r>
-          </a:p>
-          <a:p>
-            <a:r>
-              <a:rPr lang="en-US" dirty="0" smtClean="0"/>
-              <a:t>Why did we do it?</a:t>
-            </a:r>
-          </a:p>
-          <a:p>
-            <a:pPr lvl="1"/>
-            <a:r>
-              <a:rPr lang="en-US" dirty="0"/>
-              <a:t>Delivery Guarantees</a:t>
-            </a:r>
-            <a:r>
-              <a:rPr lang="en-US" dirty="0" smtClean="0"/>
-              <a:t>;</a:t>
-            </a:r>
-            <a:endParaRPr lang="en-US" dirty="0"/>
-          </a:p>
-          <a:p>
-            <a:pPr lvl="1"/>
-            <a:r>
-              <a:rPr lang="en-US" dirty="0"/>
-              <a:t>Resiliency;</a:t>
-            </a:r>
-          </a:p>
-          <a:p>
-            <a:pPr lvl="1"/>
-            <a:r>
-              <a:rPr lang="en-US" dirty="0"/>
-              <a:t>Elasticity &amp; </a:t>
-            </a:r>
-            <a:r>
-              <a:rPr lang="en-US" dirty="0" err="1" smtClean="0"/>
-              <a:t>Spikability</a:t>
-            </a:r>
-            <a:r>
-              <a:rPr lang="en-US" dirty="0" smtClean="0"/>
-              <a:t>.</a:t>
-            </a:r>
-            <a:endParaRPr lang="en-US" dirty="0"/>
-          </a:p>
-          <a:p>
-            <a:endParaRPr lang="bg-BG" dirty="0"/>
-          </a:p>
-        </p:txBody>
-      </p:sp>
-    </p:spTree>
-    <p:extLst>
-      <p:ext uri="{BB962C8B-B14F-4D97-AF65-F5344CB8AC3E}">
-        <p14:creationId xmlns:p14="http://schemas.microsoft.com/office/powerpoint/2010/main" val="4155975924"/>
-      </p:ext>
-    </p:extLst>
-  </p:cSld>
-  <p:clrMapOvr>
-    <a:masterClrMapping/>
-  </p:clrMapOvr>
-</p:sld>
-</file>
-
-<file path=ppt/slides/slide18.xml><?xml version="1.0" encoding="utf-8"?>
-<p:sld xmlns:a="http://schemas.openxmlformats.org/drawingml/2006/main" xmlns:r="http://schemas.openxmlformats.org/officeDocument/2006/relationships" xmlns:p="http://schemas.openxmlformats.org/presentationml/2006/main">
-  <p:cSld>
-    <p:spTree>
-      <p:nvGrpSpPr>
-        <p:cNvPr id="1" name=""/>
-        <p:cNvGrpSpPr/>
-        <p:nvPr/>
-      </p:nvGrpSpPr>
-      <p:grpSpPr>
-        <a:xfrm>
-          <a:off x="0" y="0"/>
-          <a:ext cx="0" cy="0"/>
-          <a:chOff x="0" y="0"/>
-          <a:chExt cx="0" cy="0"/>
-        </a:xfrm>
-      </p:grpSpPr>
-      <p:sp>
-        <p:nvSpPr>
-          <p:cNvPr id="2" name="Title 1"/>
-          <p:cNvSpPr>
-            <a:spLocks noGrp="1"/>
-          </p:cNvSpPr>
-          <p:nvPr>
-            <p:ph type="title"/>
-          </p:nvPr>
-        </p:nvSpPr>
-        <p:spPr/>
-        <p:txBody>
-          <a:bodyPr/>
-          <a:lstStyle/>
-          <a:p>
-            <a:r>
-              <a:rPr lang="en-US" smtClean="0"/>
-              <a:t>DLQ</a:t>
-            </a:r>
-            <a:endParaRPr lang="bg-BG"/>
-          </a:p>
-        </p:txBody>
-      </p:sp>
-      <p:sp>
-        <p:nvSpPr>
-          <p:cNvPr id="3" name="Content Placeholder 2"/>
-          <p:cNvSpPr>
-            <a:spLocks noGrp="1"/>
-          </p:cNvSpPr>
-          <p:nvPr>
-            <p:ph idx="1"/>
-          </p:nvPr>
-        </p:nvSpPr>
-        <p:spPr/>
-        <p:txBody>
-          <a:bodyPr/>
-          <a:lstStyle/>
-          <a:p>
-            <a:endParaRPr lang="bg-BG"/>
-          </a:p>
-        </p:txBody>
-      </p:sp>
-    </p:spTree>
-    <p:extLst>
-      <p:ext uri="{BB962C8B-B14F-4D97-AF65-F5344CB8AC3E}">
-        <p14:creationId xmlns:p14="http://schemas.microsoft.com/office/powerpoint/2010/main" val="870535911"/>
-      </p:ext>
-    </p:extLst>
-  </p:cSld>
-  <p:clrMapOvr>
-    <a:masterClrMapping/>
-  </p:clrMapOvr>
-</p:sld>
-</file>
-
-<file path=ppt/slides/slide19.xml><?xml version="1.0" encoding="utf-8"?>
-<p:sld xmlns:a="http://schemas.openxmlformats.org/drawingml/2006/main" xmlns:r="http://schemas.openxmlformats.org/officeDocument/2006/relationships" xmlns:p="http://schemas.openxmlformats.org/presentationml/2006/main">
-  <p:cSld>
-    <p:spTree>
-      <p:nvGrpSpPr>
-        <p:cNvPr id="1" name=""/>
-        <p:cNvGrpSpPr/>
-        <p:nvPr/>
-      </p:nvGrpSpPr>
-      <p:grpSpPr>
-        <a:xfrm>
-          <a:off x="0" y="0"/>
-          <a:ext cx="0" cy="0"/>
-          <a:chOff x="0" y="0"/>
-          <a:chExt cx="0" cy="0"/>
-        </a:xfrm>
-      </p:grpSpPr>
-      <p:sp>
-        <p:nvSpPr>
-          <p:cNvPr id="2" name="Title 1"/>
-          <p:cNvSpPr>
-            <a:spLocks noGrp="1"/>
-          </p:cNvSpPr>
-          <p:nvPr>
-            <p:ph type="title"/>
-          </p:nvPr>
-        </p:nvSpPr>
-        <p:spPr/>
-        <p:txBody>
-          <a:bodyPr/>
-          <a:lstStyle/>
-          <a:p>
-            <a:r>
-              <a:rPr lang="en-US" dirty="0" smtClean="0"/>
-              <a:t>Monitoring </a:t>
-            </a:r>
-            <a:r>
-              <a:rPr lang="en-US" dirty="0" smtClean="0"/>
-              <a:t>Queues in </a:t>
-            </a:r>
-            <a:r>
-              <a:rPr lang="en-US" dirty="0" err="1" smtClean="0"/>
-              <a:t>WildFly</a:t>
-            </a:r>
-            <a:endParaRPr lang="bg-BG" dirty="0"/>
-          </a:p>
-        </p:txBody>
-      </p:sp>
-      <p:sp>
-        <p:nvSpPr>
-          <p:cNvPr id="3" name="Content Placeholder 2"/>
-          <p:cNvSpPr>
-            <a:spLocks noGrp="1"/>
-          </p:cNvSpPr>
-          <p:nvPr>
-            <p:ph idx="1"/>
-          </p:nvPr>
-        </p:nvSpPr>
-        <p:spPr>
-          <a:xfrm>
-            <a:off x="1103312" y="2052918"/>
-            <a:ext cx="9020991" cy="2153315"/>
-          </a:xfrm>
-        </p:spPr>
-        <p:txBody>
-          <a:bodyPr/>
-          <a:lstStyle/>
-          <a:p>
-            <a:r>
-              <a:rPr lang="en-US" dirty="0" err="1" smtClean="0"/>
-              <a:t>WildFly</a:t>
-            </a:r>
-            <a:r>
-              <a:rPr lang="en-US" dirty="0" smtClean="0"/>
-              <a:t> Management Console;</a:t>
-            </a:r>
-          </a:p>
-          <a:p>
-            <a:pPr lvl="1"/>
-            <a:r>
-              <a:rPr lang="en-US" dirty="0" smtClean="0"/>
-              <a:t>Add a new user in the management realm using add-user.bat / add-user.sh.</a:t>
-            </a:r>
-          </a:p>
-          <a:p>
-            <a:pPr marL="457200" lvl="1" indent="0">
-              <a:buNone/>
-            </a:pPr>
-            <a:endParaRPr lang="en-US" dirty="0"/>
-          </a:p>
-          <a:p>
-            <a:pPr marL="400050"/>
-            <a:r>
-              <a:rPr lang="en-US" dirty="0" smtClean="0"/>
-              <a:t>Open Server’s address, port 8080</a:t>
-            </a:r>
-            <a:endParaRPr lang="en-US" dirty="0"/>
-          </a:p>
-        </p:txBody>
-      </p:sp>
-      <p:pic>
-        <p:nvPicPr>
-          <p:cNvPr id="4" name="Picture 3"/>
-          <p:cNvPicPr>
-            <a:picLocks noChangeAspect="1"/>
-          </p:cNvPicPr>
-          <p:nvPr/>
-        </p:nvPicPr>
-        <p:blipFill>
-          <a:blip r:embed="rId2"/>
-          <a:stretch>
-            <a:fillRect/>
-          </a:stretch>
-        </p:blipFill>
-        <p:spPr>
-          <a:xfrm>
-            <a:off x="2688753" y="4405903"/>
-            <a:ext cx="4906534" cy="2241836"/>
-          </a:xfrm>
-          <a:prstGeom prst="rect">
-            <a:avLst/>
-          </a:prstGeom>
-        </p:spPr>
-      </p:pic>
-      <p:pic>
-        <p:nvPicPr>
-          <p:cNvPr id="7" name="Picture 6"/>
-          <p:cNvPicPr>
-            <a:picLocks noChangeAspect="1"/>
-          </p:cNvPicPr>
-          <p:nvPr/>
-        </p:nvPicPr>
-        <p:blipFill>
-          <a:blip r:embed="rId2"/>
-          <a:stretch>
-            <a:fillRect/>
-          </a:stretch>
-        </p:blipFill>
-        <p:spPr>
-          <a:xfrm>
-            <a:off x="2895205" y="4405903"/>
-            <a:ext cx="4906534" cy="2241836"/>
-          </a:xfrm>
-          <a:prstGeom prst="rect">
-            <a:avLst/>
-          </a:prstGeom>
-        </p:spPr>
-      </p:pic>
-    </p:spTree>
-    <p:extLst>
-      <p:ext uri="{BB962C8B-B14F-4D97-AF65-F5344CB8AC3E}">
-        <p14:creationId xmlns:p14="http://schemas.microsoft.com/office/powerpoint/2010/main" val="986903569"/>
-      </p:ext>
-    </p:extLst>
-  </p:cSld>
-  <p:clrMapOvr>
-    <a:masterClrMapping/>
-  </p:clrMapOvr>
-</p:sld>
-</file>
-
-<file path=ppt/slides/slide2.xml><?xml version="1.0" encoding="utf-8"?>
-<p:sld xmlns:a="http://schemas.openxmlformats.org/drawingml/2006/main" xmlns:r="http://schemas.openxmlformats.org/officeDocument/2006/relationships" xmlns:p="http://schemas.openxmlformats.org/presentationml/2006/main">
-  <p:cSld>
-    <p:spTree>
-      <p:nvGrpSpPr>
-        <p:cNvPr id="1" name=""/>
-        <p:cNvGrpSpPr/>
-        <p:nvPr/>
-      </p:nvGrpSpPr>
-      <p:grpSpPr>
-        <a:xfrm>
-          <a:off x="0" y="0"/>
-          <a:ext cx="0" cy="0"/>
-          <a:chOff x="0" y="0"/>
-          <a:chExt cx="0" cy="0"/>
-        </a:xfrm>
-      </p:grpSpPr>
-      <p:sp>
-        <p:nvSpPr>
-          <p:cNvPr id="2" name="Title 1"/>
-          <p:cNvSpPr>
-            <a:spLocks noGrp="1"/>
-          </p:cNvSpPr>
-          <p:nvPr>
-            <p:ph type="title"/>
-          </p:nvPr>
-        </p:nvSpPr>
-        <p:spPr/>
-        <p:txBody>
-          <a:bodyPr/>
-          <a:lstStyle/>
-          <a:p>
-            <a:r>
-              <a:rPr lang="en-US" dirty="0" smtClean="0"/>
-              <a:t>Message Oriented Middleware (MOM)</a:t>
-            </a:r>
-            <a:endParaRPr lang="bg-BG" dirty="0"/>
-          </a:p>
-        </p:txBody>
-      </p:sp>
-      <p:sp>
-        <p:nvSpPr>
-          <p:cNvPr id="3" name="Content Placeholder 2"/>
-          <p:cNvSpPr>
-            <a:spLocks noGrp="1"/>
-          </p:cNvSpPr>
-          <p:nvPr>
-            <p:ph idx="1"/>
-          </p:nvPr>
-        </p:nvSpPr>
-        <p:spPr/>
-        <p:txBody>
-          <a:bodyPr/>
-          <a:lstStyle/>
-          <a:p>
-            <a:r>
-              <a:rPr lang="en-US" dirty="0"/>
-              <a:t>I</a:t>
-            </a:r>
-            <a:r>
-              <a:rPr lang="en-US" dirty="0" smtClean="0"/>
-              <a:t>s </a:t>
-            </a:r>
-            <a:r>
-              <a:rPr lang="en-US" dirty="0"/>
-              <a:t>software or hardware infrastructure supporting sending and receiving messages </a:t>
-            </a:r>
-            <a:r>
-              <a:rPr lang="en-US" dirty="0" smtClean="0"/>
-              <a:t>between distributed systems;</a:t>
-            </a:r>
-          </a:p>
-          <a:p>
-            <a:endParaRPr lang="bg-BG" dirty="0"/>
-          </a:p>
-        </p:txBody>
-      </p:sp>
-    </p:spTree>
-    <p:extLst>
-      <p:ext uri="{BB962C8B-B14F-4D97-AF65-F5344CB8AC3E}">
-        <p14:creationId xmlns:p14="http://schemas.microsoft.com/office/powerpoint/2010/main" val="3710457208"/>
-      </p:ext>
-    </p:extLst>
-  </p:cSld>
-  <p:clrMapOvr>
-    <a:masterClrMapping/>
-  </p:clrMapOvr>
-</p:sld>
-</file>
-
-<file path=ppt/slides/slide20.xml><?xml version="1.0" encoding="utf-8"?>
-<p:sld xmlns:a="http://schemas.openxmlformats.org/drawingml/2006/main" xmlns:r="http://schemas.openxmlformats.org/officeDocument/2006/relationships" xmlns:p="http://schemas.openxmlformats.org/presentationml/2006/main">
-  <p:cSld>
-    <p:spTree>
-      <p:nvGrpSpPr>
-        <p:cNvPr id="1" name=""/>
-        <p:cNvGrpSpPr/>
-        <p:nvPr/>
-      </p:nvGrpSpPr>
-      <p:grpSpPr>
-        <a:xfrm>
-          <a:off x="0" y="0"/>
-          <a:ext cx="0" cy="0"/>
-          <a:chOff x="0" y="0"/>
-          <a:chExt cx="0" cy="0"/>
-        </a:xfrm>
-      </p:grpSpPr>
-      <p:sp>
-        <p:nvSpPr>
-          <p:cNvPr id="2" name="Title 1"/>
-          <p:cNvSpPr>
-            <a:spLocks noGrp="1"/>
-          </p:cNvSpPr>
-          <p:nvPr>
-            <p:ph type="ctrTitle"/>
-          </p:nvPr>
-        </p:nvSpPr>
-        <p:spPr/>
-        <p:txBody>
-          <a:bodyPr/>
-          <a:lstStyle/>
-          <a:p>
-            <a:r>
-              <a:rPr lang="en-US" dirty="0" smtClean="0"/>
-              <a:t>Next time: demo</a:t>
-            </a:r>
-            <a:endParaRPr lang="bg-BG" dirty="0"/>
-          </a:p>
-        </p:txBody>
-      </p:sp>
-      <p:sp>
-        <p:nvSpPr>
-          <p:cNvPr id="3" name="Subtitle 2"/>
-          <p:cNvSpPr>
-            <a:spLocks noGrp="1"/>
-          </p:cNvSpPr>
-          <p:nvPr>
-            <p:ph type="subTitle" idx="1"/>
-          </p:nvPr>
-        </p:nvSpPr>
-        <p:spPr>
-          <a:xfrm>
-            <a:off x="1154955" y="4777379"/>
-            <a:ext cx="8825658" cy="1491615"/>
-          </a:xfrm>
-        </p:spPr>
-        <p:txBody>
-          <a:bodyPr/>
-          <a:lstStyle/>
-          <a:p>
-            <a:r>
-              <a:rPr lang="en-US" dirty="0" smtClean="0"/>
-              <a:t>JMS demonstration with </a:t>
-            </a:r>
-            <a:r>
-              <a:rPr lang="en-US" dirty="0" err="1" smtClean="0"/>
-              <a:t>activemq</a:t>
-            </a:r>
-            <a:r>
-              <a:rPr lang="en-US" dirty="0" smtClean="0"/>
-              <a:t> and wildfly11</a:t>
-            </a:r>
-            <a:endParaRPr lang="bg-BG" dirty="0"/>
-          </a:p>
-        </p:txBody>
-      </p:sp>
-    </p:spTree>
-    <p:extLst>
-      <p:ext uri="{BB962C8B-B14F-4D97-AF65-F5344CB8AC3E}">
-        <p14:creationId xmlns:p14="http://schemas.microsoft.com/office/powerpoint/2010/main" val="1490374540"/>
-      </p:ext>
-    </p:extLst>
-  </p:cSld>
-  <p:clrMapOvr>
-    <a:masterClrMapping/>
-  </p:clrMapOvr>
-</p:sld>
-</file>
-
-<file path=ppt/slides/slide21.xml><?xml version="1.0" encoding="utf-8"?>
-<p:sld xmlns:a="http://schemas.openxmlformats.org/drawingml/2006/main" xmlns:r="http://schemas.openxmlformats.org/officeDocument/2006/relationships" xmlns:p="http://schemas.openxmlformats.org/presentationml/2006/main">
-  <p:cSld>
-    <p:spTree>
-      <p:nvGrpSpPr>
-        <p:cNvPr id="1" name=""/>
-        <p:cNvGrpSpPr/>
-        <p:nvPr/>
-      </p:nvGrpSpPr>
-      <p:grpSpPr>
-        <a:xfrm>
-          <a:off x="0" y="0"/>
-          <a:ext cx="0" cy="0"/>
-          <a:chOff x="0" y="0"/>
-          <a:chExt cx="0" cy="0"/>
-        </a:xfrm>
-      </p:grpSpPr>
-      <p:sp>
-        <p:nvSpPr>
-          <p:cNvPr id="2" name="Title 1"/>
-          <p:cNvSpPr>
-            <a:spLocks noGrp="1"/>
-          </p:cNvSpPr>
-          <p:nvPr>
-            <p:ph type="title"/>
-          </p:nvPr>
-        </p:nvSpPr>
-        <p:spPr/>
-        <p:txBody>
-          <a:bodyPr/>
-          <a:lstStyle/>
-          <a:p>
-            <a:r>
-              <a:rPr lang="en-US" dirty="0" smtClean="0"/>
-              <a:t>Questions?</a:t>
-            </a:r>
-            <a:r>
-              <a:rPr lang="en-US" b="1" dirty="0"/>
-              <a:t/>
-            </a:r>
-            <a:br>
-              <a:rPr lang="en-US" b="1" dirty="0"/>
-            </a:br>
-            <a:endParaRPr lang="bg-BG" dirty="0"/>
-          </a:p>
-        </p:txBody>
-      </p:sp>
-      <p:pic>
-        <p:nvPicPr>
-          <p:cNvPr id="4" name="Picture 3"/>
-          <p:cNvPicPr>
-            <a:picLocks noChangeAspect="1"/>
-          </p:cNvPicPr>
-          <p:nvPr/>
-        </p:nvPicPr>
-        <p:blipFill>
-          <a:blip r:embed="rId2">
-            <a:extLst>
-              <a:ext uri="{28A0092B-C50C-407E-A947-70E740481C1C}">
-                <a14:useLocalDpi xmlns:a14="http://schemas.microsoft.com/office/drawing/2010/main" val="0"/>
-              </a:ext>
-            </a:extLst>
-          </a:blip>
-          <a:stretch>
-            <a:fillRect/>
-          </a:stretch>
-        </p:blipFill>
-        <p:spPr>
-          <a:xfrm>
-            <a:off x="2586680" y="2126597"/>
-            <a:ext cx="6837406" cy="3589638"/>
-          </a:xfrm>
-          <a:prstGeom prst="rect">
-            <a:avLst/>
-          </a:prstGeom>
-        </p:spPr>
-      </p:pic>
-    </p:spTree>
-    <p:extLst>
-      <p:ext uri="{BB962C8B-B14F-4D97-AF65-F5344CB8AC3E}">
-        <p14:creationId xmlns:p14="http://schemas.microsoft.com/office/powerpoint/2010/main" val="2824181627"/>
-      </p:ext>
-    </p:extLst>
-  </p:cSld>
-  <p:clrMapOvr>
-    <a:masterClrMapping/>
-  </p:clrMapOvr>
-</p:sld>
-</file>
-
-<file path=ppt/slides/slide3.xml><?xml version="1.0" encoding="utf-8"?>
-<p:sld xmlns:a="http://schemas.openxmlformats.org/drawingml/2006/main" xmlns:r="http://schemas.openxmlformats.org/officeDocument/2006/relationships" xmlns:p="http://schemas.openxmlformats.org/presentationml/2006/main">
-  <p:cSld>
-    <p:spTree>
-      <p:nvGrpSpPr>
-        <p:cNvPr id="1" name=""/>
-        <p:cNvGrpSpPr/>
-        <p:nvPr/>
-      </p:nvGrpSpPr>
-      <p:grpSpPr>
-        <a:xfrm>
-          <a:off x="0" y="0"/>
-          <a:ext cx="0" cy="0"/>
-          <a:chOff x="0" y="0"/>
-          <a:chExt cx="0" cy="0"/>
-        </a:xfrm>
-      </p:grpSpPr>
-      <p:sp>
-        <p:nvSpPr>
-          <p:cNvPr id="2" name="Title 1"/>
-          <p:cNvSpPr>
-            <a:spLocks noGrp="1"/>
-          </p:cNvSpPr>
-          <p:nvPr>
-            <p:ph type="title"/>
-          </p:nvPr>
-        </p:nvSpPr>
-        <p:spPr/>
-        <p:txBody>
-          <a:bodyPr/>
-          <a:lstStyle/>
-          <a:p>
-            <a:r>
-              <a:rPr lang="en-US" dirty="0"/>
-              <a:t>General Idea of Messaging</a:t>
-            </a:r>
-          </a:p>
-        </p:txBody>
-      </p:sp>
-      <p:sp>
-        <p:nvSpPr>
-          <p:cNvPr id="3" name="Content Placeholder 2"/>
-          <p:cNvSpPr>
-            <a:spLocks noGrp="1"/>
-          </p:cNvSpPr>
-          <p:nvPr>
-            <p:ph idx="1"/>
-          </p:nvPr>
-        </p:nvSpPr>
-        <p:spPr/>
-        <p:txBody>
-          <a:bodyPr>
-            <a:normAutofit/>
-          </a:bodyPr>
-          <a:lstStyle/>
-          <a:p>
-            <a:r>
-              <a:rPr lang="en-US" dirty="0" smtClean="0"/>
-              <a:t>Messaging </a:t>
-            </a:r>
-            <a:r>
-              <a:rPr lang="en-US" dirty="0"/>
-              <a:t>is a method of communication between software components or </a:t>
-            </a:r>
-            <a:r>
-              <a:rPr lang="en-US" dirty="0" smtClean="0"/>
-              <a:t>applications</a:t>
-            </a:r>
-            <a:r>
-              <a:rPr lang="en-US" dirty="0"/>
-              <a:t>;</a:t>
-            </a:r>
-            <a:endParaRPr lang="en-US" dirty="0" smtClean="0"/>
-          </a:p>
-          <a:p>
-            <a:r>
-              <a:rPr lang="en-US" dirty="0"/>
-              <a:t>Messaging enables distributed communication that is </a:t>
-            </a:r>
-            <a:r>
-              <a:rPr lang="en-US" b="1" dirty="0"/>
-              <a:t>loosely </a:t>
-            </a:r>
-            <a:r>
-              <a:rPr lang="en-US" b="1" dirty="0" smtClean="0"/>
-              <a:t>coupled</a:t>
-            </a:r>
-            <a:r>
-              <a:rPr lang="en-US" dirty="0"/>
-              <a:t>;</a:t>
-            </a:r>
-          </a:p>
-          <a:p>
-            <a:r>
-              <a:rPr lang="en-US" dirty="0" smtClean="0"/>
-              <a:t>The </a:t>
-            </a:r>
-            <a:r>
-              <a:rPr lang="en-US" dirty="0"/>
-              <a:t>sender and the receiver do </a:t>
-            </a:r>
-            <a:r>
-              <a:rPr lang="en-US" b="1" dirty="0"/>
-              <a:t>not</a:t>
-            </a:r>
-            <a:r>
-              <a:rPr lang="en-US" dirty="0"/>
-              <a:t> have to be available at the same time in order to </a:t>
-            </a:r>
-            <a:r>
-              <a:rPr lang="en-US" dirty="0" smtClean="0"/>
-              <a:t>communicate.</a:t>
-            </a:r>
-            <a:endParaRPr lang="en-US" dirty="0"/>
-          </a:p>
-        </p:txBody>
-      </p:sp>
-    </p:spTree>
-    <p:extLst>
-      <p:ext uri="{BB962C8B-B14F-4D97-AF65-F5344CB8AC3E}">
-        <p14:creationId xmlns:p14="http://schemas.microsoft.com/office/powerpoint/2010/main" val="2226093922"/>
-      </p:ext>
-    </p:extLst>
-  </p:cSld>
-  <p:clrMapOvr>
-    <a:masterClrMapping/>
-  </p:clrMapOvr>
-</p:sld>
-</file>
-
-<file path=ppt/slides/slide4.xml><?xml version="1.0" encoding="utf-8"?>
-<p:sld xmlns:a="http://schemas.openxmlformats.org/drawingml/2006/main" xmlns:r="http://schemas.openxmlformats.org/officeDocument/2006/relationships" xmlns:p="http://schemas.openxmlformats.org/presentationml/2006/main">
-  <p:cSld>
-    <p:spTree>
-      <p:nvGrpSpPr>
-        <p:cNvPr id="1" name=""/>
-        <p:cNvGrpSpPr/>
-        <p:nvPr/>
-      </p:nvGrpSpPr>
-      <p:grpSpPr>
-        <a:xfrm>
-          <a:off x="0" y="0"/>
-          <a:ext cx="0" cy="0"/>
-          <a:chOff x="0" y="0"/>
-          <a:chExt cx="0" cy="0"/>
-        </a:xfrm>
-      </p:grpSpPr>
-      <p:sp>
-        <p:nvSpPr>
-          <p:cNvPr id="2" name="Title 1"/>
-          <p:cNvSpPr>
-            <a:spLocks noGrp="1"/>
-          </p:cNvSpPr>
-          <p:nvPr>
-            <p:ph type="title"/>
-          </p:nvPr>
-        </p:nvSpPr>
-        <p:spPr/>
-        <p:txBody>
-          <a:bodyPr/>
-          <a:lstStyle/>
-          <a:p>
-            <a:r>
-              <a:rPr lang="en-US" dirty="0" smtClean="0"/>
-              <a:t>JMS API</a:t>
-            </a:r>
-            <a:endParaRPr lang="bg-BG" dirty="0"/>
-          </a:p>
-        </p:txBody>
-      </p:sp>
-      <p:sp>
-        <p:nvSpPr>
-          <p:cNvPr id="3" name="Content Placeholder 2"/>
-          <p:cNvSpPr>
-            <a:spLocks noGrp="1"/>
-          </p:cNvSpPr>
-          <p:nvPr>
-            <p:ph idx="1"/>
-          </p:nvPr>
-        </p:nvSpPr>
-        <p:spPr/>
-        <p:txBody>
-          <a:bodyPr/>
-          <a:lstStyle/>
-          <a:p>
-            <a:r>
-              <a:rPr lang="en-US" dirty="0" smtClean="0"/>
-              <a:t>The </a:t>
-            </a:r>
-            <a:r>
-              <a:rPr lang="en-US" dirty="0"/>
-              <a:t>Java Message Service is a Java API that allows applications to create, send, receive, and read </a:t>
-            </a:r>
-            <a:r>
-              <a:rPr lang="en-US" dirty="0" smtClean="0"/>
-              <a:t>messages;</a:t>
-            </a:r>
-          </a:p>
-          <a:p>
-            <a:r>
-              <a:rPr lang="en-US" dirty="0" smtClean="0"/>
-              <a:t>The JMS API enables communication that does not only have the characteristics of messaging in general but is also:</a:t>
-            </a:r>
-          </a:p>
-          <a:p>
-            <a:pPr lvl="1"/>
-            <a:r>
-              <a:rPr lang="en-US" b="1" dirty="0" smtClean="0"/>
-              <a:t>Asynchronous</a:t>
-            </a:r>
-            <a:r>
-              <a:rPr lang="en-US" dirty="0"/>
-              <a:t>: A JMS provider can deliver messages to a client as they arrive; a client does not have to request messages in order to receive </a:t>
-            </a:r>
-            <a:r>
-              <a:rPr lang="en-US" dirty="0" smtClean="0"/>
-              <a:t>them</a:t>
-            </a:r>
-            <a:r>
-              <a:rPr lang="en-US" dirty="0"/>
-              <a:t>;</a:t>
-            </a:r>
-            <a:endParaRPr lang="en-US" dirty="0" smtClean="0"/>
-          </a:p>
-          <a:p>
-            <a:pPr lvl="1"/>
-            <a:r>
-              <a:rPr lang="en-US" b="1" dirty="0"/>
-              <a:t>Reliable</a:t>
-            </a:r>
-            <a:r>
-              <a:rPr lang="en-US" dirty="0"/>
-              <a:t>: The JMS API can ensure that a message is delivered once and only </a:t>
-            </a:r>
-            <a:r>
-              <a:rPr lang="en-US" dirty="0" smtClean="0"/>
-              <a:t>once</a:t>
-            </a:r>
-            <a:r>
-              <a:rPr lang="en-US" dirty="0"/>
-              <a:t>;</a:t>
-            </a:r>
-            <a:endParaRPr lang="en-US" dirty="0" smtClean="0"/>
-          </a:p>
-          <a:p>
-            <a:pPr lvl="1"/>
-            <a:r>
-              <a:rPr lang="en-US" b="1" dirty="0" smtClean="0"/>
-              <a:t>Guarantees order</a:t>
-            </a:r>
-            <a:r>
-              <a:rPr lang="en-US" dirty="0" smtClean="0"/>
-              <a:t>: message order is kept (queue structure).</a:t>
-            </a:r>
-          </a:p>
-        </p:txBody>
-      </p:sp>
-    </p:spTree>
-    <p:extLst>
-      <p:ext uri="{BB962C8B-B14F-4D97-AF65-F5344CB8AC3E}">
-        <p14:creationId xmlns:p14="http://schemas.microsoft.com/office/powerpoint/2010/main" val="3682124107"/>
-      </p:ext>
-    </p:extLst>
-  </p:cSld>
-  <p:clrMapOvr>
-    <a:masterClrMapping/>
-  </p:clrMapOvr>
-</p:sld>
-</file>
-
-<file path=ppt/slides/slide5.xml><?xml version="1.0" encoding="utf-8"?>
-<p:sld xmlns:a="http://schemas.openxmlformats.org/drawingml/2006/main" xmlns:r="http://schemas.openxmlformats.org/officeDocument/2006/relationships" xmlns:p="http://schemas.openxmlformats.org/presentationml/2006/main">
-  <p:cSld>
-    <p:spTree>
-      <p:nvGrpSpPr>
-        <p:cNvPr id="1" name=""/>
-        <p:cNvGrpSpPr/>
-        <p:nvPr/>
-      </p:nvGrpSpPr>
-      <p:grpSpPr>
-        <a:xfrm>
-          <a:off x="0" y="0"/>
-          <a:ext cx="0" cy="0"/>
-          <a:chOff x="0" y="0"/>
-          <a:chExt cx="0" cy="0"/>
-        </a:xfrm>
-      </p:grpSpPr>
-      <p:sp>
-        <p:nvSpPr>
-          <p:cNvPr id="2" name="Title 1"/>
-          <p:cNvSpPr>
-            <a:spLocks noGrp="1"/>
-          </p:cNvSpPr>
-          <p:nvPr>
-            <p:ph type="title"/>
-          </p:nvPr>
-        </p:nvSpPr>
-        <p:spPr/>
-        <p:txBody>
-          <a:bodyPr/>
-          <a:lstStyle/>
-          <a:p>
-            <a:r>
-              <a:rPr lang="en-US" b="1" dirty="0" smtClean="0"/>
-              <a:t>JMS Service Providers and What do we Use</a:t>
-            </a:r>
-            <a:endParaRPr lang="en-US" b="1" dirty="0"/>
-          </a:p>
-        </p:txBody>
-      </p:sp>
-      <p:sp>
-        <p:nvSpPr>
-          <p:cNvPr id="3" name="Content Placeholder 2"/>
-          <p:cNvSpPr>
-            <a:spLocks noGrp="1"/>
-          </p:cNvSpPr>
-          <p:nvPr>
-            <p:ph idx="1"/>
-          </p:nvPr>
-        </p:nvSpPr>
-        <p:spPr/>
-        <p:txBody>
-          <a:bodyPr/>
-          <a:lstStyle/>
-          <a:p>
-            <a:r>
-              <a:rPr lang="en-US" dirty="0" err="1" smtClean="0"/>
-              <a:t>Weblogic</a:t>
-            </a:r>
-            <a:r>
-              <a:rPr lang="en-US" dirty="0" smtClean="0"/>
-              <a:t> – Oracle;</a:t>
-            </a:r>
-          </a:p>
-          <a:p>
-            <a:r>
-              <a:rPr lang="en-US" dirty="0" err="1" smtClean="0"/>
-              <a:t>MQSeries</a:t>
-            </a:r>
-            <a:r>
-              <a:rPr lang="en-US" dirty="0" smtClean="0"/>
-              <a:t> – IBM;</a:t>
-            </a:r>
-          </a:p>
-          <a:p>
-            <a:r>
-              <a:rPr lang="en-US" dirty="0" err="1" smtClean="0"/>
-              <a:t>SoniqMQ</a:t>
-            </a:r>
-            <a:r>
-              <a:rPr lang="en-US" dirty="0" smtClean="0"/>
-              <a:t> – Postgres.</a:t>
-            </a:r>
-          </a:p>
-          <a:p>
-            <a:endParaRPr lang="en-US" dirty="0" smtClean="0"/>
-          </a:p>
-          <a:p>
-            <a:r>
-              <a:rPr lang="en-US" dirty="0" err="1" smtClean="0"/>
-              <a:t>ActiveMQ</a:t>
-            </a:r>
-            <a:r>
-              <a:rPr lang="en-US" dirty="0" smtClean="0"/>
-              <a:t> – Apache;</a:t>
-            </a:r>
-          </a:p>
-          <a:p>
-            <a:r>
-              <a:rPr lang="en-US" dirty="0" err="1" smtClean="0"/>
-              <a:t>HornetQ</a:t>
-            </a:r>
-            <a:r>
-              <a:rPr lang="en-US" dirty="0" smtClean="0"/>
-              <a:t>/ </a:t>
-            </a:r>
-            <a:r>
-              <a:rPr lang="en-US" dirty="0" err="1" smtClean="0"/>
-              <a:t>ActiveMQ</a:t>
-            </a:r>
-            <a:r>
-              <a:rPr lang="en-US" dirty="0" smtClean="0"/>
-              <a:t> Artemis – </a:t>
-            </a:r>
-            <a:r>
-              <a:rPr lang="en-US" dirty="0" err="1" smtClean="0"/>
-              <a:t>WildFly</a:t>
-            </a:r>
-            <a:r>
-              <a:rPr lang="en-US" dirty="0" smtClean="0"/>
-              <a:t>;</a:t>
-            </a:r>
-          </a:p>
-          <a:p>
-            <a:pPr lvl="1"/>
-            <a:r>
-              <a:rPr lang="en-US" dirty="0" smtClean="0"/>
-              <a:t>What’s the story with </a:t>
-            </a:r>
-            <a:r>
-              <a:rPr lang="en-US" dirty="0" err="1" smtClean="0"/>
-              <a:t>ActiveMQ</a:t>
-            </a:r>
-            <a:r>
-              <a:rPr lang="en-US" dirty="0" smtClean="0"/>
-              <a:t>?</a:t>
-            </a:r>
-          </a:p>
-          <a:p>
-            <a:pPr lvl="1"/>
-            <a:r>
-              <a:rPr lang="en-US" dirty="0" err="1" smtClean="0"/>
-              <a:t>HornetQ</a:t>
-            </a:r>
-            <a:r>
-              <a:rPr lang="en-US" dirty="0" smtClean="0"/>
-              <a:t> code was donated to </a:t>
-            </a:r>
-            <a:r>
-              <a:rPr lang="en-US" dirty="0" err="1" smtClean="0"/>
-              <a:t>ActiveMQ</a:t>
-            </a:r>
-            <a:r>
-              <a:rPr lang="en-US" dirty="0" smtClean="0"/>
-              <a:t> and is now developed under a new name – </a:t>
-            </a:r>
-            <a:r>
-              <a:rPr lang="en-US" dirty="0" err="1" smtClean="0"/>
-              <a:t>ActiveMQ</a:t>
-            </a:r>
-            <a:r>
-              <a:rPr lang="en-US" dirty="0" smtClean="0"/>
-              <a:t> Artemis.</a:t>
-            </a:r>
-          </a:p>
-        </p:txBody>
-      </p:sp>
-      <p:pic>
-        <p:nvPicPr>
-          <p:cNvPr id="4" name="Picture 3"/>
-          <p:cNvPicPr>
-            <a:picLocks noChangeAspect="1"/>
-          </p:cNvPicPr>
-          <p:nvPr/>
-        </p:nvPicPr>
-        <p:blipFill>
-          <a:blip r:embed="rId2">
-            <a:extLst>
-              <a:ext uri="{28A0092B-C50C-407E-A947-70E740481C1C}">
-                <a14:useLocalDpi xmlns:a14="http://schemas.microsoft.com/office/drawing/2010/main" val="0"/>
-              </a:ext>
-            </a:extLst>
-          </a:blip>
-          <a:stretch>
-            <a:fillRect/>
-          </a:stretch>
-        </p:blipFill>
-        <p:spPr>
-          <a:xfrm>
-            <a:off x="6419218" y="2958614"/>
-            <a:ext cx="4148044" cy="1333776"/>
-          </a:xfrm>
-          <a:prstGeom prst="rect">
-            <a:avLst/>
-          </a:prstGeom>
-        </p:spPr>
-      </p:pic>
-      <p:pic>
-        <p:nvPicPr>
-          <p:cNvPr id="5" name="Picture 4"/>
-          <p:cNvPicPr>
-            <a:picLocks noChangeAspect="1"/>
-          </p:cNvPicPr>
-          <p:nvPr/>
-        </p:nvPicPr>
-        <p:blipFill>
-          <a:blip r:embed="rId3">
-            <a:extLst>
-              <a:ext uri="{28A0092B-C50C-407E-A947-70E740481C1C}">
-                <a14:useLocalDpi xmlns:a14="http://schemas.microsoft.com/office/drawing/2010/main" val="0"/>
-              </a:ext>
-            </a:extLst>
-          </a:blip>
-          <a:stretch>
-            <a:fillRect/>
-          </a:stretch>
-        </p:blipFill>
-        <p:spPr>
-          <a:xfrm>
-            <a:off x="4673769" y="1368647"/>
-            <a:ext cx="2864760" cy="1168608"/>
-          </a:xfrm>
-          <a:prstGeom prst="rect">
-            <a:avLst/>
-          </a:prstGeom>
-        </p:spPr>
-      </p:pic>
-      <p:pic>
-        <p:nvPicPr>
-          <p:cNvPr id="6" name="Picture 5"/>
-          <p:cNvPicPr>
-            <a:picLocks noChangeAspect="1"/>
-          </p:cNvPicPr>
-          <p:nvPr/>
-        </p:nvPicPr>
-        <p:blipFill>
-          <a:blip r:embed="rId4">
-            <a:extLst>
-              <a:ext uri="{28A0092B-C50C-407E-A947-70E740481C1C}">
-                <a14:useLocalDpi xmlns:a14="http://schemas.microsoft.com/office/drawing/2010/main" val="0"/>
-              </a:ext>
-            </a:extLst>
-          </a:blip>
-          <a:stretch>
-            <a:fillRect/>
-          </a:stretch>
-        </p:blipFill>
-        <p:spPr>
-          <a:xfrm>
-            <a:off x="860855" y="5994008"/>
-            <a:ext cx="1561070" cy="454061"/>
-          </a:xfrm>
-          <a:prstGeom prst="rect">
-            <a:avLst/>
-          </a:prstGeom>
-        </p:spPr>
-      </p:pic>
-      <p:pic>
-        <p:nvPicPr>
-          <p:cNvPr id="7" name="Picture 6"/>
-          <p:cNvPicPr>
-            <a:picLocks noChangeAspect="1"/>
-          </p:cNvPicPr>
-          <p:nvPr/>
-        </p:nvPicPr>
-        <p:blipFill>
-          <a:blip r:embed="rId5">
-            <a:extLst>
-              <a:ext uri="{28A0092B-C50C-407E-A947-70E740481C1C}">
-                <a14:useLocalDpi xmlns:a14="http://schemas.microsoft.com/office/drawing/2010/main" val="0"/>
-              </a:ext>
-            </a:extLst>
-          </a:blip>
-          <a:stretch>
-            <a:fillRect/>
-          </a:stretch>
-        </p:blipFill>
-        <p:spPr>
-          <a:xfrm>
-            <a:off x="9360789" y="1533612"/>
-            <a:ext cx="1038612" cy="1038612"/>
-          </a:xfrm>
-          <a:prstGeom prst="rect">
-            <a:avLst/>
-          </a:prstGeom>
-        </p:spPr>
-      </p:pic>
-      <p:pic>
-        <p:nvPicPr>
-          <p:cNvPr id="8" name="Picture 7"/>
-          <p:cNvPicPr>
-            <a:picLocks noChangeAspect="1"/>
-          </p:cNvPicPr>
-          <p:nvPr/>
-        </p:nvPicPr>
-        <p:blipFill>
-          <a:blip r:embed="rId6">
-            <a:extLst>
-              <a:ext uri="{28A0092B-C50C-407E-A947-70E740481C1C}">
-                <a14:useLocalDpi xmlns:a14="http://schemas.microsoft.com/office/drawing/2010/main" val="0"/>
-              </a:ext>
-            </a:extLst>
-          </a:blip>
-          <a:stretch>
-            <a:fillRect/>
-          </a:stretch>
-        </p:blipFill>
-        <p:spPr>
-          <a:xfrm>
-            <a:off x="10049853" y="5349548"/>
-            <a:ext cx="1551642" cy="1163732"/>
-          </a:xfrm>
-          <a:prstGeom prst="rect">
-            <a:avLst/>
-          </a:prstGeom>
-        </p:spPr>
-      </p:pic>
-    </p:spTree>
-    <p:extLst>
-      <p:ext uri="{BB962C8B-B14F-4D97-AF65-F5344CB8AC3E}">
-        <p14:creationId xmlns:p14="http://schemas.microsoft.com/office/powerpoint/2010/main" val="960084620"/>
-      </p:ext>
-    </p:extLst>
-  </p:cSld>
-  <p:clrMapOvr>
-    <a:masterClrMapping/>
-  </p:clrMapOvr>
-</p:sld>
-</file>
-
-<file path=ppt/slides/slide6.xml><?xml version="1.0" encoding="utf-8"?>
-<p:sld xmlns:a="http://schemas.openxmlformats.org/drawingml/2006/main" xmlns:r="http://schemas.openxmlformats.org/officeDocument/2006/relationships" xmlns:p="http://schemas.openxmlformats.org/presentationml/2006/main">
-  <p:cSld>
-    <p:spTree>
-      <p:nvGrpSpPr>
-        <p:cNvPr id="1" name=""/>
-        <p:cNvGrpSpPr/>
-        <p:nvPr/>
-      </p:nvGrpSpPr>
-      <p:grpSpPr>
-        <a:xfrm>
-          <a:off x="0" y="0"/>
-          <a:ext cx="0" cy="0"/>
-          <a:chOff x="0" y="0"/>
-          <a:chExt cx="0" cy="0"/>
-        </a:xfrm>
-      </p:grpSpPr>
-      <p:sp>
-        <p:nvSpPr>
-          <p:cNvPr id="2" name="Title 1"/>
-          <p:cNvSpPr>
-            <a:spLocks noGrp="1"/>
-          </p:cNvSpPr>
-          <p:nvPr>
-            <p:ph type="title"/>
-          </p:nvPr>
-        </p:nvSpPr>
-        <p:spPr/>
-        <p:txBody>
-          <a:bodyPr/>
-          <a:lstStyle/>
-          <a:p>
-            <a:r>
-              <a:rPr lang="en-US" b="1" dirty="0"/>
-              <a:t>Basic JMS API Concepts</a:t>
-            </a:r>
-            <a:br>
-              <a:rPr lang="en-US" b="1" dirty="0"/>
-            </a:br>
-            <a:endParaRPr lang="bg-BG" dirty="0"/>
-          </a:p>
-        </p:txBody>
-      </p:sp>
-      <p:sp>
-        <p:nvSpPr>
-          <p:cNvPr id="3" name="Content Placeholder 2"/>
-          <p:cNvSpPr>
-            <a:spLocks noGrp="1"/>
-          </p:cNvSpPr>
-          <p:nvPr>
-            <p:ph idx="1"/>
-          </p:nvPr>
-        </p:nvSpPr>
-        <p:spPr/>
-        <p:txBody>
-          <a:bodyPr/>
-          <a:lstStyle/>
-          <a:p>
-            <a:r>
-              <a:rPr lang="en-US" dirty="0"/>
-              <a:t>A </a:t>
-            </a:r>
-            <a:r>
-              <a:rPr lang="en-US" b="1" dirty="0"/>
-              <a:t>JMS provider</a:t>
-            </a:r>
-            <a:r>
-              <a:rPr lang="en-US" dirty="0"/>
-              <a:t> is a messaging system that implements the JMS </a:t>
-            </a:r>
-            <a:r>
-              <a:rPr lang="en-US" dirty="0" smtClean="0"/>
-              <a:t>interfaces</a:t>
-            </a:r>
-            <a:r>
-              <a:rPr lang="bg-BG" dirty="0" smtClean="0"/>
-              <a:t>;</a:t>
-            </a:r>
-            <a:endParaRPr lang="en-US" dirty="0" smtClean="0"/>
-          </a:p>
-          <a:p>
-            <a:pPr lvl="1"/>
-            <a:r>
-              <a:rPr lang="en-US" dirty="0" smtClean="0"/>
-              <a:t>(Already mentioned) Which is the JMS Provider we use?</a:t>
-            </a:r>
-            <a:endParaRPr lang="bg-BG" dirty="0" smtClean="0"/>
-          </a:p>
-          <a:p>
-            <a:r>
-              <a:rPr lang="en-US" b="1" dirty="0" smtClean="0"/>
-              <a:t>JMS clients</a:t>
-            </a:r>
-            <a:r>
-              <a:rPr lang="en-US" dirty="0"/>
-              <a:t>:</a:t>
-            </a:r>
-            <a:r>
-              <a:rPr lang="en-US" dirty="0" smtClean="0"/>
-              <a:t> components that </a:t>
-            </a:r>
-            <a:r>
-              <a:rPr lang="en-US" dirty="0"/>
-              <a:t>produce and consume </a:t>
-            </a:r>
-            <a:r>
-              <a:rPr lang="en-US" dirty="0" smtClean="0"/>
-              <a:t>messages;</a:t>
-            </a:r>
-          </a:p>
-          <a:p>
-            <a:r>
-              <a:rPr lang="en-US" b="1" dirty="0"/>
-              <a:t>Messages</a:t>
-            </a:r>
-            <a:r>
-              <a:rPr lang="en-US" dirty="0"/>
-              <a:t> are the objects that communicate information between JMS </a:t>
-            </a:r>
-            <a:r>
-              <a:rPr lang="en-US" dirty="0" smtClean="0"/>
-              <a:t>clients</a:t>
-            </a:r>
-            <a:r>
-              <a:rPr lang="en-US" dirty="0"/>
-              <a:t>;</a:t>
-            </a:r>
-            <a:endParaRPr lang="en-US" dirty="0" smtClean="0"/>
-          </a:p>
-          <a:p>
-            <a:r>
-              <a:rPr lang="en-US" b="1" dirty="0" smtClean="0"/>
-              <a:t>Topic/Queue: </a:t>
-            </a:r>
-            <a:r>
-              <a:rPr lang="en-US" dirty="0" smtClean="0"/>
-              <a:t>the to main mechanisms, more details later;</a:t>
-            </a:r>
-            <a:endParaRPr lang="bg-BG" dirty="0"/>
-          </a:p>
-        </p:txBody>
-      </p:sp>
-    </p:spTree>
-    <p:extLst>
-      <p:ext uri="{BB962C8B-B14F-4D97-AF65-F5344CB8AC3E}">
-        <p14:creationId xmlns:p14="http://schemas.microsoft.com/office/powerpoint/2010/main" val="559155060"/>
-      </p:ext>
-    </p:extLst>
-  </p:cSld>
-  <p:clrMapOvr>
-    <a:masterClrMapping/>
-  </p:clrMapOvr>
-</p:sld>
-</file>
-
-<file path=ppt/slides/slide7.xml><?xml version="1.0" encoding="utf-8"?>
-<p:sld xmlns:a="http://schemas.openxmlformats.org/drawingml/2006/main" xmlns:r="http://schemas.openxmlformats.org/officeDocument/2006/relationships" xmlns:p="http://schemas.openxmlformats.org/presentationml/2006/main">
-  <p:cSld>
-    <p:spTree>
-      <p:nvGrpSpPr>
-        <p:cNvPr id="1" name=""/>
-        <p:cNvGrpSpPr/>
-        <p:nvPr/>
-      </p:nvGrpSpPr>
-      <p:grpSpPr>
-        <a:xfrm>
-          <a:off x="0" y="0"/>
-          <a:ext cx="0" cy="0"/>
-          <a:chOff x="0" y="0"/>
-          <a:chExt cx="0" cy="0"/>
-        </a:xfrm>
-      </p:grpSpPr>
-      <p:sp>
-        <p:nvSpPr>
-          <p:cNvPr id="2" name="Title 1"/>
-          <p:cNvSpPr>
-            <a:spLocks noGrp="1"/>
-          </p:cNvSpPr>
-          <p:nvPr>
-            <p:ph type="title"/>
-          </p:nvPr>
-        </p:nvSpPr>
-        <p:spPr>
-          <a:xfrm>
-            <a:off x="79702" y="114966"/>
-            <a:ext cx="5456125" cy="1400530"/>
-          </a:xfrm>
-        </p:spPr>
-        <p:txBody>
-          <a:bodyPr/>
-          <a:lstStyle/>
-          <a:p>
-            <a:r>
-              <a:rPr lang="en-US" dirty="0" smtClean="0"/>
-              <a:t>JMS Architecture</a:t>
-            </a:r>
-            <a:endParaRPr lang="bg-BG" dirty="0"/>
-          </a:p>
-        </p:txBody>
-      </p:sp>
-      <p:sp>
-        <p:nvSpPr>
-          <p:cNvPr id="3" name="Content Placeholder 2"/>
-          <p:cNvSpPr>
-            <a:spLocks noGrp="1"/>
-          </p:cNvSpPr>
-          <p:nvPr>
-            <p:ph idx="1"/>
-          </p:nvPr>
-        </p:nvSpPr>
-        <p:spPr>
-          <a:xfrm>
-            <a:off x="79702" y="1515496"/>
-            <a:ext cx="5456125" cy="5256007"/>
-          </a:xfrm>
-        </p:spPr>
-        <p:txBody>
-          <a:bodyPr/>
-          <a:lstStyle/>
-          <a:p>
-            <a:r>
-              <a:rPr lang="en-US" dirty="0" smtClean="0"/>
-              <a:t>JMS Clients – looked up from JNDI;</a:t>
-            </a:r>
-          </a:p>
-          <a:p>
-            <a:pPr lvl="1"/>
-            <a:r>
-              <a:rPr lang="en-US" dirty="0" smtClean="0"/>
-              <a:t>What is JNDI?</a:t>
-            </a:r>
-            <a:endParaRPr lang="en-US" dirty="0"/>
-          </a:p>
-          <a:p>
-            <a:r>
-              <a:rPr lang="en-US" dirty="0" smtClean="0"/>
-              <a:t>Administrative tool;</a:t>
-            </a:r>
-          </a:p>
-          <a:p>
-            <a:pPr lvl="1"/>
-            <a:r>
-              <a:rPr lang="en-US" dirty="0" smtClean="0"/>
-              <a:t>Destination (physical);</a:t>
-            </a:r>
-          </a:p>
-          <a:p>
-            <a:pPr lvl="1"/>
-            <a:r>
-              <a:rPr lang="en-US" dirty="0" smtClean="0"/>
-              <a:t>Connection</a:t>
-            </a:r>
-            <a:r>
-              <a:rPr lang="en-US" i="1" dirty="0"/>
-              <a:t> </a:t>
-            </a:r>
-            <a:r>
-              <a:rPr lang="en-US" dirty="0" smtClean="0"/>
-              <a:t>factories.</a:t>
-            </a:r>
-          </a:p>
-          <a:p>
-            <a:r>
-              <a:rPr lang="en-US" dirty="0" smtClean="0"/>
-              <a:t>Messages;</a:t>
-            </a:r>
-          </a:p>
-          <a:p>
-            <a:pPr lvl="1"/>
-            <a:r>
-              <a:rPr lang="en-US" dirty="0" smtClean="0"/>
-              <a:t>Objects used to transfer the data.</a:t>
-            </a:r>
-          </a:p>
-          <a:p>
-            <a:r>
-              <a:rPr lang="en-US" dirty="0"/>
-              <a:t>JMS </a:t>
-            </a:r>
-            <a:r>
-              <a:rPr lang="en-US" dirty="0" smtClean="0"/>
-              <a:t>Provider.</a:t>
-            </a:r>
-          </a:p>
-          <a:p>
-            <a:pPr lvl="1"/>
-            <a:endParaRPr lang="en-US" dirty="0"/>
-          </a:p>
-          <a:p>
-            <a:pPr lvl="1"/>
-            <a:endParaRPr lang="bg-BG" dirty="0"/>
-          </a:p>
-        </p:txBody>
-      </p:sp>
-      <p:pic>
-        <p:nvPicPr>
-          <p:cNvPr id="6" name="Picture 5"/>
-          <p:cNvPicPr>
-            <a:picLocks noChangeAspect="1"/>
-          </p:cNvPicPr>
-          <p:nvPr/>
-        </p:nvPicPr>
-        <p:blipFill>
-          <a:blip r:embed="rId2">
-            <a:extLst>
-              <a:ext uri="{28A0092B-C50C-407E-A947-70E740481C1C}">
-                <a14:useLocalDpi xmlns:a14="http://schemas.microsoft.com/office/drawing/2010/main" val="0"/>
-              </a:ext>
-            </a:extLst>
-          </a:blip>
-          <a:stretch>
-            <a:fillRect/>
-          </a:stretch>
-        </p:blipFill>
-        <p:spPr>
-          <a:xfrm>
-            <a:off x="5602085" y="0"/>
-            <a:ext cx="6589915" cy="6858000"/>
-          </a:xfrm>
-          <a:prstGeom prst="rect">
-            <a:avLst/>
-          </a:prstGeom>
-        </p:spPr>
-      </p:pic>
-    </p:spTree>
-    <p:extLst>
-      <p:ext uri="{BB962C8B-B14F-4D97-AF65-F5344CB8AC3E}">
-        <p14:creationId xmlns:p14="http://schemas.microsoft.com/office/powerpoint/2010/main" val="466269549"/>
-      </p:ext>
-    </p:extLst>
-  </p:cSld>
-  <p:clrMapOvr>
-    <a:masterClrMapping/>
-  </p:clrMapOvr>
-</p:sld>
-</file>
-
-<file path=ppt/slides/slide8.xml><?xml version="1.0" encoding="utf-8"?>
 <p:sld xmlns:a="http://schemas.openxmlformats.org/drawingml/2006/main" xmlns:r="http://schemas.openxmlformats.org/officeDocument/2006/relationships" xmlns:p="http://schemas.openxmlformats.org/presentationml/2006/main">
   <p:cSld>
     <p:spTree>
@@ -9262,7 +6463,15 @@
           <a:p>
             <a:r>
               <a:rPr lang="en-US" dirty="0"/>
-              <a:t>Only one consumer gets the </a:t>
+              <a:t>Only one </a:t>
+            </a:r>
+            <a:r>
+              <a:rPr lang="en-US" dirty="0" smtClean="0"/>
+              <a:t>client / consumer </a:t>
+            </a:r>
+            <a:r>
+              <a:rPr lang="en-US" dirty="0"/>
+              <a:t>gets the </a:t>
             </a:r>
             <a:r>
               <a:rPr lang="en-US" dirty="0" smtClean="0"/>
@@ -9339,7 +6548,7 @@
 </p:sld>
 </file>
 
-<file path=ppt/slides/slide9.xml><?xml version="1.0" encoding="utf-8"?>
+<file path=ppt/slides/slide11.xml><?xml version="1.0" encoding="utf-8"?>
 <p:sld xmlns:a="http://schemas.openxmlformats.org/drawingml/2006/main" xmlns:r="http://schemas.openxmlformats.org/officeDocument/2006/relationships" xmlns:p="http://schemas.openxmlformats.org/presentationml/2006/main">
   <p:cSld>
     <p:spTree>
@@ -9730,6 +6939,3831 @@
     <p:extLst>
       <p:ext uri="{BB962C8B-B14F-4D97-AF65-F5344CB8AC3E}">
         <p14:creationId xmlns:p14="http://schemas.microsoft.com/office/powerpoint/2010/main" val="3790843648"/>
+      </p:ext>
+    </p:extLst>
+  </p:cSld>
+  <p:clrMapOvr>
+    <a:masterClrMapping/>
+  </p:clrMapOvr>
+</p:sld>
+</file>
+
+<file path=ppt/slides/slide12.xml><?xml version="1.0" encoding="utf-8"?>
+<p:sld xmlns:a="http://schemas.openxmlformats.org/drawingml/2006/main" xmlns:r="http://schemas.openxmlformats.org/officeDocument/2006/relationships" xmlns:p="http://schemas.openxmlformats.org/presentationml/2006/main">
+  <p:cSld>
+    <p:spTree>
+      <p:nvGrpSpPr>
+        <p:cNvPr id="1" name=""/>
+        <p:cNvGrpSpPr/>
+        <p:nvPr/>
+      </p:nvGrpSpPr>
+      <p:grpSpPr>
+        <a:xfrm>
+          <a:off x="0" y="0"/>
+          <a:ext cx="0" cy="0"/>
+          <a:chOff x="0" y="0"/>
+          <a:chExt cx="0" cy="0"/>
+        </a:xfrm>
+      </p:grpSpPr>
+      <p:sp>
+        <p:nvSpPr>
+          <p:cNvPr id="2" name="Title 1"/>
+          <p:cNvSpPr>
+            <a:spLocks noGrp="1"/>
+          </p:cNvSpPr>
+          <p:nvPr>
+            <p:ph type="title"/>
+          </p:nvPr>
+        </p:nvSpPr>
+        <p:spPr/>
+        <p:txBody>
+          <a:bodyPr/>
+          <a:lstStyle/>
+          <a:p>
+            <a:r>
+              <a:rPr lang="en-US" dirty="0" smtClean="0"/>
+              <a:t>Dead Letter Queue</a:t>
+            </a:r>
+            <a:endParaRPr lang="bg-BG" dirty="0"/>
+          </a:p>
+        </p:txBody>
+      </p:sp>
+      <p:sp>
+        <p:nvSpPr>
+          <p:cNvPr id="3" name="Content Placeholder 2"/>
+          <p:cNvSpPr>
+            <a:spLocks noGrp="1"/>
+          </p:cNvSpPr>
+          <p:nvPr>
+            <p:ph idx="1"/>
+          </p:nvPr>
+        </p:nvSpPr>
+        <p:spPr>
+          <a:xfrm>
+            <a:off x="460760" y="1385653"/>
+            <a:ext cx="10108386" cy="5377612"/>
+          </a:xfrm>
+        </p:spPr>
+        <p:txBody>
+          <a:bodyPr/>
+          <a:lstStyle/>
+          <a:p>
+            <a:r>
+              <a:rPr lang="en-US" dirty="0"/>
+              <a:t>Messages are redelivered to a client when any of the following occurs:</a:t>
+            </a:r>
+          </a:p>
+          <a:p>
+            <a:pPr lvl="1"/>
+            <a:r>
+              <a:rPr lang="en-US" dirty="0"/>
+              <a:t>A transacted session is used and rollback() is called.</a:t>
+            </a:r>
+          </a:p>
+          <a:p>
+            <a:pPr lvl="1"/>
+            <a:r>
+              <a:rPr lang="en-US" dirty="0"/>
+              <a:t>A transacted session is closed before commit() is called.</a:t>
+            </a:r>
+          </a:p>
+          <a:p>
+            <a:pPr lvl="1"/>
+            <a:r>
+              <a:rPr lang="en-US" dirty="0"/>
+              <a:t>A session is using CLIENT_ACKNOWLEDGE and </a:t>
+            </a:r>
+            <a:r>
+              <a:rPr lang="en-US" dirty="0" err="1"/>
+              <a:t>Session.recover</a:t>
+            </a:r>
+            <a:r>
+              <a:rPr lang="en-US" dirty="0"/>
+              <a:t>() is called.</a:t>
+            </a:r>
+          </a:p>
+          <a:p>
+            <a:pPr lvl="1"/>
+            <a:r>
+              <a:rPr lang="en-US" dirty="0"/>
+              <a:t>A client connection times out (perhaps the code being executed takes longer than the configured time-out period</a:t>
+            </a:r>
+            <a:r>
+              <a:rPr lang="en-US" dirty="0" smtClean="0"/>
+              <a:t>).</a:t>
+            </a:r>
+          </a:p>
+          <a:p>
+            <a:pPr lvl="1"/>
+            <a:endParaRPr lang="en-US" dirty="0"/>
+          </a:p>
+          <a:p>
+            <a:r>
+              <a:rPr lang="en-US" dirty="0" smtClean="0"/>
+              <a:t>But what happens with messages that stop redelivering after the max attempts?</a:t>
+            </a:r>
+            <a:endParaRPr lang="bg-BG" dirty="0"/>
+          </a:p>
+        </p:txBody>
+      </p:sp>
+      <p:pic>
+        <p:nvPicPr>
+          <p:cNvPr id="5" name="Picture 4"/>
+          <p:cNvPicPr>
+            <a:picLocks noChangeAspect="1"/>
+          </p:cNvPicPr>
+          <p:nvPr/>
+        </p:nvPicPr>
+        <p:blipFill>
+          <a:blip r:embed="rId2">
+            <a:extLst>
+              <a:ext uri="{28A0092B-C50C-407E-A947-70E740481C1C}">
+                <a14:useLocalDpi xmlns:a14="http://schemas.microsoft.com/office/drawing/2010/main" val="0"/>
+              </a:ext>
+            </a:extLst>
+          </a:blip>
+          <a:stretch>
+            <a:fillRect/>
+          </a:stretch>
+        </p:blipFill>
+        <p:spPr>
+          <a:xfrm>
+            <a:off x="4950383" y="4770019"/>
+            <a:ext cx="2183585" cy="1980694"/>
+          </a:xfrm>
+          <a:prstGeom prst="rect">
+            <a:avLst/>
+          </a:prstGeom>
+        </p:spPr>
+      </p:pic>
+    </p:spTree>
+    <p:extLst>
+      <p:ext uri="{BB962C8B-B14F-4D97-AF65-F5344CB8AC3E}">
+        <p14:creationId xmlns:p14="http://schemas.microsoft.com/office/powerpoint/2010/main" val="3971140310"/>
+      </p:ext>
+    </p:extLst>
+  </p:cSld>
+  <p:clrMapOvr>
+    <a:masterClrMapping/>
+  </p:clrMapOvr>
+</p:sld>
+</file>
+
+<file path=ppt/slides/slide13.xml><?xml version="1.0" encoding="utf-8"?>
+<p:sld xmlns:a="http://schemas.openxmlformats.org/drawingml/2006/main" xmlns:r="http://schemas.openxmlformats.org/officeDocument/2006/relationships" xmlns:p="http://schemas.openxmlformats.org/presentationml/2006/main">
+  <p:cSld>
+    <p:spTree>
+      <p:nvGrpSpPr>
+        <p:cNvPr id="1" name=""/>
+        <p:cNvGrpSpPr/>
+        <p:nvPr/>
+      </p:nvGrpSpPr>
+      <p:grpSpPr>
+        <a:xfrm>
+          <a:off x="0" y="0"/>
+          <a:ext cx="0" cy="0"/>
+          <a:chOff x="0" y="0"/>
+          <a:chExt cx="0" cy="0"/>
+        </a:xfrm>
+      </p:grpSpPr>
+      <p:sp>
+        <p:nvSpPr>
+          <p:cNvPr id="2" name="Title 1"/>
+          <p:cNvSpPr>
+            <a:spLocks noGrp="1"/>
+          </p:cNvSpPr>
+          <p:nvPr>
+            <p:ph type="title"/>
+          </p:nvPr>
+        </p:nvSpPr>
+        <p:spPr/>
+        <p:txBody>
+          <a:bodyPr/>
+          <a:lstStyle/>
+          <a:p>
+            <a:r>
+              <a:rPr lang="en-US" dirty="0" smtClean="0"/>
+              <a:t>Dead Letter Queue</a:t>
+            </a:r>
+            <a:endParaRPr lang="bg-BG" dirty="0"/>
+          </a:p>
+        </p:txBody>
+      </p:sp>
+      <p:sp>
+        <p:nvSpPr>
+          <p:cNvPr id="3" name="Content Placeholder 2"/>
+          <p:cNvSpPr>
+            <a:spLocks noGrp="1"/>
+          </p:cNvSpPr>
+          <p:nvPr>
+            <p:ph idx="1"/>
+          </p:nvPr>
+        </p:nvSpPr>
+        <p:spPr/>
+        <p:txBody>
+          <a:bodyPr/>
+          <a:lstStyle/>
+          <a:p>
+            <a:r>
+              <a:rPr lang="en-US" dirty="0"/>
+              <a:t>Once a message's redelivery attempts exceeds the </a:t>
+            </a:r>
+            <a:r>
+              <a:rPr lang="en-US" dirty="0" err="1"/>
+              <a:t>maximumRedeliveries</a:t>
+            </a:r>
+            <a:r>
+              <a:rPr lang="en-US" dirty="0"/>
+              <a:t> configured for the Redelivery </a:t>
+            </a:r>
+            <a:r>
+              <a:rPr lang="en-US" dirty="0" smtClean="0"/>
+              <a:t>Policy</a:t>
+            </a:r>
+            <a:r>
+              <a:rPr lang="en-US" dirty="0"/>
+              <a:t>:</a:t>
+            </a:r>
+            <a:endParaRPr lang="en-US" dirty="0" smtClean="0"/>
+          </a:p>
+          <a:p>
+            <a:pPr lvl="1"/>
+            <a:r>
+              <a:rPr lang="en-US" dirty="0" smtClean="0"/>
+              <a:t>a </a:t>
+            </a:r>
+            <a:r>
+              <a:rPr lang="en-US" dirty="0"/>
+              <a:t>"Poison ACK" is sent back to the broker letting him know that the message was considered a poison </a:t>
+            </a:r>
+            <a:r>
+              <a:rPr lang="en-US" dirty="0" smtClean="0"/>
+              <a:t>pill</a:t>
+            </a:r>
+            <a:r>
+              <a:rPr lang="en-US" dirty="0"/>
+              <a:t>;</a:t>
+            </a:r>
+            <a:endParaRPr lang="en-US" dirty="0" smtClean="0"/>
+          </a:p>
+          <a:p>
+            <a:pPr lvl="1"/>
+            <a:r>
+              <a:rPr lang="en-US" dirty="0" smtClean="0"/>
+              <a:t>The </a:t>
+            </a:r>
+            <a:r>
+              <a:rPr lang="en-US" dirty="0"/>
+              <a:t>Broker then takes the message and sends it to a Dead Letter Queue so that it can be analyzed later </a:t>
+            </a:r>
+            <a:r>
+              <a:rPr lang="en-US" dirty="0" smtClean="0"/>
+              <a:t>on.</a:t>
+            </a:r>
+          </a:p>
+          <a:p>
+            <a:pPr lvl="1"/>
+            <a:endParaRPr lang="en-US" dirty="0"/>
+          </a:p>
+          <a:p>
+            <a:r>
+              <a:rPr lang="en-US" dirty="0" smtClean="0"/>
+              <a:t>It is possible to discard DLQ messages;</a:t>
+            </a:r>
+          </a:p>
+          <a:p>
+            <a:r>
+              <a:rPr lang="en-US" dirty="0" smtClean="0"/>
+              <a:t>You can set DLQ for every Queue.</a:t>
+            </a:r>
+            <a:endParaRPr lang="bg-BG" dirty="0"/>
+          </a:p>
+        </p:txBody>
+      </p:sp>
+    </p:spTree>
+    <p:extLst>
+      <p:ext uri="{BB962C8B-B14F-4D97-AF65-F5344CB8AC3E}">
+        <p14:creationId xmlns:p14="http://schemas.microsoft.com/office/powerpoint/2010/main" val="2611197389"/>
+      </p:ext>
+    </p:extLst>
+  </p:cSld>
+  <p:clrMapOvr>
+    <a:masterClrMapping/>
+  </p:clrMapOvr>
+</p:sld>
+</file>
+
+<file path=ppt/slides/slide14.xml><?xml version="1.0" encoding="utf-8"?>
+<p:sld xmlns:a="http://schemas.openxmlformats.org/drawingml/2006/main" xmlns:r="http://schemas.openxmlformats.org/officeDocument/2006/relationships" xmlns:p="http://schemas.openxmlformats.org/presentationml/2006/main">
+  <p:cSld>
+    <p:spTree>
+      <p:nvGrpSpPr>
+        <p:cNvPr id="1" name=""/>
+        <p:cNvGrpSpPr/>
+        <p:nvPr/>
+      </p:nvGrpSpPr>
+      <p:grpSpPr>
+        <a:xfrm>
+          <a:off x="0" y="0"/>
+          <a:ext cx="0" cy="0"/>
+          <a:chOff x="0" y="0"/>
+          <a:chExt cx="0" cy="0"/>
+        </a:xfrm>
+      </p:grpSpPr>
+      <p:sp>
+        <p:nvSpPr>
+          <p:cNvPr id="2" name="Title 1"/>
+          <p:cNvSpPr>
+            <a:spLocks noGrp="1"/>
+          </p:cNvSpPr>
+          <p:nvPr>
+            <p:ph type="title"/>
+          </p:nvPr>
+        </p:nvSpPr>
+        <p:spPr>
+          <a:xfrm>
+            <a:off x="646112" y="452718"/>
+            <a:ext cx="7039792" cy="1293704"/>
+          </a:xfrm>
+        </p:spPr>
+        <p:txBody>
+          <a:bodyPr/>
+          <a:lstStyle/>
+          <a:p>
+            <a:r>
+              <a:rPr lang="en-US" b="1" dirty="0" smtClean="0"/>
+              <a:t>To JMS or not to JMS (1)</a:t>
+            </a:r>
+            <a:r>
+              <a:rPr lang="en-US" b="1" dirty="0"/>
+              <a:t/>
+            </a:r>
+            <a:br>
+              <a:rPr lang="en-US" b="1" dirty="0"/>
+            </a:br>
+            <a:endParaRPr lang="bg-BG" dirty="0"/>
+          </a:p>
+        </p:txBody>
+      </p:sp>
+      <p:sp>
+        <p:nvSpPr>
+          <p:cNvPr id="3" name="Content Placeholder 2"/>
+          <p:cNvSpPr>
+            <a:spLocks noGrp="1"/>
+          </p:cNvSpPr>
+          <p:nvPr>
+            <p:ph idx="1"/>
+          </p:nvPr>
+        </p:nvSpPr>
+        <p:spPr>
+          <a:xfrm>
+            <a:off x="354227" y="2052918"/>
+            <a:ext cx="8127272" cy="2461417"/>
+          </a:xfrm>
+        </p:spPr>
+        <p:txBody>
+          <a:bodyPr/>
+          <a:lstStyle/>
+          <a:p>
+            <a:pPr lvl="1"/>
+            <a:r>
+              <a:rPr lang="en-US" dirty="0" smtClean="0"/>
+              <a:t>Don’t just pick </a:t>
+            </a:r>
+            <a:r>
+              <a:rPr lang="en-US" dirty="0"/>
+              <a:t>an MQ because “decoupling is good</a:t>
+            </a:r>
+            <a:r>
+              <a:rPr lang="en-US" dirty="0" smtClean="0"/>
+              <a:t>”;</a:t>
+            </a:r>
+          </a:p>
+          <a:p>
+            <a:pPr lvl="2"/>
+            <a:r>
+              <a:rPr lang="en-US" dirty="0" smtClean="0"/>
+              <a:t>They have a learning curve (Simplified in SEP by the core team);</a:t>
+            </a:r>
+          </a:p>
+          <a:p>
+            <a:pPr lvl="2"/>
+            <a:r>
+              <a:rPr lang="en-US" dirty="0" smtClean="0"/>
+              <a:t>JMS Clients have tons of configurations;</a:t>
+            </a:r>
+          </a:p>
+          <a:p>
+            <a:pPr lvl="2"/>
+            <a:r>
+              <a:rPr lang="en-US" dirty="0"/>
+              <a:t>If you overuse your MQ, then it adds latency to your </a:t>
+            </a:r>
+            <a:r>
+              <a:rPr lang="en-US" dirty="0" smtClean="0"/>
+              <a:t>system;</a:t>
+            </a:r>
+          </a:p>
+          <a:p>
+            <a:pPr lvl="2"/>
+            <a:r>
+              <a:rPr lang="en-US" dirty="0" smtClean="0"/>
+              <a:t>Harder </a:t>
+            </a:r>
+            <a:r>
+              <a:rPr lang="en-US" dirty="0"/>
+              <a:t>to track the program flow when analyzing </a:t>
+            </a:r>
+            <a:r>
+              <a:rPr lang="en-US" dirty="0" smtClean="0"/>
+              <a:t>problems (you can’t just see the </a:t>
+            </a:r>
+            <a:r>
+              <a:rPr lang="en-US" dirty="0" err="1" smtClean="0"/>
+              <a:t>stacktrace</a:t>
+            </a:r>
+            <a:r>
+              <a:rPr lang="en-US" dirty="0" smtClean="0"/>
+              <a:t>).</a:t>
+            </a:r>
+          </a:p>
+          <a:p>
+            <a:pPr lvl="2"/>
+            <a:endParaRPr lang="en-US" b="1" dirty="0" smtClean="0"/>
+          </a:p>
+          <a:p>
+            <a:endParaRPr lang="bg-BG" dirty="0"/>
+          </a:p>
+        </p:txBody>
+      </p:sp>
+      <p:pic>
+        <p:nvPicPr>
+          <p:cNvPr id="4" name="Picture 3"/>
+          <p:cNvPicPr>
+            <a:picLocks noChangeAspect="1"/>
+          </p:cNvPicPr>
+          <p:nvPr/>
+        </p:nvPicPr>
+        <p:blipFill>
+          <a:blip r:embed="rId2">
+            <a:extLst>
+              <a:ext uri="{28A0092B-C50C-407E-A947-70E740481C1C}">
+                <a14:useLocalDpi xmlns:a14="http://schemas.microsoft.com/office/drawing/2010/main" val="0"/>
+              </a:ext>
+            </a:extLst>
+          </a:blip>
+          <a:stretch>
+            <a:fillRect/>
+          </a:stretch>
+        </p:blipFill>
+        <p:spPr>
+          <a:xfrm>
+            <a:off x="8481499" y="1334215"/>
+            <a:ext cx="3648075" cy="2381250"/>
+          </a:xfrm>
+          <a:prstGeom prst="rect">
+            <a:avLst/>
+          </a:prstGeom>
+        </p:spPr>
+      </p:pic>
+      <p:pic>
+        <p:nvPicPr>
+          <p:cNvPr id="5" name="Picture 4"/>
+          <p:cNvPicPr>
+            <a:picLocks noChangeAspect="1"/>
+          </p:cNvPicPr>
+          <p:nvPr/>
+        </p:nvPicPr>
+        <p:blipFill>
+          <a:blip r:embed="rId3"/>
+          <a:stretch>
+            <a:fillRect/>
+          </a:stretch>
+        </p:blipFill>
+        <p:spPr>
+          <a:xfrm>
+            <a:off x="423689" y="4626007"/>
+            <a:ext cx="7562850" cy="1895475"/>
+          </a:xfrm>
+          <a:prstGeom prst="rect">
+            <a:avLst/>
+          </a:prstGeom>
+        </p:spPr>
+      </p:pic>
+    </p:spTree>
+    <p:extLst>
+      <p:ext uri="{BB962C8B-B14F-4D97-AF65-F5344CB8AC3E}">
+        <p14:creationId xmlns:p14="http://schemas.microsoft.com/office/powerpoint/2010/main" val="791432760"/>
+      </p:ext>
+    </p:extLst>
+  </p:cSld>
+  <p:clrMapOvr>
+    <a:masterClrMapping/>
+  </p:clrMapOvr>
+</p:sld>
+</file>
+
+<file path=ppt/slides/slide15.xml><?xml version="1.0" encoding="utf-8"?>
+<p:sld xmlns:a="http://schemas.openxmlformats.org/drawingml/2006/main" xmlns:r="http://schemas.openxmlformats.org/officeDocument/2006/relationships" xmlns:p="http://schemas.openxmlformats.org/presentationml/2006/main">
+  <p:cSld>
+    <p:spTree>
+      <p:nvGrpSpPr>
+        <p:cNvPr id="1" name=""/>
+        <p:cNvGrpSpPr/>
+        <p:nvPr/>
+      </p:nvGrpSpPr>
+      <p:grpSpPr>
+        <a:xfrm>
+          <a:off x="0" y="0"/>
+          <a:ext cx="0" cy="0"/>
+          <a:chOff x="0" y="0"/>
+          <a:chExt cx="0" cy="0"/>
+        </a:xfrm>
+      </p:grpSpPr>
+      <p:pic>
+        <p:nvPicPr>
+          <p:cNvPr id="5" name="Picture 4"/>
+          <p:cNvPicPr>
+            <a:picLocks noChangeAspect="1"/>
+          </p:cNvPicPr>
+          <p:nvPr/>
+        </p:nvPicPr>
+        <p:blipFill>
+          <a:blip r:embed="rId2"/>
+          <a:stretch>
+            <a:fillRect/>
+          </a:stretch>
+        </p:blipFill>
+        <p:spPr>
+          <a:xfrm>
+            <a:off x="0" y="0"/>
+            <a:ext cx="5895109" cy="3657600"/>
+          </a:xfrm>
+          <a:prstGeom prst="rect">
+            <a:avLst/>
+          </a:prstGeom>
+        </p:spPr>
+      </p:pic>
+      <p:pic>
+        <p:nvPicPr>
+          <p:cNvPr id="6" name="Picture 5"/>
+          <p:cNvPicPr>
+            <a:picLocks noChangeAspect="1"/>
+          </p:cNvPicPr>
+          <p:nvPr/>
+        </p:nvPicPr>
+        <p:blipFill>
+          <a:blip r:embed="rId3"/>
+          <a:stretch>
+            <a:fillRect/>
+          </a:stretch>
+        </p:blipFill>
+        <p:spPr>
+          <a:xfrm>
+            <a:off x="2107986" y="3801274"/>
+            <a:ext cx="4399906" cy="3056726"/>
+          </a:xfrm>
+          <a:prstGeom prst="rect">
+            <a:avLst/>
+          </a:prstGeom>
+        </p:spPr>
+      </p:pic>
+      <p:pic>
+        <p:nvPicPr>
+          <p:cNvPr id="7" name="Picture 6"/>
+          <p:cNvPicPr>
+            <a:picLocks noChangeAspect="1"/>
+          </p:cNvPicPr>
+          <p:nvPr/>
+        </p:nvPicPr>
+        <p:blipFill>
+          <a:blip r:embed="rId4"/>
+          <a:stretch>
+            <a:fillRect/>
+          </a:stretch>
+        </p:blipFill>
+        <p:spPr>
+          <a:xfrm>
+            <a:off x="6689951" y="0"/>
+            <a:ext cx="5523952" cy="5585254"/>
+          </a:xfrm>
+          <a:prstGeom prst="rect">
+            <a:avLst/>
+          </a:prstGeom>
+        </p:spPr>
+      </p:pic>
+    </p:spTree>
+    <p:extLst>
+      <p:ext uri="{BB962C8B-B14F-4D97-AF65-F5344CB8AC3E}">
+        <p14:creationId xmlns:p14="http://schemas.microsoft.com/office/powerpoint/2010/main" val="2989920989"/>
+      </p:ext>
+    </p:extLst>
+  </p:cSld>
+  <p:clrMapOvr>
+    <a:masterClrMapping/>
+  </p:clrMapOvr>
+</p:sld>
+</file>
+
+<file path=ppt/slides/slide16.xml><?xml version="1.0" encoding="utf-8"?>
+<p:sld xmlns:a="http://schemas.openxmlformats.org/drawingml/2006/main" xmlns:r="http://schemas.openxmlformats.org/officeDocument/2006/relationships" xmlns:p="http://schemas.openxmlformats.org/presentationml/2006/main">
+  <p:cSld>
+    <p:spTree>
+      <p:nvGrpSpPr>
+        <p:cNvPr id="1" name=""/>
+        <p:cNvGrpSpPr/>
+        <p:nvPr/>
+      </p:nvGrpSpPr>
+      <p:grpSpPr>
+        <a:xfrm>
+          <a:off x="0" y="0"/>
+          <a:ext cx="0" cy="0"/>
+          <a:chOff x="0" y="0"/>
+          <a:chExt cx="0" cy="0"/>
+        </a:xfrm>
+      </p:grpSpPr>
+      <p:sp>
+        <p:nvSpPr>
+          <p:cNvPr id="2" name="Title 1"/>
+          <p:cNvSpPr>
+            <a:spLocks noGrp="1"/>
+          </p:cNvSpPr>
+          <p:nvPr>
+            <p:ph type="title"/>
+          </p:nvPr>
+        </p:nvSpPr>
+        <p:spPr/>
+        <p:txBody>
+          <a:bodyPr/>
+          <a:lstStyle/>
+          <a:p>
+            <a:r>
+              <a:rPr lang="en-US" b="1" dirty="0"/>
+              <a:t>To JMS or not to </a:t>
+            </a:r>
+            <a:r>
+              <a:rPr lang="en-US" b="1" dirty="0" smtClean="0"/>
+              <a:t>JMS (2)</a:t>
+            </a:r>
+            <a:r>
+              <a:rPr lang="en-US" b="1" dirty="0"/>
+              <a:t/>
+            </a:r>
+            <a:br>
+              <a:rPr lang="en-US" b="1" dirty="0"/>
+            </a:br>
+            <a:endParaRPr lang="bg-BG" dirty="0"/>
+          </a:p>
+        </p:txBody>
+      </p:sp>
+      <p:sp>
+        <p:nvSpPr>
+          <p:cNvPr id="3" name="Content Placeholder 2"/>
+          <p:cNvSpPr>
+            <a:spLocks noGrp="1"/>
+          </p:cNvSpPr>
+          <p:nvPr>
+            <p:ph idx="1"/>
+          </p:nvPr>
+        </p:nvSpPr>
+        <p:spPr>
+          <a:xfrm>
+            <a:off x="1103312" y="2052918"/>
+            <a:ext cx="8946541" cy="4553828"/>
+          </a:xfrm>
+        </p:spPr>
+        <p:txBody>
+          <a:bodyPr/>
+          <a:lstStyle/>
+          <a:p>
+            <a:pPr lvl="1"/>
+            <a:r>
+              <a:rPr lang="en-US" dirty="0" smtClean="0"/>
+              <a:t>When to consider using MQ:</a:t>
+            </a:r>
+          </a:p>
+          <a:p>
+            <a:pPr lvl="2"/>
+            <a:r>
+              <a:rPr lang="en-US" b="1" dirty="0" smtClean="0"/>
+              <a:t>Decoupling</a:t>
+            </a:r>
+            <a:r>
+              <a:rPr lang="en-US" dirty="0" smtClean="0"/>
+              <a:t>;</a:t>
+            </a:r>
+            <a:endParaRPr lang="en-US" dirty="0"/>
+          </a:p>
+          <a:p>
+            <a:pPr lvl="2"/>
+            <a:r>
+              <a:rPr lang="en-US" b="1" dirty="0"/>
+              <a:t>Redundancy </a:t>
+            </a:r>
+            <a:r>
+              <a:rPr lang="en-US" b="1" dirty="0" smtClean="0"/>
+              <a:t>- </a:t>
+            </a:r>
+            <a:r>
+              <a:rPr lang="en-US" dirty="0"/>
+              <a:t>Sometimes processes fail when processing data. Unless that data is persisted, it’s lost </a:t>
+            </a:r>
+            <a:r>
+              <a:rPr lang="en-US" dirty="0" smtClean="0"/>
+              <a:t>forever;</a:t>
+            </a:r>
+            <a:endParaRPr lang="en-US" b="1" dirty="0" smtClean="0"/>
+          </a:p>
+          <a:p>
+            <a:pPr lvl="2"/>
+            <a:r>
+              <a:rPr lang="en-US" b="1" dirty="0"/>
+              <a:t>Scalability </a:t>
+            </a:r>
+            <a:r>
+              <a:rPr lang="en-US" b="1" dirty="0" smtClean="0"/>
+              <a:t>- </a:t>
+            </a:r>
+            <a:r>
+              <a:rPr lang="en-US" dirty="0"/>
+              <a:t>Because message queues decouple your processes, it’s easy to scale up the rate with which messages are added to the queue or processed; simply add another </a:t>
+            </a:r>
+            <a:r>
+              <a:rPr lang="en-US" dirty="0" smtClean="0"/>
+              <a:t>process;</a:t>
+            </a:r>
+            <a:endParaRPr lang="en-US" b="1" dirty="0" smtClean="0"/>
+          </a:p>
+          <a:p>
+            <a:pPr lvl="2"/>
+            <a:r>
+              <a:rPr lang="en-US" b="1" dirty="0"/>
+              <a:t>Elasticity &amp; </a:t>
+            </a:r>
+            <a:r>
+              <a:rPr lang="en-US" b="1" dirty="0" err="1" smtClean="0"/>
+              <a:t>Spikeability</a:t>
+            </a:r>
+            <a:r>
+              <a:rPr lang="en-US" b="1" dirty="0" smtClean="0"/>
+              <a:t> - </a:t>
+            </a:r>
+            <a:r>
+              <a:rPr lang="en-US" dirty="0"/>
+              <a:t>When your application hits </a:t>
+            </a:r>
+            <a:r>
+              <a:rPr lang="en-US" dirty="0" smtClean="0"/>
+              <a:t>live and there’s huge load, mitigates it;</a:t>
+            </a:r>
+            <a:endParaRPr lang="en-US" b="1" dirty="0" smtClean="0"/>
+          </a:p>
+          <a:p>
+            <a:pPr lvl="2"/>
+            <a:r>
+              <a:rPr lang="en-US" b="1" dirty="0" smtClean="0"/>
+              <a:t>Resiliency - </a:t>
+            </a:r>
+            <a:r>
+              <a:rPr lang="en-US" dirty="0"/>
+              <a:t>When part of your architecture fails, it doesn’t need to take the entire system down with </a:t>
+            </a:r>
+            <a:r>
+              <a:rPr lang="en-US" dirty="0" smtClean="0"/>
+              <a:t>it</a:t>
+            </a:r>
+            <a:r>
+              <a:rPr lang="en-US" dirty="0"/>
+              <a:t> </a:t>
+            </a:r>
+            <a:r>
+              <a:rPr lang="en-US" dirty="0" smtClean="0"/>
+              <a:t>(#</a:t>
+            </a:r>
+            <a:r>
+              <a:rPr lang="en-US" dirty="0" err="1" smtClean="0"/>
+              <a:t>rememberOCR</a:t>
+            </a:r>
+            <a:r>
+              <a:rPr lang="en-US" dirty="0" smtClean="0"/>
+              <a:t>).</a:t>
+            </a:r>
+            <a:endParaRPr lang="en-US" b="1" dirty="0" smtClean="0"/>
+          </a:p>
+        </p:txBody>
+      </p:sp>
+    </p:spTree>
+    <p:extLst>
+      <p:ext uri="{BB962C8B-B14F-4D97-AF65-F5344CB8AC3E}">
+        <p14:creationId xmlns:p14="http://schemas.microsoft.com/office/powerpoint/2010/main" val="168345824"/>
+      </p:ext>
+    </p:extLst>
+  </p:cSld>
+  <p:clrMapOvr>
+    <a:masterClrMapping/>
+  </p:clrMapOvr>
+</p:sld>
+</file>
+
+<file path=ppt/slides/slide17.xml><?xml version="1.0" encoding="utf-8"?>
+<p:sld xmlns:a="http://schemas.openxmlformats.org/drawingml/2006/main" xmlns:r="http://schemas.openxmlformats.org/officeDocument/2006/relationships" xmlns:p="http://schemas.openxmlformats.org/presentationml/2006/main">
+  <p:cSld>
+    <p:spTree>
+      <p:nvGrpSpPr>
+        <p:cNvPr id="1" name=""/>
+        <p:cNvGrpSpPr/>
+        <p:nvPr/>
+      </p:nvGrpSpPr>
+      <p:grpSpPr>
+        <a:xfrm>
+          <a:off x="0" y="0"/>
+          <a:ext cx="0" cy="0"/>
+          <a:chOff x="0" y="0"/>
+          <a:chExt cx="0" cy="0"/>
+        </a:xfrm>
+      </p:grpSpPr>
+      <p:sp>
+        <p:nvSpPr>
+          <p:cNvPr id="2" name="Title 1"/>
+          <p:cNvSpPr>
+            <a:spLocks noGrp="1"/>
+          </p:cNvSpPr>
+          <p:nvPr>
+            <p:ph type="title"/>
+          </p:nvPr>
+        </p:nvSpPr>
+        <p:spPr/>
+        <p:txBody>
+          <a:bodyPr/>
+          <a:lstStyle/>
+          <a:p>
+            <a:r>
+              <a:rPr lang="en-US" b="1" dirty="0"/>
+              <a:t>To JMS or not to </a:t>
+            </a:r>
+            <a:r>
+              <a:rPr lang="en-US" b="1" dirty="0" smtClean="0"/>
+              <a:t>JMS (3)</a:t>
+            </a:r>
+            <a:r>
+              <a:rPr lang="en-US" b="1" dirty="0"/>
+              <a:t/>
+            </a:r>
+            <a:br>
+              <a:rPr lang="en-US" b="1" dirty="0"/>
+            </a:br>
+            <a:endParaRPr lang="bg-BG" dirty="0"/>
+          </a:p>
+        </p:txBody>
+      </p:sp>
+      <p:sp>
+        <p:nvSpPr>
+          <p:cNvPr id="3" name="Content Placeholder 2"/>
+          <p:cNvSpPr>
+            <a:spLocks noGrp="1"/>
+          </p:cNvSpPr>
+          <p:nvPr>
+            <p:ph idx="1"/>
+          </p:nvPr>
+        </p:nvSpPr>
+        <p:spPr>
+          <a:xfrm>
+            <a:off x="1103312" y="2052918"/>
+            <a:ext cx="8946541" cy="4553828"/>
+          </a:xfrm>
+        </p:spPr>
+        <p:txBody>
+          <a:bodyPr/>
+          <a:lstStyle/>
+          <a:p>
+            <a:pPr lvl="1"/>
+            <a:r>
+              <a:rPr lang="en-US" dirty="0" smtClean="0"/>
+              <a:t>When to consider using MQ:</a:t>
+            </a:r>
+            <a:endParaRPr lang="en-US" b="1" dirty="0"/>
+          </a:p>
+          <a:p>
+            <a:pPr lvl="2"/>
+            <a:r>
+              <a:rPr lang="en-US" b="1" dirty="0" smtClean="0"/>
+              <a:t>Delivery Guarantees - </a:t>
+            </a:r>
+            <a:r>
+              <a:rPr lang="en-US" dirty="0"/>
+              <a:t>The redundancy provided by message queues guarantees that a message will be processed </a:t>
+            </a:r>
+            <a:r>
+              <a:rPr lang="en-US" dirty="0" smtClean="0"/>
+              <a:t>eventually</a:t>
+            </a:r>
+          </a:p>
+          <a:p>
+            <a:pPr lvl="2"/>
+            <a:r>
+              <a:rPr lang="en-US" b="1" dirty="0"/>
+              <a:t>Ordering </a:t>
+            </a:r>
+            <a:r>
+              <a:rPr lang="en-US" b="1" dirty="0" smtClean="0"/>
+              <a:t>Guarantees - </a:t>
+            </a:r>
+            <a:r>
+              <a:rPr lang="en-US" dirty="0"/>
+              <a:t>In a lot of situations, the order with which data is processed is important</a:t>
+            </a:r>
+            <a:r>
+              <a:rPr lang="en-US" dirty="0" smtClean="0"/>
+              <a:t>. (#</a:t>
+            </a:r>
+            <a:r>
+              <a:rPr lang="en-US" dirty="0" err="1" smtClean="0"/>
+              <a:t>remembereGov</a:t>
+            </a:r>
+            <a:r>
+              <a:rPr lang="en-US" dirty="0" smtClean="0"/>
+              <a:t>)</a:t>
+            </a:r>
+          </a:p>
+          <a:p>
+            <a:pPr lvl="2"/>
+            <a:r>
+              <a:rPr lang="en-US" b="1" dirty="0"/>
+              <a:t>Asynchronous </a:t>
+            </a:r>
+            <a:r>
+              <a:rPr lang="en-US" b="1" dirty="0" smtClean="0"/>
+              <a:t>Communication - </a:t>
+            </a:r>
+            <a:r>
+              <a:rPr lang="en-US" dirty="0"/>
+              <a:t>A lot of times, you don’t want to or need to process a message immediately. Message queues enable asynchronous processing, which allows you to put a message on the queue without processing </a:t>
+            </a:r>
+            <a:r>
+              <a:rPr lang="en-US" dirty="0" smtClean="0"/>
+              <a:t>it.</a:t>
+            </a:r>
+          </a:p>
+          <a:p>
+            <a:pPr lvl="2"/>
+            <a:endParaRPr lang="en-US" dirty="0"/>
+          </a:p>
+        </p:txBody>
+      </p:sp>
+    </p:spTree>
+    <p:extLst>
+      <p:ext uri="{BB962C8B-B14F-4D97-AF65-F5344CB8AC3E}">
+        <p14:creationId xmlns:p14="http://schemas.microsoft.com/office/powerpoint/2010/main" val="2368404350"/>
+      </p:ext>
+    </p:extLst>
+  </p:cSld>
+  <p:clrMapOvr>
+    <a:masterClrMapping/>
+  </p:clrMapOvr>
+</p:sld>
+</file>
+
+<file path=ppt/slides/slide18.xml><?xml version="1.0" encoding="utf-8"?>
+<p:sld xmlns:a="http://schemas.openxmlformats.org/drawingml/2006/main" xmlns:r="http://schemas.openxmlformats.org/officeDocument/2006/relationships" xmlns:p="http://schemas.openxmlformats.org/presentationml/2006/main">
+  <p:cSld>
+    <p:spTree>
+      <p:nvGrpSpPr>
+        <p:cNvPr id="1" name=""/>
+        <p:cNvGrpSpPr/>
+        <p:nvPr/>
+      </p:nvGrpSpPr>
+      <p:grpSpPr>
+        <a:xfrm>
+          <a:off x="0" y="0"/>
+          <a:ext cx="0" cy="0"/>
+          <a:chOff x="0" y="0"/>
+          <a:chExt cx="0" cy="0"/>
+        </a:xfrm>
+      </p:grpSpPr>
+      <p:sp>
+        <p:nvSpPr>
+          <p:cNvPr id="2" name="Title 1"/>
+          <p:cNvSpPr>
+            <a:spLocks noGrp="1"/>
+          </p:cNvSpPr>
+          <p:nvPr>
+            <p:ph type="title"/>
+          </p:nvPr>
+        </p:nvSpPr>
+        <p:spPr/>
+        <p:txBody>
+          <a:bodyPr/>
+          <a:lstStyle/>
+          <a:p>
+            <a:r>
+              <a:rPr lang="en-US" b="1" dirty="0" smtClean="0"/>
+              <a:t>JMS Usages (1) : OCR</a:t>
+            </a:r>
+            <a:r>
+              <a:rPr lang="en-US" b="1" dirty="0"/>
+              <a:t/>
+            </a:r>
+            <a:br>
+              <a:rPr lang="en-US" b="1" dirty="0"/>
+            </a:br>
+            <a:endParaRPr lang="bg-BG" dirty="0"/>
+          </a:p>
+        </p:txBody>
+      </p:sp>
+      <p:sp>
+        <p:nvSpPr>
+          <p:cNvPr id="3" name="Content Placeholder 2"/>
+          <p:cNvSpPr>
+            <a:spLocks noGrp="1"/>
+          </p:cNvSpPr>
+          <p:nvPr>
+            <p:ph idx="1"/>
+          </p:nvPr>
+        </p:nvSpPr>
+        <p:spPr>
+          <a:xfrm>
+            <a:off x="1103312" y="2052918"/>
+            <a:ext cx="8946541" cy="4553828"/>
+          </a:xfrm>
+        </p:spPr>
+        <p:txBody>
+          <a:bodyPr/>
+          <a:lstStyle/>
+          <a:p>
+            <a:r>
+              <a:rPr lang="en-US" dirty="0" smtClean="0"/>
+              <a:t>What did we do?</a:t>
+            </a:r>
+          </a:p>
+          <a:p>
+            <a:pPr lvl="1"/>
+            <a:r>
+              <a:rPr lang="en-US" dirty="0" smtClean="0"/>
+              <a:t>Platform</a:t>
+            </a:r>
+          </a:p>
+          <a:p>
+            <a:pPr lvl="2"/>
+            <a:r>
+              <a:rPr lang="en-US" dirty="0" smtClean="0"/>
+              <a:t>On content assign add to Topic;</a:t>
+            </a:r>
+          </a:p>
+          <a:p>
+            <a:pPr lvl="2"/>
+            <a:r>
+              <a:rPr lang="en-US" dirty="0" smtClean="0"/>
+              <a:t>Consume the messages from the topic and send them to a queue.</a:t>
+            </a:r>
+          </a:p>
+          <a:p>
+            <a:pPr lvl="1"/>
+            <a:r>
+              <a:rPr lang="en-US" dirty="0" smtClean="0"/>
+              <a:t>Service</a:t>
+            </a:r>
+          </a:p>
+          <a:p>
+            <a:pPr lvl="2"/>
+            <a:r>
+              <a:rPr lang="en-US" dirty="0" smtClean="0"/>
+              <a:t>Reads from the queue, OCRs, sends the information back.</a:t>
+            </a:r>
+          </a:p>
+          <a:p>
+            <a:pPr marL="0" indent="0">
+              <a:buNone/>
+            </a:pPr>
+            <a:endParaRPr lang="en-US" dirty="0"/>
+          </a:p>
+          <a:p>
+            <a:r>
+              <a:rPr lang="en-US" dirty="0" smtClean="0"/>
+              <a:t>Why did we do it?</a:t>
+            </a:r>
+          </a:p>
+          <a:p>
+            <a:pPr lvl="1"/>
+            <a:r>
+              <a:rPr lang="en-US" dirty="0" smtClean="0"/>
+              <a:t>Scalability;</a:t>
+            </a:r>
+          </a:p>
+          <a:p>
+            <a:pPr lvl="1"/>
+            <a:r>
+              <a:rPr lang="en-US" dirty="0"/>
+              <a:t>Delivery </a:t>
+            </a:r>
+            <a:r>
+              <a:rPr lang="en-US" dirty="0" smtClean="0"/>
+              <a:t>Guarantees;</a:t>
+            </a:r>
+          </a:p>
+          <a:p>
+            <a:pPr lvl="1"/>
+            <a:r>
+              <a:rPr lang="en-US" dirty="0" smtClean="0"/>
+              <a:t>Resiliency</a:t>
+            </a:r>
+            <a:r>
+              <a:rPr lang="en-US" dirty="0"/>
+              <a:t>.</a:t>
+            </a:r>
+            <a:endParaRPr lang="en-US" dirty="0" smtClean="0"/>
+          </a:p>
+          <a:p>
+            <a:pPr lvl="1"/>
+            <a:endParaRPr lang="en-US" b="1" dirty="0" smtClean="0"/>
+          </a:p>
+          <a:p>
+            <a:endParaRPr lang="bg-BG" dirty="0"/>
+          </a:p>
+        </p:txBody>
+      </p:sp>
+      <p:pic>
+        <p:nvPicPr>
+          <p:cNvPr id="4" name="Picture 3"/>
+          <p:cNvPicPr>
+            <a:picLocks noChangeAspect="1"/>
+          </p:cNvPicPr>
+          <p:nvPr/>
+        </p:nvPicPr>
+        <p:blipFill>
+          <a:blip r:embed="rId2">
+            <a:extLst>
+              <a:ext uri="{28A0092B-C50C-407E-A947-70E740481C1C}">
+                <a14:useLocalDpi xmlns:a14="http://schemas.microsoft.com/office/drawing/2010/main" val="0"/>
+              </a:ext>
+            </a:extLst>
+          </a:blip>
+          <a:stretch>
+            <a:fillRect/>
+          </a:stretch>
+        </p:blipFill>
+        <p:spPr>
+          <a:xfrm>
+            <a:off x="8589353" y="4052158"/>
+            <a:ext cx="2921000" cy="2197100"/>
+          </a:xfrm>
+          <a:prstGeom prst="rect">
+            <a:avLst/>
+          </a:prstGeom>
+        </p:spPr>
+      </p:pic>
+    </p:spTree>
+    <p:extLst>
+      <p:ext uri="{BB962C8B-B14F-4D97-AF65-F5344CB8AC3E}">
+        <p14:creationId xmlns:p14="http://schemas.microsoft.com/office/powerpoint/2010/main" val="3198627071"/>
+      </p:ext>
+    </p:extLst>
+  </p:cSld>
+  <p:clrMapOvr>
+    <a:masterClrMapping/>
+  </p:clrMapOvr>
+</p:sld>
+</file>
+
+<file path=ppt/slides/slide19.xml><?xml version="1.0" encoding="utf-8"?>
+<p:sld xmlns:a="http://schemas.openxmlformats.org/drawingml/2006/main" xmlns:r="http://schemas.openxmlformats.org/officeDocument/2006/relationships" xmlns:p="http://schemas.openxmlformats.org/presentationml/2006/main">
+  <p:cSld>
+    <p:spTree>
+      <p:nvGrpSpPr>
+        <p:cNvPr id="1" name=""/>
+        <p:cNvGrpSpPr/>
+        <p:nvPr/>
+      </p:nvGrpSpPr>
+      <p:grpSpPr>
+        <a:xfrm>
+          <a:off x="0" y="0"/>
+          <a:ext cx="0" cy="0"/>
+          <a:chOff x="0" y="0"/>
+          <a:chExt cx="0" cy="0"/>
+        </a:xfrm>
+      </p:grpSpPr>
+      <p:sp>
+        <p:nvSpPr>
+          <p:cNvPr id="2" name="Title 1"/>
+          <p:cNvSpPr>
+            <a:spLocks noGrp="1"/>
+          </p:cNvSpPr>
+          <p:nvPr>
+            <p:ph type="title"/>
+          </p:nvPr>
+        </p:nvSpPr>
+        <p:spPr/>
+        <p:txBody>
+          <a:bodyPr/>
+          <a:lstStyle/>
+          <a:p>
+            <a:r>
+              <a:rPr lang="en-US" dirty="0" smtClean="0"/>
+              <a:t>Optical Character Recognition JMS Usage</a:t>
+            </a:r>
+            <a:endParaRPr lang="bg-BG" dirty="0"/>
+          </a:p>
+        </p:txBody>
+      </p:sp>
+      <p:pic>
+        <p:nvPicPr>
+          <p:cNvPr id="6" name="Content Placeholder 5"/>
+          <p:cNvPicPr>
+            <a:picLocks noGrp="1" noChangeAspect="1"/>
+          </p:cNvPicPr>
+          <p:nvPr>
+            <p:ph sz="half" idx="1"/>
+          </p:nvPr>
+        </p:nvPicPr>
+        <p:blipFill>
+          <a:blip r:embed="rId2">
+            <a:extLst>
+              <a:ext uri="{28A0092B-C50C-407E-A947-70E740481C1C}">
+                <a14:useLocalDpi xmlns:a14="http://schemas.microsoft.com/office/drawing/2010/main" val="0"/>
+              </a:ext>
+            </a:extLst>
+          </a:blip>
+          <a:stretch>
+            <a:fillRect/>
+          </a:stretch>
+        </p:blipFill>
+        <p:spPr>
+          <a:xfrm>
+            <a:off x="4868005" y="2056091"/>
+            <a:ext cx="7187087" cy="4200245"/>
+          </a:xfrm>
+        </p:spPr>
+      </p:pic>
+      <p:sp>
+        <p:nvSpPr>
+          <p:cNvPr id="8" name="Content Placeholder 7"/>
+          <p:cNvSpPr>
+            <a:spLocks noGrp="1"/>
+          </p:cNvSpPr>
+          <p:nvPr>
+            <p:ph sz="half" idx="2"/>
+          </p:nvPr>
+        </p:nvSpPr>
+        <p:spPr>
+          <a:xfrm>
+            <a:off x="365801" y="2056091"/>
+            <a:ext cx="4396341" cy="4200245"/>
+          </a:xfrm>
+        </p:spPr>
+        <p:txBody>
+          <a:bodyPr/>
+          <a:lstStyle/>
+          <a:p>
+            <a:r>
+              <a:rPr lang="en-US" dirty="0" smtClean="0"/>
+              <a:t>SEP Design</a:t>
+            </a:r>
+          </a:p>
+          <a:p>
+            <a:pPr lvl="1"/>
+            <a:r>
+              <a:rPr lang="en-US" dirty="0" smtClean="0"/>
+              <a:t>Adding contents to Topic;</a:t>
+            </a:r>
+          </a:p>
+          <a:p>
+            <a:pPr lvl="1"/>
+            <a:r>
+              <a:rPr lang="en-US" dirty="0" smtClean="0"/>
+              <a:t>Subscribing to Topic and sending to queue.</a:t>
+            </a:r>
+          </a:p>
+          <a:p>
+            <a:pPr lvl="1"/>
+            <a:endParaRPr lang="en-US" dirty="0"/>
+          </a:p>
+          <a:p>
+            <a:r>
+              <a:rPr lang="en-US" dirty="0" smtClean="0"/>
+              <a:t>OCR Service Design</a:t>
+            </a:r>
+          </a:p>
+          <a:p>
+            <a:pPr lvl="1"/>
+            <a:r>
+              <a:rPr lang="en-US" dirty="0" smtClean="0"/>
+              <a:t>Listens for queue messages;</a:t>
+            </a:r>
+          </a:p>
+          <a:p>
+            <a:pPr lvl="1"/>
+            <a:r>
+              <a:rPr lang="en-US" dirty="0" smtClean="0"/>
+              <a:t>Synchronous OCR processing.</a:t>
+            </a:r>
+            <a:endParaRPr lang="bg-BG" dirty="0"/>
+          </a:p>
+        </p:txBody>
+      </p:sp>
+    </p:spTree>
+    <p:extLst>
+      <p:ext uri="{BB962C8B-B14F-4D97-AF65-F5344CB8AC3E}">
+        <p14:creationId xmlns:p14="http://schemas.microsoft.com/office/powerpoint/2010/main" val="1210205287"/>
+      </p:ext>
+    </p:extLst>
+  </p:cSld>
+  <p:clrMapOvr>
+    <a:masterClrMapping/>
+  </p:clrMapOvr>
+</p:sld>
+</file>
+
+<file path=ppt/slides/slide2.xml><?xml version="1.0" encoding="utf-8"?>
+<p:sld xmlns:a="http://schemas.openxmlformats.org/drawingml/2006/main" xmlns:r="http://schemas.openxmlformats.org/officeDocument/2006/relationships" xmlns:p="http://schemas.openxmlformats.org/presentationml/2006/main">
+  <p:cSld>
+    <p:spTree>
+      <p:nvGrpSpPr>
+        <p:cNvPr id="1" name=""/>
+        <p:cNvGrpSpPr/>
+        <p:nvPr/>
+      </p:nvGrpSpPr>
+      <p:grpSpPr>
+        <a:xfrm>
+          <a:off x="0" y="0"/>
+          <a:ext cx="0" cy="0"/>
+          <a:chOff x="0" y="0"/>
+          <a:chExt cx="0" cy="0"/>
+        </a:xfrm>
+      </p:grpSpPr>
+      <p:sp>
+        <p:nvSpPr>
+          <p:cNvPr id="2" name="Title 1"/>
+          <p:cNvSpPr>
+            <a:spLocks noGrp="1"/>
+          </p:cNvSpPr>
+          <p:nvPr>
+            <p:ph type="title"/>
+          </p:nvPr>
+        </p:nvSpPr>
+        <p:spPr/>
+        <p:txBody>
+          <a:bodyPr/>
+          <a:lstStyle/>
+          <a:p>
+            <a:r>
+              <a:rPr lang="en-US" dirty="0" smtClean="0"/>
+              <a:t>What is Middleware and Types</a:t>
+            </a:r>
+            <a:endParaRPr lang="bg-BG" dirty="0"/>
+          </a:p>
+        </p:txBody>
+      </p:sp>
+      <p:sp>
+        <p:nvSpPr>
+          <p:cNvPr id="3" name="Content Placeholder 2"/>
+          <p:cNvSpPr>
+            <a:spLocks noGrp="1"/>
+          </p:cNvSpPr>
+          <p:nvPr>
+            <p:ph idx="1"/>
+          </p:nvPr>
+        </p:nvSpPr>
+        <p:spPr/>
+        <p:txBody>
+          <a:bodyPr/>
+          <a:lstStyle/>
+          <a:p>
+            <a:r>
+              <a:rPr lang="en-US" dirty="0" smtClean="0"/>
+              <a:t>In middleware we integrate </a:t>
+            </a:r>
+            <a:r>
+              <a:rPr lang="en-US" dirty="0"/>
+              <a:t>new components or to scale existing ones as efficiently as possible</a:t>
+            </a:r>
+            <a:r>
+              <a:rPr lang="en-US" dirty="0" smtClean="0"/>
+              <a:t>.</a:t>
+            </a:r>
+          </a:p>
+          <a:p>
+            <a:r>
+              <a:rPr lang="en-US" dirty="0" smtClean="0"/>
+              <a:t>Types:</a:t>
+            </a:r>
+          </a:p>
+          <a:p>
+            <a:pPr lvl="1"/>
+            <a:r>
+              <a:rPr lang="en-US" dirty="0" smtClean="0"/>
+              <a:t>Remote </a:t>
+            </a:r>
+            <a:r>
+              <a:rPr lang="en-US" dirty="0"/>
+              <a:t>Procedure </a:t>
+            </a:r>
+            <a:r>
+              <a:rPr lang="en-US" dirty="0" smtClean="0"/>
+              <a:t>Call - </a:t>
+            </a:r>
+            <a:r>
+              <a:rPr lang="en-US" dirty="0"/>
+              <a:t> which allows procedures in one application to call procedures in remote applications as if they were local calls.</a:t>
+            </a:r>
+            <a:r>
+              <a:rPr lang="en-US" dirty="0" smtClean="0"/>
+              <a:t> </a:t>
+            </a:r>
+          </a:p>
+          <a:p>
+            <a:pPr lvl="1"/>
+            <a:r>
+              <a:rPr lang="en-US" dirty="0"/>
+              <a:t>Object Request </a:t>
+            </a:r>
+            <a:r>
+              <a:rPr lang="en-US" dirty="0" smtClean="0"/>
+              <a:t>Broker - </a:t>
+            </a:r>
+            <a:r>
+              <a:rPr lang="en-US" dirty="0"/>
+              <a:t>which enables an application’s objects to be distributed and shared across heterogeneous networks.</a:t>
+            </a:r>
+            <a:endParaRPr lang="en-US" dirty="0" smtClean="0"/>
+          </a:p>
+          <a:p>
+            <a:pPr lvl="1"/>
+            <a:r>
+              <a:rPr lang="en-US" dirty="0"/>
+              <a:t>Message Oriented </a:t>
+            </a:r>
+            <a:r>
+              <a:rPr lang="en-US" dirty="0" smtClean="0"/>
+              <a:t>Middleware (MOM);</a:t>
+            </a:r>
+            <a:endParaRPr lang="bg-BG" dirty="0"/>
+          </a:p>
+        </p:txBody>
+      </p:sp>
+    </p:spTree>
+    <p:extLst>
+      <p:ext uri="{BB962C8B-B14F-4D97-AF65-F5344CB8AC3E}">
+        <p14:creationId xmlns:p14="http://schemas.microsoft.com/office/powerpoint/2010/main" val="3710457208"/>
+      </p:ext>
+    </p:extLst>
+  </p:cSld>
+  <p:clrMapOvr>
+    <a:masterClrMapping/>
+  </p:clrMapOvr>
+</p:sld>
+</file>
+
+<file path=ppt/slides/slide20.xml><?xml version="1.0" encoding="utf-8"?>
+<p:sld xmlns:a="http://schemas.openxmlformats.org/drawingml/2006/main" xmlns:r="http://schemas.openxmlformats.org/officeDocument/2006/relationships" xmlns:p="http://schemas.openxmlformats.org/presentationml/2006/main">
+  <p:cSld>
+    <p:spTree>
+      <p:nvGrpSpPr>
+        <p:cNvPr id="1" name=""/>
+        <p:cNvGrpSpPr/>
+        <p:nvPr/>
+      </p:nvGrpSpPr>
+      <p:grpSpPr>
+        <a:xfrm>
+          <a:off x="0" y="0"/>
+          <a:ext cx="0" cy="0"/>
+          <a:chOff x="0" y="0"/>
+          <a:chExt cx="0" cy="0"/>
+        </a:xfrm>
+      </p:grpSpPr>
+      <p:sp>
+        <p:nvSpPr>
+          <p:cNvPr id="2" name="Title 1"/>
+          <p:cNvSpPr>
+            <a:spLocks noGrp="1"/>
+          </p:cNvSpPr>
+          <p:nvPr>
+            <p:ph type="title"/>
+          </p:nvPr>
+        </p:nvSpPr>
+        <p:spPr/>
+        <p:txBody>
+          <a:bodyPr/>
+          <a:lstStyle/>
+          <a:p>
+            <a:r>
+              <a:rPr lang="en-US" dirty="0" smtClean="0"/>
+              <a:t>What did Viktor do?</a:t>
+            </a:r>
+            <a:endParaRPr lang="bg-BG" dirty="0"/>
+          </a:p>
+        </p:txBody>
+      </p:sp>
+      <p:sp>
+        <p:nvSpPr>
+          <p:cNvPr id="3" name="Content Placeholder 2"/>
+          <p:cNvSpPr>
+            <a:spLocks noGrp="1"/>
+          </p:cNvSpPr>
+          <p:nvPr>
+            <p:ph sz="half" idx="1"/>
+          </p:nvPr>
+        </p:nvSpPr>
+        <p:spPr/>
+        <p:txBody>
+          <a:bodyPr/>
+          <a:lstStyle/>
+          <a:p>
+            <a:r>
+              <a:rPr lang="en-US" dirty="0" smtClean="0"/>
+              <a:t>What did Viktor do?</a:t>
+            </a:r>
+          </a:p>
+          <a:p>
+            <a:pPr lvl="1"/>
+            <a:r>
+              <a:rPr lang="en-US" dirty="0" smtClean="0"/>
+              <a:t>Viktor was bored;</a:t>
+            </a:r>
+          </a:p>
+          <a:p>
+            <a:pPr lvl="1"/>
+            <a:r>
+              <a:rPr lang="en-US" dirty="0" smtClean="0"/>
+              <a:t>Viktor submitted a 1000 pages document.</a:t>
+            </a:r>
+          </a:p>
+          <a:p>
+            <a:pPr lvl="1"/>
+            <a:r>
+              <a:rPr lang="en-US" dirty="0" smtClean="0"/>
+              <a:t>Don’t be like Viktor</a:t>
+            </a:r>
+          </a:p>
+          <a:p>
+            <a:pPr lvl="1"/>
+            <a:endParaRPr lang="en-US" dirty="0"/>
+          </a:p>
+          <a:p>
+            <a:r>
+              <a:rPr lang="en-US" dirty="0"/>
+              <a:t>What happened to the OCR service?</a:t>
+            </a:r>
+          </a:p>
+          <a:p>
+            <a:pPr lvl="1"/>
+            <a:r>
+              <a:rPr lang="en-US" dirty="0"/>
+              <a:t>Took it ~24h +/- 10h to process the document;</a:t>
+            </a:r>
+          </a:p>
+          <a:p>
+            <a:pPr lvl="1"/>
+            <a:r>
+              <a:rPr lang="en-US" dirty="0"/>
+              <a:t>What about the documents uploaded meanwhile?</a:t>
+            </a:r>
+            <a:endParaRPr lang="bg-BG" dirty="0"/>
+          </a:p>
+          <a:p>
+            <a:pPr lvl="1"/>
+            <a:endParaRPr lang="bg-BG" dirty="0"/>
+          </a:p>
+        </p:txBody>
+      </p:sp>
+      <p:pic>
+        <p:nvPicPr>
+          <p:cNvPr id="5" name="Picture 4"/>
+          <p:cNvPicPr>
+            <a:picLocks noChangeAspect="1"/>
+          </p:cNvPicPr>
+          <p:nvPr/>
+        </p:nvPicPr>
+        <p:blipFill>
+          <a:blip r:embed="rId2">
+            <a:extLst>
+              <a:ext uri="{28A0092B-C50C-407E-A947-70E740481C1C}">
+                <a14:useLocalDpi xmlns:a14="http://schemas.microsoft.com/office/drawing/2010/main" val="0"/>
+              </a:ext>
+            </a:extLst>
+          </a:blip>
+          <a:stretch>
+            <a:fillRect/>
+          </a:stretch>
+        </p:blipFill>
+        <p:spPr>
+          <a:xfrm>
+            <a:off x="6496589" y="2060575"/>
+            <a:ext cx="2721551" cy="4082327"/>
+          </a:xfrm>
+          <a:prstGeom prst="rect">
+            <a:avLst/>
+          </a:prstGeom>
+        </p:spPr>
+      </p:pic>
+    </p:spTree>
+    <p:extLst>
+      <p:ext uri="{BB962C8B-B14F-4D97-AF65-F5344CB8AC3E}">
+        <p14:creationId xmlns:p14="http://schemas.microsoft.com/office/powerpoint/2010/main" val="3592096876"/>
+      </p:ext>
+    </p:extLst>
+  </p:cSld>
+  <p:clrMapOvr>
+    <a:masterClrMapping/>
+  </p:clrMapOvr>
+</p:sld>
+</file>
+
+<file path=ppt/slides/slide21.xml><?xml version="1.0" encoding="utf-8"?>
+<p:sld xmlns:a="http://schemas.openxmlformats.org/drawingml/2006/main" xmlns:r="http://schemas.openxmlformats.org/officeDocument/2006/relationships" xmlns:p="http://schemas.openxmlformats.org/presentationml/2006/main">
+  <p:cSld>
+    <p:spTree>
+      <p:nvGrpSpPr>
+        <p:cNvPr id="1" name=""/>
+        <p:cNvGrpSpPr/>
+        <p:nvPr/>
+      </p:nvGrpSpPr>
+      <p:grpSpPr>
+        <a:xfrm>
+          <a:off x="0" y="0"/>
+          <a:ext cx="0" cy="0"/>
+          <a:chOff x="0" y="0"/>
+          <a:chExt cx="0" cy="0"/>
+        </a:xfrm>
+      </p:grpSpPr>
+      <p:sp>
+        <p:nvSpPr>
+          <p:cNvPr id="2" name="Title 1"/>
+          <p:cNvSpPr>
+            <a:spLocks noGrp="1"/>
+          </p:cNvSpPr>
+          <p:nvPr>
+            <p:ph type="title"/>
+          </p:nvPr>
+        </p:nvSpPr>
+        <p:spPr/>
+        <p:txBody>
+          <a:bodyPr/>
+          <a:lstStyle/>
+          <a:p>
+            <a:r>
+              <a:rPr lang="en-US" b="1" dirty="0" smtClean="0"/>
+              <a:t>JMS Usages (2) : </a:t>
+            </a:r>
+            <a:r>
+              <a:rPr lang="en-US" b="1" dirty="0" err="1" smtClean="0"/>
+              <a:t>eGov</a:t>
+            </a:r>
+            <a:r>
+              <a:rPr lang="en-US" b="1" dirty="0"/>
+              <a:t/>
+            </a:r>
+            <a:br>
+              <a:rPr lang="en-US" b="1" dirty="0"/>
+            </a:br>
+            <a:endParaRPr lang="bg-BG" dirty="0"/>
+          </a:p>
+        </p:txBody>
+      </p:sp>
+      <p:sp>
+        <p:nvSpPr>
+          <p:cNvPr id="3" name="Content Placeholder 2"/>
+          <p:cNvSpPr>
+            <a:spLocks noGrp="1"/>
+          </p:cNvSpPr>
+          <p:nvPr>
+            <p:ph idx="1"/>
+          </p:nvPr>
+        </p:nvSpPr>
+        <p:spPr/>
+        <p:txBody>
+          <a:bodyPr/>
+          <a:lstStyle/>
+          <a:p>
+            <a:r>
+              <a:rPr lang="en-US" dirty="0" err="1" smtClean="0"/>
+              <a:t>eGov</a:t>
+            </a:r>
+            <a:r>
+              <a:rPr lang="bg-BG" dirty="0" smtClean="0"/>
+              <a:t> – </a:t>
+            </a:r>
+            <a:r>
+              <a:rPr lang="en-US" dirty="0" err="1" smtClean="0"/>
+              <a:t>eServiceApplicationProcessor</a:t>
+            </a:r>
+            <a:endParaRPr lang="en-US" dirty="0" smtClean="0"/>
+          </a:p>
+          <a:p>
+            <a:pPr lvl="1"/>
+            <a:r>
+              <a:rPr lang="en-US" dirty="0" smtClean="0"/>
+              <a:t>Quick </a:t>
+            </a:r>
+            <a:r>
+              <a:rPr lang="en-US" dirty="0" err="1" smtClean="0"/>
+              <a:t>eGov</a:t>
+            </a:r>
+            <a:r>
+              <a:rPr lang="en-US" dirty="0" smtClean="0"/>
+              <a:t> architecture overview;</a:t>
+            </a:r>
+          </a:p>
+          <a:p>
+            <a:pPr lvl="1"/>
+            <a:r>
+              <a:rPr lang="en-US" dirty="0" smtClean="0"/>
+              <a:t>What did we do?</a:t>
+            </a:r>
+          </a:p>
+          <a:p>
+            <a:endParaRPr lang="en-US" dirty="0"/>
+          </a:p>
+          <a:p>
+            <a:r>
+              <a:rPr lang="en-US" dirty="0" smtClean="0"/>
+              <a:t>Why did we do it?</a:t>
+            </a:r>
+          </a:p>
+          <a:p>
+            <a:pPr lvl="1"/>
+            <a:r>
+              <a:rPr lang="en-US" dirty="0"/>
+              <a:t>Delivery </a:t>
+            </a:r>
+            <a:r>
+              <a:rPr lang="en-US" dirty="0" smtClean="0"/>
+              <a:t>Guarantees;</a:t>
+            </a:r>
+          </a:p>
+          <a:p>
+            <a:pPr lvl="1"/>
+            <a:r>
+              <a:rPr lang="en-US" dirty="0"/>
+              <a:t>Ordering </a:t>
+            </a:r>
+            <a:r>
+              <a:rPr lang="en-US" dirty="0" smtClean="0"/>
+              <a:t>Guarantees;</a:t>
+            </a:r>
+          </a:p>
+          <a:p>
+            <a:pPr lvl="1"/>
+            <a:r>
+              <a:rPr lang="en-US" dirty="0"/>
+              <a:t>Elasticity &amp; </a:t>
+            </a:r>
+            <a:r>
+              <a:rPr lang="en-US" dirty="0" err="1" smtClean="0"/>
+              <a:t>Spikeability</a:t>
+            </a:r>
+            <a:r>
+              <a:rPr lang="en-US" dirty="0"/>
+              <a:t>.</a:t>
+            </a:r>
+            <a:endParaRPr lang="en-US" dirty="0" smtClean="0"/>
+          </a:p>
+          <a:p>
+            <a:pPr lvl="1"/>
+            <a:endParaRPr lang="en-US" dirty="0" smtClean="0"/>
+          </a:p>
+          <a:p>
+            <a:r>
+              <a:rPr lang="en-US" dirty="0" smtClean="0"/>
+              <a:t>Why not implement it with persistent tasks? Order and states!</a:t>
+            </a:r>
+            <a:endParaRPr lang="bg-BG" dirty="0"/>
+          </a:p>
+        </p:txBody>
+      </p:sp>
+      <p:pic>
+        <p:nvPicPr>
+          <p:cNvPr id="4" name="Picture 3"/>
+          <p:cNvPicPr>
+            <a:picLocks noChangeAspect="1"/>
+          </p:cNvPicPr>
+          <p:nvPr/>
+        </p:nvPicPr>
+        <p:blipFill>
+          <a:blip r:embed="rId2">
+            <a:extLst>
+              <a:ext uri="{28A0092B-C50C-407E-A947-70E740481C1C}">
+                <a14:useLocalDpi xmlns:a14="http://schemas.microsoft.com/office/drawing/2010/main" val="0"/>
+              </a:ext>
+            </a:extLst>
+          </a:blip>
+          <a:stretch>
+            <a:fillRect/>
+          </a:stretch>
+        </p:blipFill>
+        <p:spPr>
+          <a:xfrm>
+            <a:off x="9878692" y="1345898"/>
+            <a:ext cx="1825752" cy="2139696"/>
+          </a:xfrm>
+          <a:prstGeom prst="rect">
+            <a:avLst/>
+          </a:prstGeom>
+        </p:spPr>
+      </p:pic>
+    </p:spTree>
+    <p:extLst>
+      <p:ext uri="{BB962C8B-B14F-4D97-AF65-F5344CB8AC3E}">
+        <p14:creationId xmlns:p14="http://schemas.microsoft.com/office/powerpoint/2010/main" val="2543051187"/>
+      </p:ext>
+    </p:extLst>
+  </p:cSld>
+  <p:clrMapOvr>
+    <a:masterClrMapping/>
+  </p:clrMapOvr>
+</p:sld>
+</file>
+
+<file path=ppt/slides/slide22.xml><?xml version="1.0" encoding="utf-8"?>
+<p:sld xmlns:a="http://schemas.openxmlformats.org/drawingml/2006/main" xmlns:r="http://schemas.openxmlformats.org/officeDocument/2006/relationships" xmlns:p="http://schemas.openxmlformats.org/presentationml/2006/main">
+  <p:cSld>
+    <p:spTree>
+      <p:nvGrpSpPr>
+        <p:cNvPr id="1" name=""/>
+        <p:cNvGrpSpPr/>
+        <p:nvPr/>
+      </p:nvGrpSpPr>
+      <p:grpSpPr>
+        <a:xfrm>
+          <a:off x="0" y="0"/>
+          <a:ext cx="0" cy="0"/>
+          <a:chOff x="0" y="0"/>
+          <a:chExt cx="0" cy="0"/>
+        </a:xfrm>
+      </p:grpSpPr>
+      <p:sp>
+        <p:nvSpPr>
+          <p:cNvPr id="9" name="Title 8"/>
+          <p:cNvSpPr>
+            <a:spLocks noGrp="1"/>
+          </p:cNvSpPr>
+          <p:nvPr>
+            <p:ph type="title"/>
+          </p:nvPr>
+        </p:nvSpPr>
+        <p:spPr/>
+        <p:txBody>
+          <a:bodyPr/>
+          <a:lstStyle/>
+          <a:p>
+            <a:r>
+              <a:rPr lang="en-US" dirty="0" err="1" smtClean="0"/>
+              <a:t>eGov</a:t>
+            </a:r>
+            <a:r>
+              <a:rPr lang="en-US" dirty="0" smtClean="0"/>
+              <a:t> Receiving Service Application Design</a:t>
+            </a:r>
+            <a:endParaRPr lang="bg-BG" dirty="0"/>
+          </a:p>
+        </p:txBody>
+      </p:sp>
+      <p:pic>
+        <p:nvPicPr>
+          <p:cNvPr id="4" name="Content Placeholder 3"/>
+          <p:cNvPicPr>
+            <a:picLocks noGrp="1" noChangeAspect="1"/>
+          </p:cNvPicPr>
+          <p:nvPr>
+            <p:ph sz="half" idx="1"/>
+          </p:nvPr>
+        </p:nvPicPr>
+        <p:blipFill>
+          <a:blip r:embed="rId2">
+            <a:extLst>
+              <a:ext uri="{28A0092B-C50C-407E-A947-70E740481C1C}">
+                <a14:useLocalDpi xmlns:a14="http://schemas.microsoft.com/office/drawing/2010/main" val="0"/>
+              </a:ext>
+            </a:extLst>
+          </a:blip>
+          <a:stretch>
+            <a:fillRect/>
+          </a:stretch>
+        </p:blipFill>
+        <p:spPr>
+          <a:xfrm>
+            <a:off x="96377" y="2142288"/>
+            <a:ext cx="7784336" cy="4114049"/>
+          </a:xfrm>
+        </p:spPr>
+      </p:pic>
+      <p:sp>
+        <p:nvSpPr>
+          <p:cNvPr id="10" name="Content Placeholder 9"/>
+          <p:cNvSpPr>
+            <a:spLocks noGrp="1"/>
+          </p:cNvSpPr>
+          <p:nvPr>
+            <p:ph sz="half" idx="2"/>
+          </p:nvPr>
+        </p:nvSpPr>
+        <p:spPr>
+          <a:xfrm>
+            <a:off x="8134083" y="2099189"/>
+            <a:ext cx="3538934" cy="4200245"/>
+          </a:xfrm>
+        </p:spPr>
+        <p:txBody>
+          <a:bodyPr/>
+          <a:lstStyle/>
+          <a:p>
+            <a:r>
+              <a:rPr lang="en-US" dirty="0" err="1" smtClean="0"/>
+              <a:t>ePortal</a:t>
+            </a:r>
+            <a:endParaRPr lang="en-US" dirty="0" smtClean="0"/>
+          </a:p>
+          <a:p>
+            <a:pPr lvl="1"/>
+            <a:r>
+              <a:rPr lang="en-US" dirty="0" smtClean="0"/>
+              <a:t>SOAP WS </a:t>
+            </a:r>
+            <a:r>
+              <a:rPr lang="en-US" dirty="0" smtClean="0"/>
+              <a:t>communication;</a:t>
+            </a:r>
+            <a:endParaRPr lang="en-US" dirty="0" smtClean="0"/>
+          </a:p>
+          <a:p>
+            <a:pPr lvl="1"/>
+            <a:endParaRPr lang="en-US" dirty="0"/>
+          </a:p>
+          <a:p>
+            <a:r>
+              <a:rPr lang="en-US" dirty="0" smtClean="0"/>
+              <a:t>EMF</a:t>
+            </a:r>
+          </a:p>
+          <a:p>
+            <a:pPr lvl="1"/>
+            <a:r>
+              <a:rPr lang="en-US" dirty="0" smtClean="0"/>
+              <a:t>System of JMS </a:t>
+            </a:r>
+            <a:r>
+              <a:rPr lang="en-US" dirty="0" smtClean="0"/>
+              <a:t>Queues.</a:t>
+            </a:r>
+            <a:endParaRPr lang="en-US" dirty="0" smtClean="0"/>
+          </a:p>
+          <a:p>
+            <a:endParaRPr lang="bg-BG" dirty="0"/>
+          </a:p>
+        </p:txBody>
+      </p:sp>
+    </p:spTree>
+    <p:extLst>
+      <p:ext uri="{BB962C8B-B14F-4D97-AF65-F5344CB8AC3E}">
+        <p14:creationId xmlns:p14="http://schemas.microsoft.com/office/powerpoint/2010/main" val="3086768667"/>
+      </p:ext>
+    </p:extLst>
+  </p:cSld>
+  <p:clrMapOvr>
+    <a:masterClrMapping/>
+  </p:clrMapOvr>
+</p:sld>
+</file>
+
+<file path=ppt/slides/slide23.xml><?xml version="1.0" encoding="utf-8"?>
+<p:sld xmlns:a="http://schemas.openxmlformats.org/drawingml/2006/main" xmlns:r="http://schemas.openxmlformats.org/officeDocument/2006/relationships" xmlns:p="http://schemas.openxmlformats.org/presentationml/2006/main">
+  <p:cSld>
+    <p:spTree>
+      <p:nvGrpSpPr>
+        <p:cNvPr id="1" name=""/>
+        <p:cNvGrpSpPr/>
+        <p:nvPr/>
+      </p:nvGrpSpPr>
+      <p:grpSpPr>
+        <a:xfrm>
+          <a:off x="0" y="0"/>
+          <a:ext cx="0" cy="0"/>
+          <a:chOff x="0" y="0"/>
+          <a:chExt cx="0" cy="0"/>
+        </a:xfrm>
+      </p:grpSpPr>
+      <p:sp>
+        <p:nvSpPr>
+          <p:cNvPr id="2" name="Title 1"/>
+          <p:cNvSpPr>
+            <a:spLocks noGrp="1"/>
+          </p:cNvSpPr>
+          <p:nvPr>
+            <p:ph type="title"/>
+          </p:nvPr>
+        </p:nvSpPr>
+        <p:spPr/>
+        <p:txBody>
+          <a:bodyPr/>
+          <a:lstStyle/>
+          <a:p>
+            <a:r>
+              <a:rPr lang="en-US" dirty="0" smtClean="0"/>
+              <a:t>JMS Usages (3): </a:t>
+            </a:r>
+            <a:r>
+              <a:rPr lang="en-US" dirty="0" err="1" smtClean="0"/>
+              <a:t>eGov</a:t>
+            </a:r>
+            <a:endParaRPr lang="bg-BG" dirty="0"/>
+          </a:p>
+        </p:txBody>
+      </p:sp>
+      <p:sp>
+        <p:nvSpPr>
+          <p:cNvPr id="3" name="Content Placeholder 2"/>
+          <p:cNvSpPr>
+            <a:spLocks noGrp="1"/>
+          </p:cNvSpPr>
+          <p:nvPr>
+            <p:ph idx="1"/>
+          </p:nvPr>
+        </p:nvSpPr>
+        <p:spPr/>
+        <p:txBody>
+          <a:bodyPr/>
+          <a:lstStyle/>
+          <a:p>
+            <a:r>
+              <a:rPr lang="en-US" dirty="0" smtClean="0"/>
+              <a:t>The lost cases fiasco;</a:t>
+            </a:r>
+          </a:p>
+          <a:p>
+            <a:endParaRPr lang="en-US" dirty="0"/>
+          </a:p>
+          <a:p>
+            <a:r>
+              <a:rPr lang="en-US" dirty="0" smtClean="0"/>
+              <a:t>What happened?</a:t>
+            </a:r>
+          </a:p>
+          <a:p>
+            <a:pPr lvl="1"/>
+            <a:r>
+              <a:rPr lang="en-US" dirty="0" smtClean="0"/>
+              <a:t>On the </a:t>
+            </a:r>
+            <a:r>
+              <a:rPr lang="en-US" dirty="0" err="1" smtClean="0"/>
+              <a:t>ePortal</a:t>
+            </a:r>
+            <a:r>
+              <a:rPr lang="en-US" dirty="0" smtClean="0"/>
+              <a:t> was changed a certain library which was not changed in </a:t>
+            </a:r>
+            <a:r>
+              <a:rPr lang="en-US" dirty="0" err="1" smtClean="0"/>
+              <a:t>cmf</a:t>
+            </a:r>
+            <a:r>
+              <a:rPr lang="en-US" dirty="0" smtClean="0"/>
+              <a:t>;</a:t>
+            </a:r>
+          </a:p>
+          <a:p>
+            <a:pPr lvl="1"/>
+            <a:r>
+              <a:rPr lang="en-US" dirty="0" smtClean="0"/>
+              <a:t>This caused “poisoned” messages to enter the queue in </a:t>
+            </a:r>
+            <a:r>
+              <a:rPr lang="en-US" dirty="0" err="1" smtClean="0"/>
+              <a:t>cmf</a:t>
+            </a:r>
+            <a:r>
+              <a:rPr lang="en-US" dirty="0" smtClean="0"/>
+              <a:t>;</a:t>
+            </a:r>
+          </a:p>
+          <a:p>
+            <a:r>
+              <a:rPr lang="en-US" dirty="0" smtClean="0"/>
+              <a:t>How did we recover from it?</a:t>
+            </a:r>
+          </a:p>
+          <a:p>
+            <a:pPr lvl="1"/>
+            <a:r>
+              <a:rPr lang="en-US" dirty="0" smtClean="0"/>
+              <a:t>Replaced the library with the same version;</a:t>
+            </a:r>
+          </a:p>
+          <a:p>
+            <a:pPr lvl="1"/>
+            <a:r>
+              <a:rPr lang="en-US" dirty="0" err="1" smtClean="0"/>
+              <a:t>Jms</a:t>
+            </a:r>
+            <a:r>
+              <a:rPr lang="en-US" dirty="0" smtClean="0"/>
+              <a:t> messages were retried.</a:t>
+            </a:r>
+          </a:p>
+          <a:p>
+            <a:endParaRPr lang="en-US" dirty="0"/>
+          </a:p>
+          <a:p>
+            <a:endParaRPr lang="bg-BG" dirty="0"/>
+          </a:p>
+        </p:txBody>
+      </p:sp>
+    </p:spTree>
+    <p:extLst>
+      <p:ext uri="{BB962C8B-B14F-4D97-AF65-F5344CB8AC3E}">
+        <p14:creationId xmlns:p14="http://schemas.microsoft.com/office/powerpoint/2010/main" val="3095487798"/>
+      </p:ext>
+    </p:extLst>
+  </p:cSld>
+  <p:clrMapOvr>
+    <a:masterClrMapping/>
+  </p:clrMapOvr>
+</p:sld>
+</file>
+
+<file path=ppt/slides/slide24.xml><?xml version="1.0" encoding="utf-8"?>
+<p:sld xmlns:a="http://schemas.openxmlformats.org/drawingml/2006/main" xmlns:r="http://schemas.openxmlformats.org/officeDocument/2006/relationships" xmlns:p="http://schemas.openxmlformats.org/presentationml/2006/main">
+  <p:cSld>
+    <p:spTree>
+      <p:nvGrpSpPr>
+        <p:cNvPr id="1" name=""/>
+        <p:cNvGrpSpPr/>
+        <p:nvPr/>
+      </p:nvGrpSpPr>
+      <p:grpSpPr>
+        <a:xfrm>
+          <a:off x="0" y="0"/>
+          <a:ext cx="0" cy="0"/>
+          <a:chOff x="0" y="0"/>
+          <a:chExt cx="0" cy="0"/>
+        </a:xfrm>
+      </p:grpSpPr>
+      <p:sp>
+        <p:nvSpPr>
+          <p:cNvPr id="2" name="Title 1"/>
+          <p:cNvSpPr>
+            <a:spLocks noGrp="1"/>
+          </p:cNvSpPr>
+          <p:nvPr>
+            <p:ph type="title"/>
+          </p:nvPr>
+        </p:nvSpPr>
+        <p:spPr/>
+        <p:txBody>
+          <a:bodyPr/>
+          <a:lstStyle/>
+          <a:p>
+            <a:r>
+              <a:rPr lang="en-US" b="1" dirty="0"/>
+              <a:t>JMS Usages </a:t>
+            </a:r>
+            <a:r>
+              <a:rPr lang="en-US" b="1" dirty="0" smtClean="0"/>
+              <a:t>(3) </a:t>
+            </a:r>
+            <a:r>
+              <a:rPr lang="en-US" b="1" dirty="0"/>
+              <a:t>: </a:t>
+            </a:r>
+            <a:r>
+              <a:rPr lang="en-US" b="1" dirty="0" err="1" smtClean="0"/>
+              <a:t>Zimbra</a:t>
+            </a:r>
+            <a:endParaRPr lang="bg-BG" dirty="0"/>
+          </a:p>
+        </p:txBody>
+      </p:sp>
+      <p:sp>
+        <p:nvSpPr>
+          <p:cNvPr id="3" name="Content Placeholder 2"/>
+          <p:cNvSpPr>
+            <a:spLocks noGrp="1"/>
+          </p:cNvSpPr>
+          <p:nvPr>
+            <p:ph idx="1"/>
+          </p:nvPr>
+        </p:nvSpPr>
+        <p:spPr/>
+        <p:txBody>
+          <a:bodyPr/>
+          <a:lstStyle/>
+          <a:p>
+            <a:r>
+              <a:rPr lang="en-US" dirty="0"/>
+              <a:t>What did we do</a:t>
+            </a:r>
+            <a:r>
+              <a:rPr lang="en-US" dirty="0" smtClean="0"/>
+              <a:t>?</a:t>
+            </a:r>
+          </a:p>
+          <a:p>
+            <a:r>
+              <a:rPr lang="en-US" dirty="0" smtClean="0"/>
+              <a:t>Why did we do it?</a:t>
+            </a:r>
+          </a:p>
+          <a:p>
+            <a:pPr lvl="1"/>
+            <a:r>
+              <a:rPr lang="en-US" dirty="0"/>
+              <a:t>Delivery Guarantees</a:t>
+            </a:r>
+            <a:r>
+              <a:rPr lang="en-US" dirty="0" smtClean="0"/>
+              <a:t>;</a:t>
+            </a:r>
+            <a:endParaRPr lang="en-US" dirty="0"/>
+          </a:p>
+          <a:p>
+            <a:pPr lvl="1"/>
+            <a:r>
+              <a:rPr lang="en-US" dirty="0"/>
+              <a:t>Resiliency;</a:t>
+            </a:r>
+          </a:p>
+          <a:p>
+            <a:pPr lvl="1"/>
+            <a:r>
+              <a:rPr lang="en-US" dirty="0"/>
+              <a:t>Elasticity &amp; </a:t>
+            </a:r>
+            <a:r>
+              <a:rPr lang="en-US" dirty="0" err="1" smtClean="0"/>
+              <a:t>Spikability</a:t>
+            </a:r>
+            <a:r>
+              <a:rPr lang="en-US" dirty="0" smtClean="0"/>
+              <a:t>.</a:t>
+            </a:r>
+            <a:endParaRPr lang="en-US" dirty="0"/>
+          </a:p>
+          <a:p>
+            <a:endParaRPr lang="bg-BG" dirty="0"/>
+          </a:p>
+        </p:txBody>
+      </p:sp>
+    </p:spTree>
+    <p:extLst>
+      <p:ext uri="{BB962C8B-B14F-4D97-AF65-F5344CB8AC3E}">
+        <p14:creationId xmlns:p14="http://schemas.microsoft.com/office/powerpoint/2010/main" val="4155975924"/>
+      </p:ext>
+    </p:extLst>
+  </p:cSld>
+  <p:clrMapOvr>
+    <a:masterClrMapping/>
+  </p:clrMapOvr>
+</p:sld>
+</file>
+
+<file path=ppt/slides/slide25.xml><?xml version="1.0" encoding="utf-8"?>
+<p:sld xmlns:a="http://schemas.openxmlformats.org/drawingml/2006/main" xmlns:r="http://schemas.openxmlformats.org/officeDocument/2006/relationships" xmlns:p="http://schemas.openxmlformats.org/presentationml/2006/main">
+  <p:cSld>
+    <p:spTree>
+      <p:nvGrpSpPr>
+        <p:cNvPr id="1" name=""/>
+        <p:cNvGrpSpPr/>
+        <p:nvPr/>
+      </p:nvGrpSpPr>
+      <p:grpSpPr>
+        <a:xfrm>
+          <a:off x="0" y="0"/>
+          <a:ext cx="0" cy="0"/>
+          <a:chOff x="0" y="0"/>
+          <a:chExt cx="0" cy="0"/>
+        </a:xfrm>
+      </p:grpSpPr>
+      <p:sp>
+        <p:nvSpPr>
+          <p:cNvPr id="2" name="Title 1"/>
+          <p:cNvSpPr>
+            <a:spLocks noGrp="1"/>
+          </p:cNvSpPr>
+          <p:nvPr>
+            <p:ph type="title"/>
+          </p:nvPr>
+        </p:nvSpPr>
+        <p:spPr/>
+        <p:txBody>
+          <a:bodyPr/>
+          <a:lstStyle/>
+          <a:p>
+            <a:r>
+              <a:rPr lang="en-US" dirty="0" smtClean="0"/>
+              <a:t>Monitoring Queues in </a:t>
+            </a:r>
+            <a:r>
+              <a:rPr lang="en-US" dirty="0" err="1" smtClean="0"/>
+              <a:t>WildFly</a:t>
+            </a:r>
+            <a:endParaRPr lang="bg-BG" dirty="0"/>
+          </a:p>
+        </p:txBody>
+      </p:sp>
+      <p:sp>
+        <p:nvSpPr>
+          <p:cNvPr id="3" name="Content Placeholder 2"/>
+          <p:cNvSpPr>
+            <a:spLocks noGrp="1"/>
+          </p:cNvSpPr>
+          <p:nvPr>
+            <p:ph idx="1"/>
+          </p:nvPr>
+        </p:nvSpPr>
+        <p:spPr>
+          <a:xfrm>
+            <a:off x="1103312" y="2052918"/>
+            <a:ext cx="9020991" cy="2153315"/>
+          </a:xfrm>
+        </p:spPr>
+        <p:txBody>
+          <a:bodyPr/>
+          <a:lstStyle/>
+          <a:p>
+            <a:r>
+              <a:rPr lang="en-US" dirty="0" err="1" smtClean="0"/>
+              <a:t>WildFly</a:t>
+            </a:r>
+            <a:r>
+              <a:rPr lang="en-US" dirty="0" smtClean="0"/>
+              <a:t> Management Console;</a:t>
+            </a:r>
+          </a:p>
+          <a:p>
+            <a:pPr lvl="1"/>
+            <a:r>
+              <a:rPr lang="en-US" dirty="0" smtClean="0"/>
+              <a:t>Add a new user in the management realm using add-user.bat / add-user.sh.</a:t>
+            </a:r>
+          </a:p>
+          <a:p>
+            <a:pPr marL="457200" lvl="1" indent="0">
+              <a:buNone/>
+            </a:pPr>
+            <a:endParaRPr lang="en-US" dirty="0"/>
+          </a:p>
+          <a:p>
+            <a:pPr marL="400050"/>
+            <a:r>
+              <a:rPr lang="en-US" dirty="0" smtClean="0"/>
+              <a:t>Open Server’s address, port 8080</a:t>
+            </a:r>
+            <a:endParaRPr lang="en-US" dirty="0"/>
+          </a:p>
+        </p:txBody>
+      </p:sp>
+      <p:pic>
+        <p:nvPicPr>
+          <p:cNvPr id="4" name="Picture 3"/>
+          <p:cNvPicPr>
+            <a:picLocks noChangeAspect="1"/>
+          </p:cNvPicPr>
+          <p:nvPr/>
+        </p:nvPicPr>
+        <p:blipFill>
+          <a:blip r:embed="rId2"/>
+          <a:stretch>
+            <a:fillRect/>
+          </a:stretch>
+        </p:blipFill>
+        <p:spPr>
+          <a:xfrm>
+            <a:off x="2688753" y="4405903"/>
+            <a:ext cx="4906534" cy="2241836"/>
+          </a:xfrm>
+          <a:prstGeom prst="rect">
+            <a:avLst/>
+          </a:prstGeom>
+        </p:spPr>
+      </p:pic>
+      <p:pic>
+        <p:nvPicPr>
+          <p:cNvPr id="7" name="Picture 6"/>
+          <p:cNvPicPr>
+            <a:picLocks noChangeAspect="1"/>
+          </p:cNvPicPr>
+          <p:nvPr/>
+        </p:nvPicPr>
+        <p:blipFill>
+          <a:blip r:embed="rId2"/>
+          <a:stretch>
+            <a:fillRect/>
+          </a:stretch>
+        </p:blipFill>
+        <p:spPr>
+          <a:xfrm>
+            <a:off x="2895205" y="4405903"/>
+            <a:ext cx="4906534" cy="2241836"/>
+          </a:xfrm>
+          <a:prstGeom prst="rect">
+            <a:avLst/>
+          </a:prstGeom>
+        </p:spPr>
+      </p:pic>
+    </p:spTree>
+    <p:extLst>
+      <p:ext uri="{BB962C8B-B14F-4D97-AF65-F5344CB8AC3E}">
+        <p14:creationId xmlns:p14="http://schemas.microsoft.com/office/powerpoint/2010/main" val="986903569"/>
+      </p:ext>
+    </p:extLst>
+  </p:cSld>
+  <p:clrMapOvr>
+    <a:masterClrMapping/>
+  </p:clrMapOvr>
+</p:sld>
+</file>
+
+<file path=ppt/slides/slide26.xml><?xml version="1.0" encoding="utf-8"?>
+<p:sld xmlns:a="http://schemas.openxmlformats.org/drawingml/2006/main" xmlns:r="http://schemas.openxmlformats.org/officeDocument/2006/relationships" xmlns:p="http://schemas.openxmlformats.org/presentationml/2006/main">
+  <p:cSld>
+    <p:spTree>
+      <p:nvGrpSpPr>
+        <p:cNvPr id="1" name=""/>
+        <p:cNvGrpSpPr/>
+        <p:nvPr/>
+      </p:nvGrpSpPr>
+      <p:grpSpPr>
+        <a:xfrm>
+          <a:off x="0" y="0"/>
+          <a:ext cx="0" cy="0"/>
+          <a:chOff x="0" y="0"/>
+          <a:chExt cx="0" cy="0"/>
+        </a:xfrm>
+      </p:grpSpPr>
+      <p:sp>
+        <p:nvSpPr>
+          <p:cNvPr id="2" name="Title 1"/>
+          <p:cNvSpPr>
+            <a:spLocks noGrp="1"/>
+          </p:cNvSpPr>
+          <p:nvPr>
+            <p:ph type="ctrTitle"/>
+          </p:nvPr>
+        </p:nvSpPr>
+        <p:spPr/>
+        <p:txBody>
+          <a:bodyPr/>
+          <a:lstStyle/>
+          <a:p>
+            <a:r>
+              <a:rPr lang="en-US" dirty="0" smtClean="0"/>
+              <a:t>Next time: </a:t>
+            </a:r>
+            <a:r>
+              <a:rPr lang="en-US" dirty="0" smtClean="0"/>
+              <a:t>demo</a:t>
+            </a:r>
+            <a:r>
+              <a:rPr lang="en-US" dirty="0" smtClean="0"/>
+              <a:t>nstration</a:t>
+            </a:r>
+            <a:endParaRPr lang="bg-BG" dirty="0"/>
+          </a:p>
+        </p:txBody>
+      </p:sp>
+      <p:sp>
+        <p:nvSpPr>
+          <p:cNvPr id="3" name="Subtitle 2"/>
+          <p:cNvSpPr>
+            <a:spLocks noGrp="1"/>
+          </p:cNvSpPr>
+          <p:nvPr>
+            <p:ph type="subTitle" idx="1"/>
+          </p:nvPr>
+        </p:nvSpPr>
+        <p:spPr>
+          <a:xfrm>
+            <a:off x="1154955" y="4777379"/>
+            <a:ext cx="8825658" cy="1491615"/>
+          </a:xfrm>
+        </p:spPr>
+        <p:txBody>
+          <a:bodyPr/>
+          <a:lstStyle/>
+          <a:p>
+            <a:r>
+              <a:rPr lang="en-US" dirty="0" smtClean="0"/>
+              <a:t>JMS demonstration with </a:t>
+            </a:r>
+            <a:r>
+              <a:rPr lang="en-US" dirty="0" err="1" smtClean="0"/>
+              <a:t>activemq</a:t>
+            </a:r>
+            <a:r>
+              <a:rPr lang="en-US" dirty="0" smtClean="0"/>
+              <a:t> and wildfly11</a:t>
+            </a:r>
+            <a:endParaRPr lang="bg-BG" dirty="0"/>
+          </a:p>
+        </p:txBody>
+      </p:sp>
+    </p:spTree>
+    <p:extLst>
+      <p:ext uri="{BB962C8B-B14F-4D97-AF65-F5344CB8AC3E}">
+        <p14:creationId xmlns:p14="http://schemas.microsoft.com/office/powerpoint/2010/main" val="1490374540"/>
+      </p:ext>
+    </p:extLst>
+  </p:cSld>
+  <p:clrMapOvr>
+    <a:masterClrMapping/>
+  </p:clrMapOvr>
+</p:sld>
+</file>
+
+<file path=ppt/slides/slide27.xml><?xml version="1.0" encoding="utf-8"?>
+<p:sld xmlns:a="http://schemas.openxmlformats.org/drawingml/2006/main" xmlns:r="http://schemas.openxmlformats.org/officeDocument/2006/relationships" xmlns:p="http://schemas.openxmlformats.org/presentationml/2006/main">
+  <p:cSld>
+    <p:spTree>
+      <p:nvGrpSpPr>
+        <p:cNvPr id="1" name=""/>
+        <p:cNvGrpSpPr/>
+        <p:nvPr/>
+      </p:nvGrpSpPr>
+      <p:grpSpPr>
+        <a:xfrm>
+          <a:off x="0" y="0"/>
+          <a:ext cx="0" cy="0"/>
+          <a:chOff x="0" y="0"/>
+          <a:chExt cx="0" cy="0"/>
+        </a:xfrm>
+      </p:grpSpPr>
+      <p:sp>
+        <p:nvSpPr>
+          <p:cNvPr id="2" name="Title 1"/>
+          <p:cNvSpPr>
+            <a:spLocks noGrp="1"/>
+          </p:cNvSpPr>
+          <p:nvPr>
+            <p:ph type="title"/>
+          </p:nvPr>
+        </p:nvSpPr>
+        <p:spPr/>
+        <p:txBody>
+          <a:bodyPr/>
+          <a:lstStyle/>
+          <a:p>
+            <a:r>
+              <a:rPr lang="en-US" dirty="0" smtClean="0"/>
+              <a:t>Questions?</a:t>
+            </a:r>
+            <a:r>
+              <a:rPr lang="en-US" b="1" dirty="0"/>
+              <a:t/>
+            </a:r>
+            <a:br>
+              <a:rPr lang="en-US" b="1" dirty="0"/>
+            </a:br>
+            <a:endParaRPr lang="bg-BG" dirty="0"/>
+          </a:p>
+        </p:txBody>
+      </p:sp>
+      <p:pic>
+        <p:nvPicPr>
+          <p:cNvPr id="4" name="Picture 3"/>
+          <p:cNvPicPr>
+            <a:picLocks noChangeAspect="1"/>
+          </p:cNvPicPr>
+          <p:nvPr/>
+        </p:nvPicPr>
+        <p:blipFill>
+          <a:blip r:embed="rId2">
+            <a:extLst>
+              <a:ext uri="{28A0092B-C50C-407E-A947-70E740481C1C}">
+                <a14:useLocalDpi xmlns:a14="http://schemas.microsoft.com/office/drawing/2010/main" val="0"/>
+              </a:ext>
+            </a:extLst>
+          </a:blip>
+          <a:stretch>
+            <a:fillRect/>
+          </a:stretch>
+        </p:blipFill>
+        <p:spPr>
+          <a:xfrm>
+            <a:off x="2586680" y="2126597"/>
+            <a:ext cx="6837406" cy="3589638"/>
+          </a:xfrm>
+          <a:prstGeom prst="rect">
+            <a:avLst/>
+          </a:prstGeom>
+        </p:spPr>
+      </p:pic>
+    </p:spTree>
+    <p:extLst>
+      <p:ext uri="{BB962C8B-B14F-4D97-AF65-F5344CB8AC3E}">
+        <p14:creationId xmlns:p14="http://schemas.microsoft.com/office/powerpoint/2010/main" val="2824181627"/>
+      </p:ext>
+    </p:extLst>
+  </p:cSld>
+  <p:clrMapOvr>
+    <a:masterClrMapping/>
+  </p:clrMapOvr>
+</p:sld>
+</file>
+
+<file path=ppt/slides/slide3.xml><?xml version="1.0" encoding="utf-8"?>
+<p:sld xmlns:a="http://schemas.openxmlformats.org/drawingml/2006/main" xmlns:r="http://schemas.openxmlformats.org/officeDocument/2006/relationships" xmlns:p="http://schemas.openxmlformats.org/presentationml/2006/main">
+  <p:cSld>
+    <p:spTree>
+      <p:nvGrpSpPr>
+        <p:cNvPr id="1" name=""/>
+        <p:cNvGrpSpPr/>
+        <p:nvPr/>
+      </p:nvGrpSpPr>
+      <p:grpSpPr>
+        <a:xfrm>
+          <a:off x="0" y="0"/>
+          <a:ext cx="0" cy="0"/>
+          <a:chOff x="0" y="0"/>
+          <a:chExt cx="0" cy="0"/>
+        </a:xfrm>
+      </p:grpSpPr>
+      <p:sp>
+        <p:nvSpPr>
+          <p:cNvPr id="2" name="Title 1"/>
+          <p:cNvSpPr>
+            <a:spLocks noGrp="1"/>
+          </p:cNvSpPr>
+          <p:nvPr>
+            <p:ph type="title"/>
+          </p:nvPr>
+        </p:nvSpPr>
+        <p:spPr/>
+        <p:txBody>
+          <a:bodyPr/>
+          <a:lstStyle/>
+          <a:p>
+            <a:r>
+              <a:rPr lang="en-US" dirty="0" smtClean="0"/>
+              <a:t>How Does the Whole Thing Work?</a:t>
+            </a:r>
+            <a:endParaRPr lang="bg-BG" dirty="0"/>
+          </a:p>
+        </p:txBody>
+      </p:sp>
+      <p:sp>
+        <p:nvSpPr>
+          <p:cNvPr id="3" name="Content Placeholder 2"/>
+          <p:cNvSpPr>
+            <a:spLocks noGrp="1"/>
+          </p:cNvSpPr>
+          <p:nvPr>
+            <p:ph idx="1"/>
+          </p:nvPr>
+        </p:nvSpPr>
+        <p:spPr/>
+        <p:txBody>
+          <a:bodyPr/>
+          <a:lstStyle/>
+          <a:p>
+            <a:r>
+              <a:rPr lang="en-US" dirty="0" smtClean="0"/>
+              <a:t>We install </a:t>
+            </a:r>
+            <a:r>
+              <a:rPr lang="en-US" dirty="0" err="1" smtClean="0"/>
+              <a:t>jms</a:t>
+            </a:r>
+            <a:r>
+              <a:rPr lang="en-US" dirty="0" smtClean="0"/>
+              <a:t> provider in our application server;</a:t>
+            </a:r>
+          </a:p>
+          <a:p>
+            <a:r>
+              <a:rPr lang="en-US" dirty="0" smtClean="0"/>
+              <a:t>We define our Administration objects</a:t>
+            </a:r>
+          </a:p>
+          <a:p>
+            <a:pPr lvl="1"/>
+            <a:r>
+              <a:rPr lang="en-US" dirty="0" smtClean="0"/>
+              <a:t>Connection factories;</a:t>
+            </a:r>
+          </a:p>
+          <a:p>
+            <a:pPr lvl="1"/>
+            <a:r>
+              <a:rPr lang="en-US" dirty="0" smtClean="0"/>
+              <a:t>Queues;</a:t>
+            </a:r>
+          </a:p>
+          <a:p>
+            <a:pPr lvl="1"/>
+            <a:r>
+              <a:rPr lang="en-US" dirty="0" smtClean="0"/>
+              <a:t>Topics;</a:t>
+            </a:r>
+          </a:p>
+          <a:p>
+            <a:r>
+              <a:rPr lang="en-US" dirty="0" smtClean="0"/>
+              <a:t>We create consumers and producers to work with messages;</a:t>
+            </a:r>
+          </a:p>
+          <a:p>
+            <a:pPr lvl="1"/>
+            <a:r>
+              <a:rPr lang="en-US" dirty="0" smtClean="0"/>
+              <a:t>The producers publish to topics and queues;</a:t>
+            </a:r>
+          </a:p>
+          <a:p>
+            <a:pPr lvl="1"/>
+            <a:r>
+              <a:rPr lang="en-US" dirty="0" smtClean="0"/>
+              <a:t>The consumers subscribe to topics and </a:t>
+            </a:r>
+            <a:r>
+              <a:rPr lang="en-US" dirty="0" err="1" smtClean="0"/>
+              <a:t>queus</a:t>
+            </a:r>
+            <a:r>
+              <a:rPr lang="en-US" dirty="0" smtClean="0"/>
+              <a:t> and read messages.</a:t>
+            </a:r>
+            <a:endParaRPr lang="bg-BG" dirty="0"/>
+          </a:p>
+        </p:txBody>
+      </p:sp>
+    </p:spTree>
+    <p:extLst>
+      <p:ext uri="{BB962C8B-B14F-4D97-AF65-F5344CB8AC3E}">
+        <p14:creationId xmlns:p14="http://schemas.microsoft.com/office/powerpoint/2010/main" val="1323501707"/>
+      </p:ext>
+    </p:extLst>
+  </p:cSld>
+  <p:clrMapOvr>
+    <a:masterClrMapping/>
+  </p:clrMapOvr>
+</p:sld>
+</file>
+
+<file path=ppt/slides/slide4.xml><?xml version="1.0" encoding="utf-8"?>
+<p:sld xmlns:a="http://schemas.openxmlformats.org/drawingml/2006/main" xmlns:r="http://schemas.openxmlformats.org/officeDocument/2006/relationships" xmlns:p="http://schemas.openxmlformats.org/presentationml/2006/main">
+  <p:cSld>
+    <p:spTree>
+      <p:nvGrpSpPr>
+        <p:cNvPr id="1" name=""/>
+        <p:cNvGrpSpPr/>
+        <p:nvPr/>
+      </p:nvGrpSpPr>
+      <p:grpSpPr>
+        <a:xfrm>
+          <a:off x="0" y="0"/>
+          <a:ext cx="0" cy="0"/>
+          <a:chOff x="0" y="0"/>
+          <a:chExt cx="0" cy="0"/>
+        </a:xfrm>
+      </p:grpSpPr>
+      <p:sp>
+        <p:nvSpPr>
+          <p:cNvPr id="2" name="Title 1"/>
+          <p:cNvSpPr>
+            <a:spLocks noGrp="1"/>
+          </p:cNvSpPr>
+          <p:nvPr>
+            <p:ph type="title"/>
+          </p:nvPr>
+        </p:nvSpPr>
+        <p:spPr/>
+        <p:txBody>
+          <a:bodyPr/>
+          <a:lstStyle/>
+          <a:p>
+            <a:r>
+              <a:rPr lang="en-US" dirty="0" smtClean="0"/>
+              <a:t>Again with a Picture</a:t>
+            </a:r>
+            <a:endParaRPr lang="bg-BG" dirty="0"/>
+          </a:p>
+        </p:txBody>
+      </p:sp>
+      <p:sp>
+        <p:nvSpPr>
+          <p:cNvPr id="3" name="Content Placeholder 2"/>
+          <p:cNvSpPr>
+            <a:spLocks noGrp="1"/>
+          </p:cNvSpPr>
+          <p:nvPr>
+            <p:ph idx="1"/>
+          </p:nvPr>
+        </p:nvSpPr>
+        <p:spPr/>
+        <p:txBody>
+          <a:bodyPr/>
+          <a:lstStyle/>
+          <a:p>
+            <a:r>
+              <a:rPr lang="en-US" smtClean="0"/>
+              <a:t>TODO</a:t>
+            </a:r>
+            <a:endParaRPr lang="bg-BG" dirty="0"/>
+          </a:p>
+        </p:txBody>
+      </p:sp>
+    </p:spTree>
+    <p:extLst>
+      <p:ext uri="{BB962C8B-B14F-4D97-AF65-F5344CB8AC3E}">
+        <p14:creationId xmlns:p14="http://schemas.microsoft.com/office/powerpoint/2010/main" val="1397752762"/>
+      </p:ext>
+    </p:extLst>
+  </p:cSld>
+  <p:clrMapOvr>
+    <a:masterClrMapping/>
+  </p:clrMapOvr>
+</p:sld>
+</file>
+
+<file path=ppt/slides/slide5.xml><?xml version="1.0" encoding="utf-8"?>
+<p:sld xmlns:a="http://schemas.openxmlformats.org/drawingml/2006/main" xmlns:r="http://schemas.openxmlformats.org/officeDocument/2006/relationships" xmlns:p="http://schemas.openxmlformats.org/presentationml/2006/main">
+  <p:cSld>
+    <p:spTree>
+      <p:nvGrpSpPr>
+        <p:cNvPr id="1" name=""/>
+        <p:cNvGrpSpPr/>
+        <p:nvPr/>
+      </p:nvGrpSpPr>
+      <p:grpSpPr>
+        <a:xfrm>
+          <a:off x="0" y="0"/>
+          <a:ext cx="0" cy="0"/>
+          <a:chOff x="0" y="0"/>
+          <a:chExt cx="0" cy="0"/>
+        </a:xfrm>
+      </p:grpSpPr>
+      <p:sp>
+        <p:nvSpPr>
+          <p:cNvPr id="2" name="Title 1"/>
+          <p:cNvSpPr>
+            <a:spLocks noGrp="1"/>
+          </p:cNvSpPr>
+          <p:nvPr>
+            <p:ph type="title"/>
+          </p:nvPr>
+        </p:nvSpPr>
+        <p:spPr/>
+        <p:txBody>
+          <a:bodyPr/>
+          <a:lstStyle/>
+          <a:p>
+            <a:r>
+              <a:rPr lang="en-US" dirty="0"/>
+              <a:t>General Idea of Messaging</a:t>
+            </a:r>
+          </a:p>
+        </p:txBody>
+      </p:sp>
+      <p:sp>
+        <p:nvSpPr>
+          <p:cNvPr id="3" name="Content Placeholder 2"/>
+          <p:cNvSpPr>
+            <a:spLocks noGrp="1"/>
+          </p:cNvSpPr>
+          <p:nvPr>
+            <p:ph idx="1"/>
+          </p:nvPr>
+        </p:nvSpPr>
+        <p:spPr/>
+        <p:txBody>
+          <a:bodyPr>
+            <a:normAutofit/>
+          </a:bodyPr>
+          <a:lstStyle/>
+          <a:p>
+            <a:r>
+              <a:rPr lang="en-US" dirty="0" smtClean="0"/>
+              <a:t>Messaging </a:t>
+            </a:r>
+            <a:r>
+              <a:rPr lang="en-US" dirty="0"/>
+              <a:t>is a method of communication between software components or </a:t>
+            </a:r>
+            <a:r>
+              <a:rPr lang="en-US" dirty="0" smtClean="0"/>
+              <a:t>applications</a:t>
+            </a:r>
+            <a:r>
+              <a:rPr lang="en-US" dirty="0"/>
+              <a:t>;</a:t>
+            </a:r>
+            <a:endParaRPr lang="en-US" dirty="0" smtClean="0"/>
+          </a:p>
+          <a:p>
+            <a:r>
+              <a:rPr lang="en-US" dirty="0"/>
+              <a:t>Messaging enables distributed communication that is </a:t>
+            </a:r>
+            <a:r>
+              <a:rPr lang="en-US" b="1" dirty="0"/>
+              <a:t>loosely </a:t>
+            </a:r>
+            <a:r>
+              <a:rPr lang="en-US" b="1" dirty="0" smtClean="0"/>
+              <a:t>coupled</a:t>
+            </a:r>
+            <a:r>
+              <a:rPr lang="en-US" dirty="0"/>
+              <a:t>;</a:t>
+            </a:r>
+          </a:p>
+          <a:p>
+            <a:r>
+              <a:rPr lang="en-US" dirty="0" smtClean="0"/>
+              <a:t>The </a:t>
+            </a:r>
+            <a:r>
+              <a:rPr lang="en-US" dirty="0"/>
+              <a:t>sender and the receiver do </a:t>
+            </a:r>
+            <a:r>
+              <a:rPr lang="en-US" b="1" dirty="0"/>
+              <a:t>not</a:t>
+            </a:r>
+            <a:r>
+              <a:rPr lang="en-US" dirty="0"/>
+              <a:t> have to be available at the same time in order to </a:t>
+            </a:r>
+            <a:r>
+              <a:rPr lang="en-US" dirty="0" smtClean="0"/>
+              <a:t>communicate.</a:t>
+            </a:r>
+            <a:endParaRPr lang="en-US" dirty="0"/>
+          </a:p>
+        </p:txBody>
+      </p:sp>
+      <p:pic>
+        <p:nvPicPr>
+          <p:cNvPr id="4" name="Picture 3"/>
+          <p:cNvPicPr>
+            <a:picLocks noChangeAspect="1"/>
+          </p:cNvPicPr>
+          <p:nvPr/>
+        </p:nvPicPr>
+        <p:blipFill>
+          <a:blip r:embed="rId2">
+            <a:extLst>
+              <a:ext uri="{28A0092B-C50C-407E-A947-70E740481C1C}">
+                <a14:useLocalDpi xmlns:a14="http://schemas.microsoft.com/office/drawing/2010/main" val="0"/>
+              </a:ext>
+            </a:extLst>
+          </a:blip>
+          <a:stretch>
+            <a:fillRect/>
+          </a:stretch>
+        </p:blipFill>
+        <p:spPr>
+          <a:xfrm>
+            <a:off x="2825191" y="4523988"/>
+            <a:ext cx="5437620" cy="1924081"/>
+          </a:xfrm>
+          <a:prstGeom prst="rect">
+            <a:avLst/>
+          </a:prstGeom>
+        </p:spPr>
+      </p:pic>
+    </p:spTree>
+    <p:extLst>
+      <p:ext uri="{BB962C8B-B14F-4D97-AF65-F5344CB8AC3E}">
+        <p14:creationId xmlns:p14="http://schemas.microsoft.com/office/powerpoint/2010/main" val="2226093922"/>
+      </p:ext>
+    </p:extLst>
+  </p:cSld>
+  <p:clrMapOvr>
+    <a:masterClrMapping/>
+  </p:clrMapOvr>
+</p:sld>
+</file>
+
+<file path=ppt/slides/slide6.xml><?xml version="1.0" encoding="utf-8"?>
+<p:sld xmlns:a="http://schemas.openxmlformats.org/drawingml/2006/main" xmlns:r="http://schemas.openxmlformats.org/officeDocument/2006/relationships" xmlns:p="http://schemas.openxmlformats.org/presentationml/2006/main">
+  <p:cSld>
+    <p:spTree>
+      <p:nvGrpSpPr>
+        <p:cNvPr id="1" name=""/>
+        <p:cNvGrpSpPr/>
+        <p:nvPr/>
+      </p:nvGrpSpPr>
+      <p:grpSpPr>
+        <a:xfrm>
+          <a:off x="0" y="0"/>
+          <a:ext cx="0" cy="0"/>
+          <a:chOff x="0" y="0"/>
+          <a:chExt cx="0" cy="0"/>
+        </a:xfrm>
+      </p:grpSpPr>
+      <p:sp>
+        <p:nvSpPr>
+          <p:cNvPr id="2" name="Title 1"/>
+          <p:cNvSpPr>
+            <a:spLocks noGrp="1"/>
+          </p:cNvSpPr>
+          <p:nvPr>
+            <p:ph type="title"/>
+          </p:nvPr>
+        </p:nvSpPr>
+        <p:spPr/>
+        <p:txBody>
+          <a:bodyPr/>
+          <a:lstStyle/>
+          <a:p>
+            <a:r>
+              <a:rPr lang="en-US" dirty="0" smtClean="0"/>
+              <a:t>JMS API</a:t>
+            </a:r>
+            <a:endParaRPr lang="bg-BG" dirty="0"/>
+          </a:p>
+        </p:txBody>
+      </p:sp>
+      <p:sp>
+        <p:nvSpPr>
+          <p:cNvPr id="3" name="Content Placeholder 2"/>
+          <p:cNvSpPr>
+            <a:spLocks noGrp="1"/>
+          </p:cNvSpPr>
+          <p:nvPr>
+            <p:ph idx="1"/>
+          </p:nvPr>
+        </p:nvSpPr>
+        <p:spPr/>
+        <p:txBody>
+          <a:bodyPr/>
+          <a:lstStyle/>
+          <a:p>
+            <a:r>
+              <a:rPr lang="en-US" dirty="0" smtClean="0"/>
+              <a:t>The </a:t>
+            </a:r>
+            <a:r>
+              <a:rPr lang="en-US" dirty="0"/>
+              <a:t>Java Message Service is a Java API that allows applications to create, send, receive, and read </a:t>
+            </a:r>
+            <a:r>
+              <a:rPr lang="en-US" dirty="0" smtClean="0"/>
+              <a:t>messages;</a:t>
+            </a:r>
+          </a:p>
+          <a:p>
+            <a:r>
+              <a:rPr lang="en-US" dirty="0" smtClean="0"/>
+              <a:t>The JMS API enables communication that does not only have the characteristics of messaging in general but is also:</a:t>
+            </a:r>
+          </a:p>
+          <a:p>
+            <a:pPr lvl="1"/>
+            <a:r>
+              <a:rPr lang="en-US" b="1" dirty="0" smtClean="0"/>
+              <a:t>Asynchronous</a:t>
+            </a:r>
+            <a:r>
+              <a:rPr lang="en-US" dirty="0"/>
+              <a:t>: A JMS provider can deliver messages to a client as they arrive; a client does not have to request messages in order to receive </a:t>
+            </a:r>
+            <a:r>
+              <a:rPr lang="en-US" dirty="0" smtClean="0"/>
+              <a:t>them</a:t>
+            </a:r>
+            <a:r>
+              <a:rPr lang="en-US" dirty="0"/>
+              <a:t>;</a:t>
+            </a:r>
+            <a:endParaRPr lang="en-US" dirty="0" smtClean="0"/>
+          </a:p>
+          <a:p>
+            <a:pPr lvl="1"/>
+            <a:r>
+              <a:rPr lang="en-US" b="1" dirty="0"/>
+              <a:t>Reliable</a:t>
+            </a:r>
+            <a:r>
+              <a:rPr lang="en-US" dirty="0"/>
+              <a:t>: The JMS API can ensure that a message is delivered once and only </a:t>
+            </a:r>
+            <a:r>
+              <a:rPr lang="en-US" dirty="0" smtClean="0"/>
+              <a:t>once</a:t>
+            </a:r>
+            <a:r>
+              <a:rPr lang="en-US" dirty="0"/>
+              <a:t>;</a:t>
+            </a:r>
+            <a:endParaRPr lang="en-US" dirty="0" smtClean="0"/>
+          </a:p>
+          <a:p>
+            <a:pPr lvl="1"/>
+            <a:r>
+              <a:rPr lang="en-US" b="1" dirty="0" smtClean="0"/>
+              <a:t>Guarantees order</a:t>
+            </a:r>
+            <a:r>
+              <a:rPr lang="en-US" dirty="0" smtClean="0"/>
+              <a:t>: message order is kept (queue structure).</a:t>
+            </a:r>
+          </a:p>
+        </p:txBody>
+      </p:sp>
+      <p:pic>
+        <p:nvPicPr>
+          <p:cNvPr id="5" name="Picture 4"/>
+          <p:cNvPicPr>
+            <a:picLocks noChangeAspect="1"/>
+          </p:cNvPicPr>
+          <p:nvPr/>
+        </p:nvPicPr>
+        <p:blipFill>
+          <a:blip r:embed="rId2">
+            <a:extLst>
+              <a:ext uri="{28A0092B-C50C-407E-A947-70E740481C1C}">
+                <a14:useLocalDpi xmlns:a14="http://schemas.microsoft.com/office/drawing/2010/main" val="0"/>
+              </a:ext>
+            </a:extLst>
+          </a:blip>
+          <a:stretch>
+            <a:fillRect/>
+          </a:stretch>
+        </p:blipFill>
+        <p:spPr>
+          <a:xfrm>
+            <a:off x="9408760" y="4835439"/>
+            <a:ext cx="2585531" cy="1870494"/>
+          </a:xfrm>
+          <a:prstGeom prst="rect">
+            <a:avLst/>
+          </a:prstGeom>
+        </p:spPr>
+      </p:pic>
+    </p:spTree>
+    <p:extLst>
+      <p:ext uri="{BB962C8B-B14F-4D97-AF65-F5344CB8AC3E}">
+        <p14:creationId xmlns:p14="http://schemas.microsoft.com/office/powerpoint/2010/main" val="3682124107"/>
+      </p:ext>
+    </p:extLst>
+  </p:cSld>
+  <p:clrMapOvr>
+    <a:masterClrMapping/>
+  </p:clrMapOvr>
+</p:sld>
+</file>
+
+<file path=ppt/slides/slide7.xml><?xml version="1.0" encoding="utf-8"?>
+<p:sld xmlns:a="http://schemas.openxmlformats.org/drawingml/2006/main" xmlns:r="http://schemas.openxmlformats.org/officeDocument/2006/relationships" xmlns:p="http://schemas.openxmlformats.org/presentationml/2006/main">
+  <p:cSld>
+    <p:spTree>
+      <p:nvGrpSpPr>
+        <p:cNvPr id="1" name=""/>
+        <p:cNvGrpSpPr/>
+        <p:nvPr/>
+      </p:nvGrpSpPr>
+      <p:grpSpPr>
+        <a:xfrm>
+          <a:off x="0" y="0"/>
+          <a:ext cx="0" cy="0"/>
+          <a:chOff x="0" y="0"/>
+          <a:chExt cx="0" cy="0"/>
+        </a:xfrm>
+      </p:grpSpPr>
+      <p:sp>
+        <p:nvSpPr>
+          <p:cNvPr id="2" name="Title 1"/>
+          <p:cNvSpPr>
+            <a:spLocks noGrp="1"/>
+          </p:cNvSpPr>
+          <p:nvPr>
+            <p:ph type="title"/>
+          </p:nvPr>
+        </p:nvSpPr>
+        <p:spPr/>
+        <p:txBody>
+          <a:bodyPr/>
+          <a:lstStyle/>
+          <a:p>
+            <a:r>
+              <a:rPr lang="en-US" dirty="0"/>
+              <a:t>Basic JMS API Concepts</a:t>
+            </a:r>
+            <a:r>
+              <a:rPr lang="en-US" b="1" dirty="0"/>
+              <a:t/>
+            </a:r>
+            <a:br>
+              <a:rPr lang="en-US" b="1" dirty="0"/>
+            </a:br>
+            <a:endParaRPr lang="bg-BG" dirty="0"/>
+          </a:p>
+        </p:txBody>
+      </p:sp>
+      <p:sp>
+        <p:nvSpPr>
+          <p:cNvPr id="3" name="Content Placeholder 2"/>
+          <p:cNvSpPr>
+            <a:spLocks noGrp="1"/>
+          </p:cNvSpPr>
+          <p:nvPr>
+            <p:ph idx="1"/>
+          </p:nvPr>
+        </p:nvSpPr>
+        <p:spPr/>
+        <p:txBody>
+          <a:bodyPr/>
+          <a:lstStyle/>
+          <a:p>
+            <a:r>
+              <a:rPr lang="en-US" dirty="0"/>
+              <a:t>A </a:t>
+            </a:r>
+            <a:r>
+              <a:rPr lang="en-US" b="1" dirty="0"/>
+              <a:t>JMS provider</a:t>
+            </a:r>
+            <a:r>
+              <a:rPr lang="en-US" dirty="0"/>
+              <a:t> is a messaging system that implements the JMS </a:t>
+            </a:r>
+            <a:r>
+              <a:rPr lang="en-US" dirty="0" smtClean="0"/>
+              <a:t>interfaces</a:t>
+            </a:r>
+            <a:r>
+              <a:rPr lang="bg-BG" dirty="0" smtClean="0"/>
+              <a:t>;</a:t>
+            </a:r>
+            <a:endParaRPr lang="en-US" dirty="0" smtClean="0"/>
+          </a:p>
+          <a:p>
+            <a:pPr lvl="1"/>
+            <a:r>
+              <a:rPr lang="en-US" dirty="0" smtClean="0"/>
+              <a:t>Which one do we use?</a:t>
+            </a:r>
+          </a:p>
+          <a:p>
+            <a:r>
+              <a:rPr lang="en-US" b="1" dirty="0" smtClean="0"/>
+              <a:t>JMS clients</a:t>
+            </a:r>
+            <a:r>
+              <a:rPr lang="en-US" dirty="0"/>
+              <a:t>:</a:t>
+            </a:r>
+            <a:r>
+              <a:rPr lang="en-US" dirty="0" smtClean="0"/>
+              <a:t> components that </a:t>
+            </a:r>
+            <a:r>
+              <a:rPr lang="en-US" dirty="0"/>
+              <a:t>produce and consume </a:t>
+            </a:r>
+            <a:r>
+              <a:rPr lang="en-US" dirty="0" smtClean="0"/>
+              <a:t>messages;</a:t>
+            </a:r>
+          </a:p>
+          <a:p>
+            <a:r>
+              <a:rPr lang="en-US" b="1" dirty="0"/>
+              <a:t>Messages</a:t>
+            </a:r>
+            <a:r>
+              <a:rPr lang="en-US" dirty="0"/>
+              <a:t> are the objects that communicate information between JMS </a:t>
+            </a:r>
+            <a:r>
+              <a:rPr lang="en-US" dirty="0" smtClean="0"/>
+              <a:t>clients</a:t>
+            </a:r>
+            <a:r>
+              <a:rPr lang="en-US" dirty="0"/>
+              <a:t>;</a:t>
+            </a:r>
+            <a:endParaRPr lang="en-US" dirty="0" smtClean="0"/>
+          </a:p>
+          <a:p>
+            <a:r>
+              <a:rPr lang="en-US" b="1" dirty="0" smtClean="0"/>
+              <a:t>Topic/Queue: </a:t>
+            </a:r>
+            <a:r>
+              <a:rPr lang="en-US" dirty="0" smtClean="0"/>
+              <a:t>the to main mechanisms, used from providers to handle messages;</a:t>
+            </a:r>
+            <a:endParaRPr lang="bg-BG" dirty="0"/>
+          </a:p>
+        </p:txBody>
+      </p:sp>
+    </p:spTree>
+    <p:extLst>
+      <p:ext uri="{BB962C8B-B14F-4D97-AF65-F5344CB8AC3E}">
+        <p14:creationId xmlns:p14="http://schemas.microsoft.com/office/powerpoint/2010/main" val="559155060"/>
+      </p:ext>
+    </p:extLst>
+  </p:cSld>
+  <p:clrMapOvr>
+    <a:masterClrMapping/>
+  </p:clrMapOvr>
+</p:sld>
+</file>
+
+<file path=ppt/slides/slide8.xml><?xml version="1.0" encoding="utf-8"?>
+<p:sld xmlns:a="http://schemas.openxmlformats.org/drawingml/2006/main" xmlns:r="http://schemas.openxmlformats.org/officeDocument/2006/relationships" xmlns:p="http://schemas.openxmlformats.org/presentationml/2006/main">
+  <p:cSld>
+    <p:spTree>
+      <p:nvGrpSpPr>
+        <p:cNvPr id="1" name=""/>
+        <p:cNvGrpSpPr/>
+        <p:nvPr/>
+      </p:nvGrpSpPr>
+      <p:grpSpPr>
+        <a:xfrm>
+          <a:off x="0" y="0"/>
+          <a:ext cx="0" cy="0"/>
+          <a:chOff x="0" y="0"/>
+          <a:chExt cx="0" cy="0"/>
+        </a:xfrm>
+      </p:grpSpPr>
+      <p:sp>
+        <p:nvSpPr>
+          <p:cNvPr id="2" name="Title 1"/>
+          <p:cNvSpPr>
+            <a:spLocks noGrp="1"/>
+          </p:cNvSpPr>
+          <p:nvPr>
+            <p:ph type="title"/>
+          </p:nvPr>
+        </p:nvSpPr>
+        <p:spPr/>
+        <p:txBody>
+          <a:bodyPr/>
+          <a:lstStyle/>
+          <a:p>
+            <a:r>
+              <a:rPr lang="en-US" dirty="0" smtClean="0"/>
+              <a:t>JMS Service Providers and What do we Use</a:t>
+            </a:r>
+            <a:endParaRPr lang="en-US" dirty="0"/>
+          </a:p>
+        </p:txBody>
+      </p:sp>
+      <p:sp>
+        <p:nvSpPr>
+          <p:cNvPr id="3" name="Content Placeholder 2"/>
+          <p:cNvSpPr>
+            <a:spLocks noGrp="1"/>
+          </p:cNvSpPr>
+          <p:nvPr>
+            <p:ph idx="1"/>
+          </p:nvPr>
+        </p:nvSpPr>
+        <p:spPr/>
+        <p:txBody>
+          <a:bodyPr/>
+          <a:lstStyle/>
+          <a:p>
+            <a:r>
+              <a:rPr lang="en-US" dirty="0" err="1" smtClean="0"/>
+              <a:t>Weblogic</a:t>
+            </a:r>
+            <a:r>
+              <a:rPr lang="en-US" dirty="0" smtClean="0"/>
+              <a:t> – Oracle;</a:t>
+            </a:r>
+          </a:p>
+          <a:p>
+            <a:r>
+              <a:rPr lang="en-US" dirty="0" err="1" smtClean="0"/>
+              <a:t>MQSeries</a:t>
+            </a:r>
+            <a:r>
+              <a:rPr lang="en-US" dirty="0" smtClean="0"/>
+              <a:t> – IBM;</a:t>
+            </a:r>
+          </a:p>
+          <a:p>
+            <a:r>
+              <a:rPr lang="en-US" dirty="0" err="1" smtClean="0"/>
+              <a:t>SoniqMQ</a:t>
+            </a:r>
+            <a:r>
+              <a:rPr lang="en-US" dirty="0" smtClean="0"/>
+              <a:t> – Postgres.</a:t>
+            </a:r>
+          </a:p>
+          <a:p>
+            <a:endParaRPr lang="en-US" dirty="0" smtClean="0"/>
+          </a:p>
+          <a:p>
+            <a:r>
+              <a:rPr lang="en-US" dirty="0" err="1" smtClean="0"/>
+              <a:t>ActiveMQ</a:t>
+            </a:r>
+            <a:r>
+              <a:rPr lang="en-US" dirty="0" smtClean="0"/>
+              <a:t> – Apache;</a:t>
+            </a:r>
+          </a:p>
+          <a:p>
+            <a:r>
+              <a:rPr lang="en-US" dirty="0" err="1" smtClean="0"/>
+              <a:t>HornetQ</a:t>
+            </a:r>
+            <a:r>
+              <a:rPr lang="en-US" dirty="0" smtClean="0"/>
+              <a:t>/ </a:t>
+            </a:r>
+            <a:r>
+              <a:rPr lang="en-US" dirty="0" err="1" smtClean="0"/>
+              <a:t>ActiveMQ</a:t>
+            </a:r>
+            <a:r>
+              <a:rPr lang="en-US" dirty="0" smtClean="0"/>
+              <a:t> Artemis – </a:t>
+            </a:r>
+            <a:r>
+              <a:rPr lang="en-US" dirty="0" err="1" smtClean="0"/>
+              <a:t>WildFly</a:t>
+            </a:r>
+            <a:r>
+              <a:rPr lang="en-US" dirty="0" smtClean="0"/>
+              <a:t>;</a:t>
+            </a:r>
+          </a:p>
+          <a:p>
+            <a:pPr lvl="1"/>
+            <a:r>
+              <a:rPr lang="en-US" dirty="0" smtClean="0"/>
+              <a:t>What’s the story with </a:t>
+            </a:r>
+            <a:r>
+              <a:rPr lang="en-US" dirty="0" err="1" smtClean="0"/>
+              <a:t>ActiveMQ</a:t>
+            </a:r>
+            <a:r>
+              <a:rPr lang="en-US" dirty="0" smtClean="0"/>
+              <a:t>?</a:t>
+            </a:r>
+          </a:p>
+          <a:p>
+            <a:pPr lvl="1"/>
+            <a:r>
+              <a:rPr lang="en-US" dirty="0" err="1" smtClean="0"/>
+              <a:t>HornetQ</a:t>
+            </a:r>
+            <a:r>
+              <a:rPr lang="en-US" dirty="0" smtClean="0"/>
+              <a:t> code was donated to </a:t>
+            </a:r>
+            <a:r>
+              <a:rPr lang="en-US" dirty="0" err="1" smtClean="0"/>
+              <a:t>ActiveMQ</a:t>
+            </a:r>
+            <a:r>
+              <a:rPr lang="en-US" dirty="0" smtClean="0"/>
+              <a:t> and is now developed under a new name – </a:t>
+            </a:r>
+            <a:r>
+              <a:rPr lang="en-US" dirty="0" err="1" smtClean="0"/>
+              <a:t>ActiveMQ</a:t>
+            </a:r>
+            <a:r>
+              <a:rPr lang="en-US" dirty="0" smtClean="0"/>
+              <a:t> Artemis.</a:t>
+            </a:r>
+          </a:p>
+        </p:txBody>
+      </p:sp>
+      <p:pic>
+        <p:nvPicPr>
+          <p:cNvPr id="4" name="Picture 3"/>
+          <p:cNvPicPr>
+            <a:picLocks noChangeAspect="1"/>
+          </p:cNvPicPr>
+          <p:nvPr/>
+        </p:nvPicPr>
+        <p:blipFill>
+          <a:blip r:embed="rId2">
+            <a:extLst>
+              <a:ext uri="{28A0092B-C50C-407E-A947-70E740481C1C}">
+                <a14:useLocalDpi xmlns:a14="http://schemas.microsoft.com/office/drawing/2010/main" val="0"/>
+              </a:ext>
+            </a:extLst>
+          </a:blip>
+          <a:stretch>
+            <a:fillRect/>
+          </a:stretch>
+        </p:blipFill>
+        <p:spPr>
+          <a:xfrm>
+            <a:off x="6419218" y="2958614"/>
+            <a:ext cx="4148044" cy="1333776"/>
+          </a:xfrm>
+          <a:prstGeom prst="rect">
+            <a:avLst/>
+          </a:prstGeom>
+        </p:spPr>
+      </p:pic>
+      <p:pic>
+        <p:nvPicPr>
+          <p:cNvPr id="5" name="Picture 4"/>
+          <p:cNvPicPr>
+            <a:picLocks noChangeAspect="1"/>
+          </p:cNvPicPr>
+          <p:nvPr/>
+        </p:nvPicPr>
+        <p:blipFill>
+          <a:blip r:embed="rId3">
+            <a:extLst>
+              <a:ext uri="{28A0092B-C50C-407E-A947-70E740481C1C}">
+                <a14:useLocalDpi xmlns:a14="http://schemas.microsoft.com/office/drawing/2010/main" val="0"/>
+              </a:ext>
+            </a:extLst>
+          </a:blip>
+          <a:stretch>
+            <a:fillRect/>
+          </a:stretch>
+        </p:blipFill>
+        <p:spPr>
+          <a:xfrm>
+            <a:off x="4673769" y="1368647"/>
+            <a:ext cx="2864760" cy="1168608"/>
+          </a:xfrm>
+          <a:prstGeom prst="rect">
+            <a:avLst/>
+          </a:prstGeom>
+        </p:spPr>
+      </p:pic>
+      <p:pic>
+        <p:nvPicPr>
+          <p:cNvPr id="6" name="Picture 5"/>
+          <p:cNvPicPr>
+            <a:picLocks noChangeAspect="1"/>
+          </p:cNvPicPr>
+          <p:nvPr/>
+        </p:nvPicPr>
+        <p:blipFill>
+          <a:blip r:embed="rId4">
+            <a:extLst>
+              <a:ext uri="{28A0092B-C50C-407E-A947-70E740481C1C}">
+                <a14:useLocalDpi xmlns:a14="http://schemas.microsoft.com/office/drawing/2010/main" val="0"/>
+              </a:ext>
+            </a:extLst>
+          </a:blip>
+          <a:stretch>
+            <a:fillRect/>
+          </a:stretch>
+        </p:blipFill>
+        <p:spPr>
+          <a:xfrm>
+            <a:off x="860855" y="5994008"/>
+            <a:ext cx="1561070" cy="454061"/>
+          </a:xfrm>
+          <a:prstGeom prst="rect">
+            <a:avLst/>
+          </a:prstGeom>
+        </p:spPr>
+      </p:pic>
+      <p:pic>
+        <p:nvPicPr>
+          <p:cNvPr id="7" name="Picture 6"/>
+          <p:cNvPicPr>
+            <a:picLocks noChangeAspect="1"/>
+          </p:cNvPicPr>
+          <p:nvPr/>
+        </p:nvPicPr>
+        <p:blipFill>
+          <a:blip r:embed="rId5">
+            <a:extLst>
+              <a:ext uri="{28A0092B-C50C-407E-A947-70E740481C1C}">
+                <a14:useLocalDpi xmlns:a14="http://schemas.microsoft.com/office/drawing/2010/main" val="0"/>
+              </a:ext>
+            </a:extLst>
+          </a:blip>
+          <a:stretch>
+            <a:fillRect/>
+          </a:stretch>
+        </p:blipFill>
+        <p:spPr>
+          <a:xfrm>
+            <a:off x="9360789" y="1533612"/>
+            <a:ext cx="1038612" cy="1038612"/>
+          </a:xfrm>
+          <a:prstGeom prst="rect">
+            <a:avLst/>
+          </a:prstGeom>
+        </p:spPr>
+      </p:pic>
+      <p:pic>
+        <p:nvPicPr>
+          <p:cNvPr id="8" name="Picture 7"/>
+          <p:cNvPicPr>
+            <a:picLocks noChangeAspect="1"/>
+          </p:cNvPicPr>
+          <p:nvPr/>
+        </p:nvPicPr>
+        <p:blipFill>
+          <a:blip r:embed="rId6">
+            <a:extLst>
+              <a:ext uri="{28A0092B-C50C-407E-A947-70E740481C1C}">
+                <a14:useLocalDpi xmlns:a14="http://schemas.microsoft.com/office/drawing/2010/main" val="0"/>
+              </a:ext>
+            </a:extLst>
+          </a:blip>
+          <a:stretch>
+            <a:fillRect/>
+          </a:stretch>
+        </p:blipFill>
+        <p:spPr>
+          <a:xfrm>
+            <a:off x="10049853" y="5349548"/>
+            <a:ext cx="1551642" cy="1163732"/>
+          </a:xfrm>
+          <a:prstGeom prst="rect">
+            <a:avLst/>
+          </a:prstGeom>
+        </p:spPr>
+      </p:pic>
+    </p:spTree>
+    <p:extLst>
+      <p:ext uri="{BB962C8B-B14F-4D97-AF65-F5344CB8AC3E}">
+        <p14:creationId xmlns:p14="http://schemas.microsoft.com/office/powerpoint/2010/main" val="960084620"/>
+      </p:ext>
+    </p:extLst>
+  </p:cSld>
+  <p:clrMapOvr>
+    <a:masterClrMapping/>
+  </p:clrMapOvr>
+</p:sld>
+</file>
+
+<file path=ppt/slides/slide9.xml><?xml version="1.0" encoding="utf-8"?>
+<p:sld xmlns:a="http://schemas.openxmlformats.org/drawingml/2006/main" xmlns:r="http://schemas.openxmlformats.org/officeDocument/2006/relationships" xmlns:p="http://schemas.openxmlformats.org/presentationml/2006/main">
+  <p:cSld>
+    <p:spTree>
+      <p:nvGrpSpPr>
+        <p:cNvPr id="1" name=""/>
+        <p:cNvGrpSpPr/>
+        <p:nvPr/>
+      </p:nvGrpSpPr>
+      <p:grpSpPr>
+        <a:xfrm>
+          <a:off x="0" y="0"/>
+          <a:ext cx="0" cy="0"/>
+          <a:chOff x="0" y="0"/>
+          <a:chExt cx="0" cy="0"/>
+        </a:xfrm>
+      </p:grpSpPr>
+      <p:sp>
+        <p:nvSpPr>
+          <p:cNvPr id="2" name="Title 1"/>
+          <p:cNvSpPr>
+            <a:spLocks noGrp="1"/>
+          </p:cNvSpPr>
+          <p:nvPr>
+            <p:ph type="title"/>
+          </p:nvPr>
+        </p:nvSpPr>
+        <p:spPr>
+          <a:xfrm>
+            <a:off x="79702" y="114966"/>
+            <a:ext cx="5456125" cy="1400530"/>
+          </a:xfrm>
+        </p:spPr>
+        <p:txBody>
+          <a:bodyPr/>
+          <a:lstStyle/>
+          <a:p>
+            <a:r>
+              <a:rPr lang="en-US" dirty="0" smtClean="0"/>
+              <a:t>JMS Architecture</a:t>
+            </a:r>
+            <a:endParaRPr lang="bg-BG" dirty="0"/>
+          </a:p>
+        </p:txBody>
+      </p:sp>
+      <p:sp>
+        <p:nvSpPr>
+          <p:cNvPr id="3" name="Content Placeholder 2"/>
+          <p:cNvSpPr>
+            <a:spLocks noGrp="1"/>
+          </p:cNvSpPr>
+          <p:nvPr>
+            <p:ph idx="1"/>
+          </p:nvPr>
+        </p:nvSpPr>
+        <p:spPr>
+          <a:xfrm>
+            <a:off x="79702" y="1515496"/>
+            <a:ext cx="5456125" cy="5256007"/>
+          </a:xfrm>
+        </p:spPr>
+        <p:txBody>
+          <a:bodyPr/>
+          <a:lstStyle/>
+          <a:p>
+            <a:r>
+              <a:rPr lang="en-US" dirty="0" smtClean="0"/>
+              <a:t>JMS Clients – looked up from JNDI;</a:t>
+            </a:r>
+          </a:p>
+          <a:p>
+            <a:pPr lvl="1"/>
+            <a:r>
+              <a:rPr lang="en-US" dirty="0" smtClean="0"/>
+              <a:t>What is JNDI?</a:t>
+            </a:r>
+            <a:endParaRPr lang="en-US" dirty="0"/>
+          </a:p>
+          <a:p>
+            <a:r>
+              <a:rPr lang="en-US" dirty="0" smtClean="0"/>
+              <a:t>Administrative tool;</a:t>
+            </a:r>
+          </a:p>
+          <a:p>
+            <a:pPr lvl="1"/>
+            <a:r>
+              <a:rPr lang="en-US" dirty="0" smtClean="0"/>
+              <a:t>Destination;</a:t>
+            </a:r>
+          </a:p>
+          <a:p>
+            <a:pPr lvl="1"/>
+            <a:r>
+              <a:rPr lang="en-US" dirty="0" smtClean="0"/>
+              <a:t>Connection</a:t>
+            </a:r>
+            <a:r>
+              <a:rPr lang="en-US" i="1" dirty="0"/>
+              <a:t> </a:t>
+            </a:r>
+            <a:r>
+              <a:rPr lang="en-US" dirty="0" smtClean="0"/>
+              <a:t>factories.</a:t>
+            </a:r>
+          </a:p>
+          <a:p>
+            <a:r>
+              <a:rPr lang="en-US" dirty="0" smtClean="0"/>
+              <a:t>Messages;</a:t>
+            </a:r>
+          </a:p>
+          <a:p>
+            <a:pPr lvl="1"/>
+            <a:r>
+              <a:rPr lang="en-US" dirty="0" smtClean="0"/>
+              <a:t>Objects used to transfer the data.</a:t>
+            </a:r>
+          </a:p>
+          <a:p>
+            <a:r>
+              <a:rPr lang="en-US" dirty="0"/>
+              <a:t>JMS </a:t>
+            </a:r>
+            <a:r>
+              <a:rPr lang="en-US" dirty="0" smtClean="0"/>
+              <a:t>Provider.</a:t>
+            </a:r>
+          </a:p>
+          <a:p>
+            <a:pPr lvl="1"/>
+            <a:endParaRPr lang="en-US" dirty="0"/>
+          </a:p>
+          <a:p>
+            <a:pPr lvl="1"/>
+            <a:endParaRPr lang="bg-BG" dirty="0"/>
+          </a:p>
+        </p:txBody>
+      </p:sp>
+      <p:pic>
+        <p:nvPicPr>
+          <p:cNvPr id="6" name="Picture 5"/>
+          <p:cNvPicPr>
+            <a:picLocks noChangeAspect="1"/>
+          </p:cNvPicPr>
+          <p:nvPr/>
+        </p:nvPicPr>
+        <p:blipFill>
+          <a:blip r:embed="rId2">
+            <a:extLst>
+              <a:ext uri="{28A0092B-C50C-407E-A947-70E740481C1C}">
+                <a14:useLocalDpi xmlns:a14="http://schemas.microsoft.com/office/drawing/2010/main" val="0"/>
+              </a:ext>
+            </a:extLst>
+          </a:blip>
+          <a:stretch>
+            <a:fillRect/>
+          </a:stretch>
+        </p:blipFill>
+        <p:spPr>
+          <a:xfrm>
+            <a:off x="5602085" y="0"/>
+            <a:ext cx="6589915" cy="6858000"/>
+          </a:xfrm>
+          <a:prstGeom prst="rect">
+            <a:avLst/>
+          </a:prstGeom>
+        </p:spPr>
+      </p:pic>
+    </p:spTree>
+    <p:extLst>
+      <p:ext uri="{BB962C8B-B14F-4D97-AF65-F5344CB8AC3E}">
+        <p14:creationId xmlns:p14="http://schemas.microsoft.com/office/powerpoint/2010/main" val="466269549"/>
       </p:ext>
     </p:extLst>
   </p:cSld>
